--- a/001_Python.pptx
+++ b/001_Python.pptx
@@ -58,6 +58,38 @@
     <p:sldId id="304" r:id="rId52"/>
     <p:sldId id="305" r:id="rId53"/>
     <p:sldId id="306" r:id="rId54"/>
+    <p:sldId id="307" r:id="rId55"/>
+    <p:sldId id="308" r:id="rId56"/>
+    <p:sldId id="309" r:id="rId57"/>
+    <p:sldId id="310" r:id="rId58"/>
+    <p:sldId id="311" r:id="rId59"/>
+    <p:sldId id="312" r:id="rId60"/>
+    <p:sldId id="313" r:id="rId61"/>
+    <p:sldId id="314" r:id="rId62"/>
+    <p:sldId id="315" r:id="rId63"/>
+    <p:sldId id="316" r:id="rId64"/>
+    <p:sldId id="317" r:id="rId65"/>
+    <p:sldId id="318" r:id="rId66"/>
+    <p:sldId id="319" r:id="rId67"/>
+    <p:sldId id="320" r:id="rId68"/>
+    <p:sldId id="321" r:id="rId69"/>
+    <p:sldId id="322" r:id="rId70"/>
+    <p:sldId id="323" r:id="rId71"/>
+    <p:sldId id="324" r:id="rId72"/>
+    <p:sldId id="325" r:id="rId73"/>
+    <p:sldId id="326" r:id="rId74"/>
+    <p:sldId id="327" r:id="rId75"/>
+    <p:sldId id="328" r:id="rId76"/>
+    <p:sldId id="329" r:id="rId77"/>
+    <p:sldId id="330" r:id="rId78"/>
+    <p:sldId id="331" r:id="rId79"/>
+    <p:sldId id="332" r:id="rId80"/>
+    <p:sldId id="333" r:id="rId81"/>
+    <p:sldId id="334" r:id="rId82"/>
+    <p:sldId id="335" r:id="rId83"/>
+    <p:sldId id="336" r:id="rId84"/>
+    <p:sldId id="337" r:id="rId85"/>
+    <p:sldId id="338" r:id="rId86"/>
   </p:sldIdLst>
   <p:sldSz cx="12192000" cy="6858000"/>
   <p:notesSz cx="6858000" cy="9144000"/>
@@ -4202,7 +4234,7 @@
           <a:p>
             <a:fld id="{83284890-85D2-4D7B-8EF5-15A9C1DB8F42}" type="datetimeFigureOut">
               <a:rPr lang="en-US" dirty="0"/>
-              <a:t>11/9/2021</a:t>
+              <a:t>11/30/2021</a:t>
             </a:fld>
             <a:endParaRPr lang="en-US" dirty="0"/>
           </a:p>
@@ -4409,7 +4441,7 @@
           <a:p>
             <a:fld id="{87157CC2-0FC8-4686-B024-99790E0F5162}" type="datetimeFigureOut">
               <a:rPr lang="en-US" dirty="0"/>
-              <a:t>11/9/2021</a:t>
+              <a:t>11/30/2021</a:t>
             </a:fld>
             <a:endParaRPr lang="en-US" dirty="0"/>
           </a:p>
@@ -4616,7 +4648,7 @@
           <a:p>
             <a:fld id="{F6764DA5-CD3D-4590-A511-FCD3BC7A793E}" type="datetimeFigureOut">
               <a:rPr lang="en-US" dirty="0"/>
-              <a:t>11/9/2021</a:t>
+              <a:t>11/30/2021</a:t>
             </a:fld>
             <a:endParaRPr lang="en-US" dirty="0"/>
           </a:p>
@@ -4813,7 +4845,7 @@
           <a:p>
             <a:fld id="{82F5661D-6934-4B32-B92C-470368BF1EC6}" type="datetimeFigureOut">
               <a:rPr lang="en-US" dirty="0"/>
-              <a:t>11/9/2021</a:t>
+              <a:t>11/30/2021</a:t>
             </a:fld>
             <a:endParaRPr lang="en-US" dirty="0"/>
           </a:p>
@@ -5124,7 +5156,7 @@
           <a:p>
             <a:fld id="{C6F822A4-8DA6-4447-9B1F-C5DB58435268}" type="datetimeFigureOut">
               <a:rPr lang="en-US" dirty="0"/>
-              <a:t>11/9/2021</a:t>
+              <a:t>11/30/2021</a:t>
             </a:fld>
             <a:endParaRPr lang="en-US" dirty="0"/>
           </a:p>
@@ -5532,7 +5564,7 @@
           <a:p>
             <a:fld id="{E548D31E-DCDA-41A7-9C67-C4B11B94D21D}" type="datetimeFigureOut">
               <a:rPr lang="en-US" dirty="0"/>
-              <a:t>11/9/2021</a:t>
+              <a:t>11/30/2021</a:t>
             </a:fld>
             <a:endParaRPr lang="en-US" dirty="0"/>
           </a:p>
@@ -5961,7 +5993,7 @@
           <a:p>
             <a:fld id="{9B3762C0-B258-48F1-ADE6-176B4174CCDD}" type="datetimeFigureOut">
               <a:rPr lang="en-US" dirty="0"/>
-              <a:t>11/9/2021</a:t>
+              <a:t>11/30/2021</a:t>
             </a:fld>
             <a:endParaRPr lang="en-US" dirty="0"/>
           </a:p>
@@ -6080,7 +6112,7 @@
           <a:p>
             <a:fld id="{677919A6-33EB-49BD-A62F-1FA56B9F9712}" type="datetimeFigureOut">
               <a:rPr lang="en-US" dirty="0"/>
-              <a:t>11/9/2021</a:t>
+              <a:t>11/30/2021</a:t>
             </a:fld>
             <a:endParaRPr lang="en-US" dirty="0"/>
           </a:p>
@@ -6170,7 +6202,7 @@
           <a:p>
             <a:fld id="{CA4E7D1B-D673-4CF6-8672-009D42ABD2A0}" type="datetimeFigureOut">
               <a:rPr lang="en-US" dirty="0"/>
-              <a:t>11/9/2021</a:t>
+              <a:t>11/30/2021</a:t>
             </a:fld>
             <a:endParaRPr lang="en-US" dirty="0"/>
           </a:p>
@@ -6528,7 +6560,7 @@
           <a:p>
             <a:fld id="{DA16AA21-1863-4931-97CB-99D0A168701B}" type="datetimeFigureOut">
               <a:rPr lang="en-US" dirty="0"/>
-              <a:t>11/9/2021</a:t>
+              <a:t>11/30/2021</a:t>
             </a:fld>
             <a:endParaRPr lang="en-US" dirty="0"/>
           </a:p>
@@ -6948,7 +6980,7 @@
           <a:p>
             <a:fld id="{3772C379-9A7C-4C87-A116-CBE9F58B04C5}" type="datetimeFigureOut">
               <a:rPr lang="en-US" dirty="0"/>
-              <a:t>11/9/2021</a:t>
+              <a:t>11/30/2021</a:t>
             </a:fld>
             <a:endParaRPr lang="en-US" dirty="0"/>
           </a:p>
@@ -7224,7 +7256,7 @@
           <a:p>
             <a:fld id="{8664C608-40B1-4030-A28D-5B74BC98ADCE}" type="datetimeFigureOut">
               <a:rPr lang="en-US" dirty="0"/>
-              <a:t>11/9/2021</a:t>
+              <a:t>11/30/2021</a:t>
             </a:fld>
             <a:endParaRPr lang="en-US" dirty="0"/>
           </a:p>
@@ -17789,6 +17821,1047 @@
 </p:sld>
 </file>
 
+<file path=ppt/slides/slide54.xml><?xml version="1.0" encoding="utf-8"?>
+<p:sld xmlns:a="http://schemas.openxmlformats.org/drawingml/2006/main" xmlns:r="http://schemas.openxmlformats.org/officeDocument/2006/relationships" xmlns:p="http://schemas.openxmlformats.org/presentationml/2006/main">
+  <p:cSld>
+    <p:spTree>
+      <p:nvGrpSpPr>
+        <p:cNvPr id="1" name=""/>
+        <p:cNvGrpSpPr/>
+        <p:nvPr/>
+      </p:nvGrpSpPr>
+      <p:grpSpPr>
+        <a:xfrm>
+          <a:off x="0" y="0"/>
+          <a:ext cx="0" cy="0"/>
+          <a:chOff x="0" y="0"/>
+          <a:chExt cx="0" cy="0"/>
+        </a:xfrm>
+      </p:grpSpPr>
+      <p:sp>
+        <p:nvSpPr>
+          <p:cNvPr id="2" name="Başlık 1">
+            <a:extLst>
+              <a:ext uri="{FF2B5EF4-FFF2-40B4-BE49-F238E27FC236}">
+                <a16:creationId xmlns:a16="http://schemas.microsoft.com/office/drawing/2014/main" id="{AC7DEC34-6BCF-44D2-8BFD-DB337F019DA1}"/>
+              </a:ext>
+            </a:extLst>
+          </p:cNvPr>
+          <p:cNvSpPr>
+            <a:spLocks noGrp="1"/>
+          </p:cNvSpPr>
+          <p:nvPr>
+            <p:ph type="title"/>
+          </p:nvPr>
+        </p:nvSpPr>
+        <p:spPr/>
+        <p:txBody>
+          <a:bodyPr/>
+          <a:lstStyle/>
+          <a:p>
+            <a:r>
+              <a:rPr lang="tr-TR" dirty="0">
+                <a:effectLst/>
+              </a:rPr>
+              <a:t>FONKSİYONLAR</a:t>
+            </a:r>
+            <a:endParaRPr lang="tr-TR" sz="2400" dirty="0"/>
+          </a:p>
+        </p:txBody>
+      </p:sp>
+    </p:spTree>
+    <p:extLst>
+      <p:ext uri="{BB962C8B-B14F-4D97-AF65-F5344CB8AC3E}">
+        <p14:creationId xmlns:p14="http://schemas.microsoft.com/office/powerpoint/2010/main" val="4163649983"/>
+      </p:ext>
+    </p:extLst>
+  </p:cSld>
+  <p:clrMapOvr>
+    <a:masterClrMapping/>
+  </p:clrMapOvr>
+</p:sld>
+</file>
+
+<file path=ppt/slides/slide55.xml><?xml version="1.0" encoding="utf-8"?>
+<p:sld xmlns:a="http://schemas.openxmlformats.org/drawingml/2006/main" xmlns:r="http://schemas.openxmlformats.org/officeDocument/2006/relationships" xmlns:p="http://schemas.openxmlformats.org/presentationml/2006/main">
+  <p:cSld>
+    <p:spTree>
+      <p:nvGrpSpPr>
+        <p:cNvPr id="1" name=""/>
+        <p:cNvGrpSpPr/>
+        <p:nvPr/>
+      </p:nvGrpSpPr>
+      <p:grpSpPr>
+        <a:xfrm>
+          <a:off x="0" y="0"/>
+          <a:ext cx="0" cy="0"/>
+          <a:chOff x="0" y="0"/>
+          <a:chExt cx="0" cy="0"/>
+        </a:xfrm>
+      </p:grpSpPr>
+      <p:sp>
+        <p:nvSpPr>
+          <p:cNvPr id="2" name="Başlık 1">
+            <a:extLst>
+              <a:ext uri="{FF2B5EF4-FFF2-40B4-BE49-F238E27FC236}">
+                <a16:creationId xmlns:a16="http://schemas.microsoft.com/office/drawing/2014/main" id="{0A428717-6C66-4C12-AB6D-EEB3FC45CA00}"/>
+              </a:ext>
+            </a:extLst>
+          </p:cNvPr>
+          <p:cNvSpPr>
+            <a:spLocks noGrp="1"/>
+          </p:cNvSpPr>
+          <p:nvPr>
+            <p:ph type="title"/>
+          </p:nvPr>
+        </p:nvSpPr>
+        <p:spPr/>
+        <p:txBody>
+          <a:bodyPr/>
+          <a:lstStyle/>
+          <a:p>
+            <a:r>
+              <a:rPr lang="tr-TR" dirty="0">
+                <a:effectLst/>
+              </a:rPr>
+              <a:t>FONKSİYONLAR</a:t>
+            </a:r>
+            <a:endParaRPr lang="tr-TR" dirty="0"/>
+          </a:p>
+        </p:txBody>
+      </p:sp>
+      <p:sp>
+        <p:nvSpPr>
+          <p:cNvPr id="3" name="İçerik Yer Tutucusu 2">
+            <a:extLst>
+              <a:ext uri="{FF2B5EF4-FFF2-40B4-BE49-F238E27FC236}">
+                <a16:creationId xmlns:a16="http://schemas.microsoft.com/office/drawing/2014/main" id="{7C2C3FDC-D80C-477C-AB96-B998683CAF2B}"/>
+              </a:ext>
+            </a:extLst>
+          </p:cNvPr>
+          <p:cNvSpPr>
+            <a:spLocks noGrp="1"/>
+          </p:cNvSpPr>
+          <p:nvPr>
+            <p:ph idx="1"/>
+          </p:nvPr>
+        </p:nvSpPr>
+        <p:spPr/>
+        <p:txBody>
+          <a:bodyPr>
+            <a:normAutofit fontScale="85000" lnSpcReduction="10000"/>
+          </a:bodyPr>
+          <a:lstStyle/>
+          <a:p>
+            <a:r>
+              <a:rPr lang="tr-TR" sz="1600" dirty="0">
+                <a:effectLst/>
+              </a:rPr>
+              <a:t>Çoğu program, birkaç alt göreve bölünecek kadar büyük görevleri gerçekleştirir. Bu nedenle, programcılar genellikle programlarını işlevler olarak bilinen küçük yönetilebilir parçalara bölerler. </a:t>
+            </a:r>
+          </a:p>
+          <a:p>
+            <a:r>
+              <a:rPr lang="tr-TR" sz="1600" dirty="0">
+                <a:effectLst/>
+              </a:rPr>
+              <a:t>İşlev, belirli bir görevi gerçekleştirmek amacıyla bir program içinde bulunan bir grup ifadedir. </a:t>
+            </a:r>
+          </a:p>
+          <a:p>
+            <a:r>
+              <a:rPr lang="tr-TR" sz="1600" dirty="0">
+                <a:effectLst/>
+              </a:rPr>
+              <a:t>Büyük bir programı uzun bir ifade dizisi olarak yazmak yerine, her biri görevin belirli bir bölümünü gerçekleştiren birkaç küçük işlev olarak yazılabilir. Bu küçük işlevler daha sonra genel görevi gerçekleştirmek için istenen sırada yürütülebilir. Bu yaklaşıma bazen </a:t>
+            </a:r>
+            <a:r>
+              <a:rPr lang="tr-TR" sz="1600" dirty="0"/>
+              <a:t>böl ve yönet (</a:t>
+            </a:r>
+            <a:r>
+              <a:rPr lang="tr-TR" sz="1600" dirty="0" err="1"/>
+              <a:t>divide</a:t>
+            </a:r>
+            <a:r>
+              <a:rPr lang="tr-TR" sz="1600" dirty="0"/>
+              <a:t> </a:t>
+            </a:r>
+            <a:r>
+              <a:rPr lang="tr-TR" sz="1600" dirty="0" err="1"/>
+              <a:t>and</a:t>
+            </a:r>
+            <a:r>
+              <a:rPr lang="tr-TR" sz="1600" dirty="0"/>
+              <a:t> </a:t>
+            </a:r>
+            <a:r>
+              <a:rPr lang="tr-TR" sz="1600" dirty="0" err="1"/>
+              <a:t>conquer</a:t>
+            </a:r>
+            <a:r>
+              <a:rPr lang="tr-TR" sz="1600" dirty="0"/>
+              <a:t>) denir</a:t>
+            </a:r>
+            <a:r>
+              <a:rPr lang="tr-TR" sz="1600" dirty="0">
+                <a:effectLst/>
+              </a:rPr>
+              <a:t>, çünkü büyük bir görev kolayca gerçekleştirilebilecek birkaç küçük göreve bölünür.</a:t>
+            </a:r>
+          </a:p>
+          <a:p>
+            <a:r>
+              <a:rPr lang="tr-TR" sz="1600" dirty="0">
+                <a:effectLst/>
+              </a:rPr>
+              <a:t>Bir programda işlevleri kullanırken, genellikle program içindeki her görevi kendi işlevinde yalıtırsınız. Örneğin, gerçekçi bir ücret hesaplama programı aşağıdaki işlevlere sahip olabilir: </a:t>
+            </a:r>
+          </a:p>
+          <a:p>
+            <a:pPr lvl="1"/>
+            <a:r>
+              <a:rPr lang="tr-TR" sz="1400" dirty="0">
+                <a:effectLst/>
+              </a:rPr>
+              <a:t>Çalışanın saatlik ücretini alan bir işlev </a:t>
+            </a:r>
+          </a:p>
+          <a:p>
+            <a:pPr lvl="1"/>
+            <a:r>
+              <a:rPr lang="tr-TR" sz="1400" dirty="0">
+                <a:effectLst/>
+              </a:rPr>
+              <a:t>Çalışılan saat sayısını alan bir işlev</a:t>
+            </a:r>
+          </a:p>
+          <a:p>
+            <a:pPr lvl="1"/>
+            <a:r>
+              <a:rPr lang="tr-TR" sz="1400" dirty="0">
+                <a:effectLst/>
+              </a:rPr>
+              <a:t>Çalışanın brüt ücretini hesaplayan bir işlev</a:t>
+            </a:r>
+          </a:p>
+          <a:p>
+            <a:pPr lvl="1"/>
+            <a:r>
+              <a:rPr lang="tr-TR" sz="1400" dirty="0">
+                <a:effectLst/>
+              </a:rPr>
+              <a:t>Fazla mesaiyi hesaplayan bir işlev ödeme</a:t>
+            </a:r>
+          </a:p>
+          <a:p>
+            <a:pPr lvl="1"/>
+            <a:r>
+              <a:rPr lang="tr-TR" sz="1400" dirty="0">
+                <a:effectLst/>
+              </a:rPr>
+              <a:t>Vergi ve yardımlar için stopaj hesaplayan bir fonksiyon</a:t>
+            </a:r>
+          </a:p>
+          <a:p>
+            <a:pPr lvl="1"/>
+            <a:r>
+              <a:rPr lang="tr-TR" sz="1400" dirty="0">
+                <a:effectLst/>
+              </a:rPr>
+              <a:t>Net maaşı hesaplayan bir fonksiyon</a:t>
+            </a:r>
+          </a:p>
+          <a:p>
+            <a:pPr lvl="1"/>
+            <a:r>
+              <a:rPr lang="tr-TR" sz="1400" dirty="0">
+                <a:effectLst/>
+              </a:rPr>
+              <a:t>Maaş çekini yazdıran bir fonksiyon</a:t>
+            </a:r>
+          </a:p>
+        </p:txBody>
+      </p:sp>
+    </p:spTree>
+    <p:extLst>
+      <p:ext uri="{BB962C8B-B14F-4D97-AF65-F5344CB8AC3E}">
+        <p14:creationId xmlns:p14="http://schemas.microsoft.com/office/powerpoint/2010/main" val="1430845284"/>
+      </p:ext>
+    </p:extLst>
+  </p:cSld>
+  <p:clrMapOvr>
+    <a:masterClrMapping/>
+  </p:clrMapOvr>
+</p:sld>
+</file>
+
+<file path=ppt/slides/slide56.xml><?xml version="1.0" encoding="utf-8"?>
+<p:sld xmlns:a="http://schemas.openxmlformats.org/drawingml/2006/main" xmlns:r="http://schemas.openxmlformats.org/officeDocument/2006/relationships" xmlns:p="http://schemas.openxmlformats.org/presentationml/2006/main">
+  <p:cSld>
+    <p:bg>
+      <p:bgPr>
+        <a:solidFill>
+          <a:schemeClr val="bg1"/>
+        </a:solidFill>
+        <a:effectLst/>
+      </p:bgPr>
+    </p:bg>
+    <p:spTree>
+      <p:nvGrpSpPr>
+        <p:cNvPr id="1" name=""/>
+        <p:cNvGrpSpPr/>
+        <p:nvPr/>
+      </p:nvGrpSpPr>
+      <p:grpSpPr>
+        <a:xfrm>
+          <a:off x="0" y="0"/>
+          <a:ext cx="0" cy="0"/>
+          <a:chOff x="0" y="0"/>
+          <a:chExt cx="0" cy="0"/>
+        </a:xfrm>
+      </p:grpSpPr>
+      <p:sp>
+        <p:nvSpPr>
+          <p:cNvPr id="2" name="Başlık 1">
+            <a:extLst>
+              <a:ext uri="{FF2B5EF4-FFF2-40B4-BE49-F238E27FC236}">
+                <a16:creationId xmlns:a16="http://schemas.microsoft.com/office/drawing/2014/main" id="{0A428717-6C66-4C12-AB6D-EEB3FC45CA00}"/>
+              </a:ext>
+            </a:extLst>
+          </p:cNvPr>
+          <p:cNvSpPr>
+            <a:spLocks noGrp="1"/>
+          </p:cNvSpPr>
+          <p:nvPr>
+            <p:ph type="title"/>
+          </p:nvPr>
+        </p:nvSpPr>
+        <p:spPr>
+          <a:xfrm>
+            <a:off x="1069848" y="484632"/>
+            <a:ext cx="10058400" cy="1609344"/>
+          </a:xfrm>
+        </p:spPr>
+        <p:txBody>
+          <a:bodyPr>
+            <a:normAutofit/>
+          </a:bodyPr>
+          <a:lstStyle/>
+          <a:p>
+            <a:r>
+              <a:rPr lang="tr-TR" dirty="0">
+                <a:effectLst/>
+              </a:rPr>
+              <a:t>FONKSİYONLAR</a:t>
+            </a:r>
+            <a:endParaRPr lang="tr-TR" dirty="0"/>
+          </a:p>
+        </p:txBody>
+      </p:sp>
+      <p:sp>
+        <p:nvSpPr>
+          <p:cNvPr id="3" name="İçerik Yer Tutucusu 2">
+            <a:extLst>
+              <a:ext uri="{FF2B5EF4-FFF2-40B4-BE49-F238E27FC236}">
+                <a16:creationId xmlns:a16="http://schemas.microsoft.com/office/drawing/2014/main" id="{7C2C3FDC-D80C-477C-AB96-B998683CAF2B}"/>
+              </a:ext>
+            </a:extLst>
+          </p:cNvPr>
+          <p:cNvSpPr>
+            <a:spLocks noGrp="1"/>
+          </p:cNvSpPr>
+          <p:nvPr>
+            <p:ph idx="1"/>
+          </p:nvPr>
+        </p:nvSpPr>
+        <p:spPr>
+          <a:xfrm>
+            <a:off x="1069848" y="2121408"/>
+            <a:ext cx="4759452" cy="4050792"/>
+          </a:xfrm>
+        </p:spPr>
+        <p:txBody>
+          <a:bodyPr>
+            <a:normAutofit/>
+          </a:bodyPr>
+          <a:lstStyle/>
+          <a:p>
+            <a:r>
+              <a:rPr lang="tr-TR" b="1" dirty="0" err="1"/>
+              <a:t>Modülerleştirilmiş</a:t>
+            </a:r>
+            <a:r>
+              <a:rPr lang="tr-TR" b="1" dirty="0"/>
+              <a:t> Program (</a:t>
+            </a:r>
+            <a:r>
+              <a:rPr lang="tr-TR" b="1" dirty="0" err="1"/>
+              <a:t>modularized</a:t>
+            </a:r>
+            <a:r>
+              <a:rPr lang="tr-TR" b="1" dirty="0"/>
+              <a:t> program): </a:t>
+            </a:r>
+            <a:r>
+              <a:rPr lang="tr-TR" dirty="0"/>
+              <a:t>Her bir görevle kendi işlevinde yazılmış bir programa </a:t>
+            </a:r>
+            <a:r>
+              <a:rPr lang="tr-TR" dirty="0" err="1"/>
+              <a:t>modülerleştirilmiş</a:t>
+            </a:r>
+            <a:r>
+              <a:rPr lang="tr-TR" dirty="0"/>
+              <a:t> program denir.</a:t>
+            </a:r>
+          </a:p>
+          <a:p>
+            <a:r>
+              <a:rPr lang="tr-TR" dirty="0"/>
+              <a:t>Faydaları:</a:t>
+            </a:r>
+          </a:p>
+          <a:p>
+            <a:pPr lvl="1"/>
+            <a:r>
+              <a:rPr lang="tr-TR" dirty="0"/>
+              <a:t>Daha Basit Kod</a:t>
+            </a:r>
+          </a:p>
+          <a:p>
+            <a:pPr lvl="1"/>
+            <a:r>
+              <a:rPr lang="tr-TR" dirty="0"/>
+              <a:t>Kodun Yeniden Kullanımı</a:t>
+            </a:r>
+          </a:p>
+          <a:p>
+            <a:pPr lvl="1"/>
+            <a:r>
+              <a:rPr lang="tr-TR" dirty="0"/>
+              <a:t>Daha İyi Test</a:t>
+            </a:r>
+          </a:p>
+          <a:p>
+            <a:pPr lvl="1"/>
+            <a:r>
+              <a:rPr lang="tr-TR" dirty="0"/>
+              <a:t>Daha Hızlı Geliştirme</a:t>
+            </a:r>
+          </a:p>
+          <a:p>
+            <a:pPr lvl="1"/>
+            <a:r>
+              <a:rPr lang="tr-TR" dirty="0"/>
+              <a:t>Ekip Çalışmasını Daha Kolay Kolaylaştırma</a:t>
+            </a:r>
+          </a:p>
+        </p:txBody>
+      </p:sp>
+      <p:pic>
+        <p:nvPicPr>
+          <p:cNvPr id="5" name="Resim 4" descr="tablo içeren bir resim&#10;&#10;Açıklama otomatik olarak oluşturuldu">
+            <a:extLst>
+              <a:ext uri="{FF2B5EF4-FFF2-40B4-BE49-F238E27FC236}">
+                <a16:creationId xmlns:a16="http://schemas.microsoft.com/office/drawing/2014/main" id="{A549264F-F598-48A8-BCA7-8A090CE887D0}"/>
+              </a:ext>
+            </a:extLst>
+          </p:cNvPr>
+          <p:cNvPicPr>
+            <a:picLocks noChangeAspect="1"/>
+          </p:cNvPicPr>
+          <p:nvPr/>
+        </p:nvPicPr>
+        <p:blipFill rotWithShape="1">
+          <a:blip r:embed="rId2"/>
+          <a:srcRect r="1" b="422"/>
+          <a:stretch/>
+        </p:blipFill>
+        <p:spPr>
+          <a:xfrm>
+            <a:off x="6362702" y="2121408"/>
+            <a:ext cx="4773168" cy="3980688"/>
+          </a:xfrm>
+          <a:prstGeom prst="rect">
+            <a:avLst/>
+          </a:prstGeom>
+        </p:spPr>
+      </p:pic>
+    </p:spTree>
+    <p:extLst>
+      <p:ext uri="{BB962C8B-B14F-4D97-AF65-F5344CB8AC3E}">
+        <p14:creationId xmlns:p14="http://schemas.microsoft.com/office/powerpoint/2010/main" val="20991918"/>
+      </p:ext>
+    </p:extLst>
+  </p:cSld>
+  <p:clrMapOvr>
+    <a:masterClrMapping/>
+  </p:clrMapOvr>
+</p:sld>
+</file>
+
+<file path=ppt/slides/slide57.xml><?xml version="1.0" encoding="utf-8"?>
+<p:sld xmlns:a="http://schemas.openxmlformats.org/drawingml/2006/main" xmlns:r="http://schemas.openxmlformats.org/officeDocument/2006/relationships" xmlns:p="http://schemas.openxmlformats.org/presentationml/2006/main">
+  <p:cSld>
+    <p:bg>
+      <p:bgPr>
+        <a:solidFill>
+          <a:schemeClr val="bg1"/>
+        </a:solidFill>
+        <a:effectLst/>
+      </p:bgPr>
+    </p:bg>
+    <p:spTree>
+      <p:nvGrpSpPr>
+        <p:cNvPr id="1" name=""/>
+        <p:cNvGrpSpPr/>
+        <p:nvPr/>
+      </p:nvGrpSpPr>
+      <p:grpSpPr>
+        <a:xfrm>
+          <a:off x="0" y="0"/>
+          <a:ext cx="0" cy="0"/>
+          <a:chOff x="0" y="0"/>
+          <a:chExt cx="0" cy="0"/>
+        </a:xfrm>
+      </p:grpSpPr>
+      <p:sp>
+        <p:nvSpPr>
+          <p:cNvPr id="2" name="Başlık 1">
+            <a:extLst>
+              <a:ext uri="{FF2B5EF4-FFF2-40B4-BE49-F238E27FC236}">
+                <a16:creationId xmlns:a16="http://schemas.microsoft.com/office/drawing/2014/main" id="{0A428717-6C66-4C12-AB6D-EEB3FC45CA00}"/>
+              </a:ext>
+            </a:extLst>
+          </p:cNvPr>
+          <p:cNvSpPr>
+            <a:spLocks noGrp="1"/>
+          </p:cNvSpPr>
+          <p:nvPr>
+            <p:ph type="title"/>
+          </p:nvPr>
+        </p:nvSpPr>
+        <p:spPr>
+          <a:xfrm>
+            <a:off x="1069848" y="484632"/>
+            <a:ext cx="10058400" cy="1609344"/>
+          </a:xfrm>
+        </p:spPr>
+        <p:txBody>
+          <a:bodyPr>
+            <a:normAutofit/>
+          </a:bodyPr>
+          <a:lstStyle/>
+          <a:p>
+            <a:r>
+              <a:rPr lang="tr-TR" dirty="0">
+                <a:effectLst/>
+              </a:rPr>
+              <a:t>FONKSİYONLAR</a:t>
+            </a:r>
+            <a:endParaRPr lang="tr-TR" dirty="0"/>
+          </a:p>
+        </p:txBody>
+      </p:sp>
+      <p:sp>
+        <p:nvSpPr>
+          <p:cNvPr id="3" name="İçerik Yer Tutucusu 2">
+            <a:extLst>
+              <a:ext uri="{FF2B5EF4-FFF2-40B4-BE49-F238E27FC236}">
+                <a16:creationId xmlns:a16="http://schemas.microsoft.com/office/drawing/2014/main" id="{7C2C3FDC-D80C-477C-AB96-B998683CAF2B}"/>
+              </a:ext>
+            </a:extLst>
+          </p:cNvPr>
+          <p:cNvSpPr>
+            <a:spLocks noGrp="1"/>
+          </p:cNvSpPr>
+          <p:nvPr>
+            <p:ph idx="1"/>
+          </p:nvPr>
+        </p:nvSpPr>
+        <p:spPr>
+          <a:xfrm>
+            <a:off x="1069848" y="2121408"/>
+            <a:ext cx="4773168" cy="4050792"/>
+          </a:xfrm>
+        </p:spPr>
+        <p:txBody>
+          <a:bodyPr>
+            <a:normAutofit/>
+          </a:bodyPr>
+          <a:lstStyle/>
+          <a:p>
+            <a:r>
+              <a:rPr lang="tr-TR" sz="1300" dirty="0">
+                <a:effectLst/>
+              </a:rPr>
+              <a:t>İki tip </a:t>
+            </a:r>
+            <a:r>
+              <a:rPr lang="tr-TR" sz="1300" dirty="0"/>
+              <a:t>fonksiyon yazılabilir: </a:t>
+            </a:r>
+            <a:r>
+              <a:rPr lang="tr-TR" sz="1300" dirty="0" err="1"/>
+              <a:t>void</a:t>
+            </a:r>
+            <a:r>
+              <a:rPr lang="tr-TR" sz="1300" dirty="0"/>
+              <a:t> fonksiyonlar ve değer döndüren fonksiyonlar (</a:t>
+            </a:r>
+            <a:r>
+              <a:rPr lang="tr-TR" sz="1300" dirty="0" err="1"/>
+              <a:t>value-returning</a:t>
+            </a:r>
+            <a:r>
+              <a:rPr lang="tr-TR" sz="1300" dirty="0"/>
+              <a:t> </a:t>
+            </a:r>
+            <a:r>
+              <a:rPr lang="tr-TR" sz="1300" dirty="0" err="1"/>
+              <a:t>function</a:t>
+            </a:r>
+            <a:r>
+              <a:rPr lang="tr-TR" sz="1300" dirty="0"/>
+              <a:t>). </a:t>
+            </a:r>
+          </a:p>
+          <a:p>
+            <a:pPr lvl="1"/>
+            <a:r>
+              <a:rPr lang="tr-TR" sz="1300" b="1" dirty="0"/>
+              <a:t>Bir </a:t>
+            </a:r>
+            <a:r>
+              <a:rPr lang="tr-TR" sz="1300" b="1" dirty="0" err="1">
+                <a:effectLst/>
+              </a:rPr>
+              <a:t>void</a:t>
+            </a:r>
+            <a:r>
+              <a:rPr lang="tr-TR" sz="1300" b="1" dirty="0">
+                <a:effectLst/>
+              </a:rPr>
+              <a:t> işlevi çağırdığınızda, içerdiği ifadeleri yürütür ve ardından sonlandırılır. </a:t>
+            </a:r>
+          </a:p>
+          <a:p>
+            <a:pPr lvl="1"/>
+            <a:r>
+              <a:rPr lang="tr-TR" sz="1300" dirty="0">
+                <a:effectLst/>
+              </a:rPr>
+              <a:t>Bir değer döndüren işlevi çağırdığınızda, içerdiği ifadeleri yürütür, ardından onu çağıran ifadeye bir değer döndürür. </a:t>
+            </a:r>
+          </a:p>
+          <a:p>
+            <a:pPr lvl="2"/>
+            <a:r>
+              <a:rPr lang="tr-TR" sz="1300" dirty="0">
+                <a:effectLst/>
+              </a:rPr>
+              <a:t>Giriş işlevi, değer döndürme işlevine bir örnektir. Giriş işlevini çağırdığınızda, kullanıcının klavyede yazdığı verileri alır ve bu verileri bir dize olarak döndürür. </a:t>
+            </a:r>
+            <a:r>
+              <a:rPr lang="tr-TR" sz="1300" dirty="0" err="1">
+                <a:effectLst/>
+              </a:rPr>
+              <a:t>int</a:t>
+            </a:r>
+            <a:r>
+              <a:rPr lang="tr-TR" sz="1300" dirty="0">
+                <a:effectLst/>
+              </a:rPr>
+              <a:t> ve </a:t>
+            </a:r>
+            <a:r>
+              <a:rPr lang="tr-TR" sz="1300" dirty="0" err="1">
+                <a:effectLst/>
+              </a:rPr>
+              <a:t>float</a:t>
+            </a:r>
+            <a:r>
+              <a:rPr lang="tr-TR" sz="1300" dirty="0">
+                <a:effectLst/>
+              </a:rPr>
+              <a:t> işlevleri de değer döndüren işlevlere örnektir. </a:t>
+            </a:r>
+            <a:r>
+              <a:rPr lang="tr-TR" sz="1300" dirty="0" err="1">
+                <a:effectLst/>
+              </a:rPr>
+              <a:t>int</a:t>
+            </a:r>
+            <a:r>
+              <a:rPr lang="tr-TR" sz="1300" dirty="0">
+                <a:effectLst/>
+              </a:rPr>
+              <a:t> işlevine bir argüman iletirsiniz ve o argümanın bir tamsayıya dönüştürülmüş değerini döndürür. Benzer şekilde, </a:t>
+            </a:r>
+            <a:r>
+              <a:rPr lang="tr-TR" sz="1300" dirty="0" err="1">
+                <a:effectLst/>
+              </a:rPr>
+              <a:t>float</a:t>
+            </a:r>
+            <a:r>
+              <a:rPr lang="tr-TR" sz="1300" dirty="0">
+                <a:effectLst/>
+              </a:rPr>
+              <a:t> işlevine bir argüman iletirsiniz ve bu argümanın değerini bir </a:t>
+            </a:r>
+            <a:r>
+              <a:rPr lang="tr-TR" sz="1300" dirty="0" err="1">
+                <a:effectLst/>
+              </a:rPr>
+              <a:t>float</a:t>
+            </a:r>
+            <a:r>
+              <a:rPr lang="tr-TR" sz="1300" dirty="0">
+                <a:effectLst/>
+              </a:rPr>
+              <a:t> sayıya dönüştürülmüş olarak döndürür.</a:t>
+            </a:r>
+          </a:p>
+        </p:txBody>
+      </p:sp>
+      <p:pic>
+        <p:nvPicPr>
+          <p:cNvPr id="5" name="Resim 4">
+            <a:extLst>
+              <a:ext uri="{FF2B5EF4-FFF2-40B4-BE49-F238E27FC236}">
+                <a16:creationId xmlns:a16="http://schemas.microsoft.com/office/drawing/2014/main" id="{982B2561-A7C4-4700-B6F9-4881E9B9E5B1}"/>
+              </a:ext>
+            </a:extLst>
+          </p:cNvPr>
+          <p:cNvPicPr>
+            <a:picLocks noChangeAspect="1"/>
+          </p:cNvPicPr>
+          <p:nvPr/>
+        </p:nvPicPr>
+        <p:blipFill>
+          <a:blip r:embed="rId2"/>
+          <a:stretch>
+            <a:fillRect/>
+          </a:stretch>
+        </p:blipFill>
+        <p:spPr>
+          <a:xfrm>
+            <a:off x="6348986" y="2587792"/>
+            <a:ext cx="4773168" cy="2693334"/>
+          </a:xfrm>
+          <a:prstGeom prst="rect">
+            <a:avLst/>
+          </a:prstGeom>
+        </p:spPr>
+      </p:pic>
+    </p:spTree>
+    <p:extLst>
+      <p:ext uri="{BB962C8B-B14F-4D97-AF65-F5344CB8AC3E}">
+        <p14:creationId xmlns:p14="http://schemas.microsoft.com/office/powerpoint/2010/main" val="3784221247"/>
+      </p:ext>
+    </p:extLst>
+  </p:cSld>
+  <p:clrMapOvr>
+    <a:masterClrMapping/>
+  </p:clrMapOvr>
+</p:sld>
+</file>
+
+<file path=ppt/slides/slide58.xml><?xml version="1.0" encoding="utf-8"?>
+<p:sld xmlns:a="http://schemas.openxmlformats.org/drawingml/2006/main" xmlns:r="http://schemas.openxmlformats.org/officeDocument/2006/relationships" xmlns:p="http://schemas.openxmlformats.org/presentationml/2006/main">
+  <p:cSld>
+    <p:bg>
+      <p:bgPr>
+        <a:solidFill>
+          <a:schemeClr val="bg1"/>
+        </a:solidFill>
+        <a:effectLst/>
+      </p:bgPr>
+    </p:bg>
+    <p:spTree>
+      <p:nvGrpSpPr>
+        <p:cNvPr id="1" name=""/>
+        <p:cNvGrpSpPr/>
+        <p:nvPr/>
+      </p:nvGrpSpPr>
+      <p:grpSpPr>
+        <a:xfrm>
+          <a:off x="0" y="0"/>
+          <a:ext cx="0" cy="0"/>
+          <a:chOff x="0" y="0"/>
+          <a:chExt cx="0" cy="0"/>
+        </a:xfrm>
+      </p:grpSpPr>
+      <p:sp>
+        <p:nvSpPr>
+          <p:cNvPr id="2" name="Başlık 1">
+            <a:extLst>
+              <a:ext uri="{FF2B5EF4-FFF2-40B4-BE49-F238E27FC236}">
+                <a16:creationId xmlns:a16="http://schemas.microsoft.com/office/drawing/2014/main" id="{0A428717-6C66-4C12-AB6D-EEB3FC45CA00}"/>
+              </a:ext>
+            </a:extLst>
+          </p:cNvPr>
+          <p:cNvSpPr>
+            <a:spLocks noGrp="1"/>
+          </p:cNvSpPr>
+          <p:nvPr>
+            <p:ph type="title"/>
+          </p:nvPr>
+        </p:nvSpPr>
+        <p:spPr>
+          <a:xfrm>
+            <a:off x="1069848" y="484632"/>
+            <a:ext cx="10058400" cy="1609344"/>
+          </a:xfrm>
+        </p:spPr>
+        <p:txBody>
+          <a:bodyPr>
+            <a:normAutofit/>
+          </a:bodyPr>
+          <a:lstStyle/>
+          <a:p>
+            <a:r>
+              <a:rPr lang="tr-TR" dirty="0">
+                <a:effectLst/>
+              </a:rPr>
+              <a:t>FONKSİYONLAR</a:t>
+            </a:r>
+            <a:endParaRPr lang="tr-TR" dirty="0"/>
+          </a:p>
+        </p:txBody>
+      </p:sp>
+      <p:pic>
+        <p:nvPicPr>
+          <p:cNvPr id="8" name="Resim 7" descr="metin içeren bir resim&#10;&#10;Açıklama otomatik olarak oluşturuldu">
+            <a:extLst>
+              <a:ext uri="{FF2B5EF4-FFF2-40B4-BE49-F238E27FC236}">
+                <a16:creationId xmlns:a16="http://schemas.microsoft.com/office/drawing/2014/main" id="{B20941D7-6F38-40AC-AAC5-C499CA7AD08C}"/>
+              </a:ext>
+            </a:extLst>
+          </p:cNvPr>
+          <p:cNvPicPr>
+            <a:picLocks noChangeAspect="1"/>
+          </p:cNvPicPr>
+          <p:nvPr/>
+        </p:nvPicPr>
+        <p:blipFill>
+          <a:blip r:embed="rId2"/>
+          <a:stretch>
+            <a:fillRect/>
+          </a:stretch>
+        </p:blipFill>
+        <p:spPr>
+          <a:xfrm>
+            <a:off x="0" y="1959428"/>
+            <a:ext cx="12192000" cy="4898572"/>
+          </a:xfrm>
+          <a:prstGeom prst="rect">
+            <a:avLst/>
+          </a:prstGeom>
+        </p:spPr>
+      </p:pic>
+    </p:spTree>
+    <p:extLst>
+      <p:ext uri="{BB962C8B-B14F-4D97-AF65-F5344CB8AC3E}">
+        <p14:creationId xmlns:p14="http://schemas.microsoft.com/office/powerpoint/2010/main" val="3903299784"/>
+      </p:ext>
+    </p:extLst>
+  </p:cSld>
+  <p:clrMapOvr>
+    <a:masterClrMapping/>
+  </p:clrMapOvr>
+</p:sld>
+</file>
+
+<file path=ppt/slides/slide59.xml><?xml version="1.0" encoding="utf-8"?>
+<p:sld xmlns:a="http://schemas.openxmlformats.org/drawingml/2006/main" xmlns:r="http://schemas.openxmlformats.org/officeDocument/2006/relationships" xmlns:p="http://schemas.openxmlformats.org/presentationml/2006/main">
+  <p:cSld>
+    <p:bg>
+      <p:bgPr>
+        <a:solidFill>
+          <a:schemeClr val="bg1"/>
+        </a:solidFill>
+        <a:effectLst/>
+      </p:bgPr>
+    </p:bg>
+    <p:spTree>
+      <p:nvGrpSpPr>
+        <p:cNvPr id="1" name=""/>
+        <p:cNvGrpSpPr/>
+        <p:nvPr/>
+      </p:nvGrpSpPr>
+      <p:grpSpPr>
+        <a:xfrm>
+          <a:off x="0" y="0"/>
+          <a:ext cx="0" cy="0"/>
+          <a:chOff x="0" y="0"/>
+          <a:chExt cx="0" cy="0"/>
+        </a:xfrm>
+      </p:grpSpPr>
+      <p:sp>
+        <p:nvSpPr>
+          <p:cNvPr id="2" name="Başlık 1">
+            <a:extLst>
+              <a:ext uri="{FF2B5EF4-FFF2-40B4-BE49-F238E27FC236}">
+                <a16:creationId xmlns:a16="http://schemas.microsoft.com/office/drawing/2014/main" id="{0A428717-6C66-4C12-AB6D-EEB3FC45CA00}"/>
+              </a:ext>
+            </a:extLst>
+          </p:cNvPr>
+          <p:cNvSpPr>
+            <a:spLocks noGrp="1"/>
+          </p:cNvSpPr>
+          <p:nvPr>
+            <p:ph type="title"/>
+          </p:nvPr>
+        </p:nvSpPr>
+        <p:spPr>
+          <a:xfrm>
+            <a:off x="1069848" y="484632"/>
+            <a:ext cx="10058400" cy="1609344"/>
+          </a:xfrm>
+        </p:spPr>
+        <p:txBody>
+          <a:bodyPr>
+            <a:normAutofit/>
+          </a:bodyPr>
+          <a:lstStyle/>
+          <a:p>
+            <a:r>
+              <a:rPr lang="tr-TR" sz="5400" dirty="0">
+                <a:effectLst/>
+              </a:rPr>
+              <a:t>İşlevleri Kullanacak Bir Program Tasarlama</a:t>
+            </a:r>
+            <a:endParaRPr lang="tr-TR" dirty="0"/>
+          </a:p>
+        </p:txBody>
+      </p:sp>
+      <p:sp>
+        <p:nvSpPr>
+          <p:cNvPr id="3" name="İçerik Yer Tutucusu 2">
+            <a:extLst>
+              <a:ext uri="{FF2B5EF4-FFF2-40B4-BE49-F238E27FC236}">
+                <a16:creationId xmlns:a16="http://schemas.microsoft.com/office/drawing/2014/main" id="{7C2C3FDC-D80C-477C-AB96-B998683CAF2B}"/>
+              </a:ext>
+            </a:extLst>
+          </p:cNvPr>
+          <p:cNvSpPr>
+            <a:spLocks noGrp="1"/>
+          </p:cNvSpPr>
+          <p:nvPr>
+            <p:ph idx="1"/>
+          </p:nvPr>
+        </p:nvSpPr>
+        <p:spPr>
+          <a:xfrm>
+            <a:off x="1069848" y="2121408"/>
+            <a:ext cx="4773168" cy="4050792"/>
+          </a:xfrm>
+        </p:spPr>
+        <p:txBody>
+          <a:bodyPr>
+            <a:normAutofit/>
+          </a:bodyPr>
+          <a:lstStyle/>
+          <a:p>
+            <a:r>
+              <a:rPr lang="tr-TR" sz="1600" dirty="0">
+                <a:effectLst/>
+              </a:rPr>
+              <a:t>Programcılar, bir algoritmayı işlevlere ayırmak için genellikle yukarıdan aşağıya tasarım olarak bilinen bir teknik kullanırlar.</a:t>
+            </a:r>
+          </a:p>
+          <a:p>
+            <a:r>
+              <a:rPr lang="tr-TR" sz="1600" b="1" dirty="0">
+                <a:effectLst/>
+              </a:rPr>
+              <a:t>Fonksiyonlu Bir Programın Akış Şeması: </a:t>
+            </a:r>
+            <a:r>
+              <a:rPr lang="tr-TR" sz="1600" dirty="0">
+                <a:effectLst/>
+              </a:rPr>
+              <a:t>Bir akış şemasında, Şekilde gösterildiği gibi, her iki tarafında dikey çubuklar bulunan bir dikdörtgen ile bir işlev çağrısı gösterilir. Sembolün üzerine çağrılan fonksiyonun adı yazılır. </a:t>
+            </a:r>
+          </a:p>
+        </p:txBody>
+      </p:sp>
+      <p:pic>
+        <p:nvPicPr>
+          <p:cNvPr id="6" name="Resim 5">
+            <a:extLst>
+              <a:ext uri="{FF2B5EF4-FFF2-40B4-BE49-F238E27FC236}">
+                <a16:creationId xmlns:a16="http://schemas.microsoft.com/office/drawing/2014/main" id="{4C469134-F689-4988-998E-2C089ECC1570}"/>
+              </a:ext>
+            </a:extLst>
+          </p:cNvPr>
+          <p:cNvPicPr>
+            <a:picLocks noChangeAspect="1"/>
+          </p:cNvPicPr>
+          <p:nvPr/>
+        </p:nvPicPr>
+        <p:blipFill>
+          <a:blip r:embed="rId2"/>
+          <a:stretch>
+            <a:fillRect/>
+          </a:stretch>
+        </p:blipFill>
+        <p:spPr>
+          <a:xfrm>
+            <a:off x="6624277" y="2193036"/>
+            <a:ext cx="4234774" cy="3980688"/>
+          </a:xfrm>
+          <a:prstGeom prst="rect">
+            <a:avLst/>
+          </a:prstGeom>
+        </p:spPr>
+      </p:pic>
+      <p:pic>
+        <p:nvPicPr>
+          <p:cNvPr id="8" name="Resim 7" descr="metin içeren bir resim&#10;&#10;Açıklama otomatik olarak oluşturuldu">
+            <a:extLst>
+              <a:ext uri="{FF2B5EF4-FFF2-40B4-BE49-F238E27FC236}">
+                <a16:creationId xmlns:a16="http://schemas.microsoft.com/office/drawing/2014/main" id="{440F60DF-D815-4BEA-8596-8E1FB427924C}"/>
+              </a:ext>
+            </a:extLst>
+          </p:cNvPr>
+          <p:cNvPicPr>
+            <a:picLocks noChangeAspect="1"/>
+          </p:cNvPicPr>
+          <p:nvPr/>
+        </p:nvPicPr>
+        <p:blipFill>
+          <a:blip r:embed="rId3"/>
+          <a:stretch>
+            <a:fillRect/>
+          </a:stretch>
+        </p:blipFill>
+        <p:spPr>
+          <a:xfrm>
+            <a:off x="2580241" y="5026715"/>
+            <a:ext cx="1752381" cy="780952"/>
+          </a:xfrm>
+          <a:prstGeom prst="rect">
+            <a:avLst/>
+          </a:prstGeom>
+        </p:spPr>
+      </p:pic>
+    </p:spTree>
+    <p:extLst>
+      <p:ext uri="{BB962C8B-B14F-4D97-AF65-F5344CB8AC3E}">
+        <p14:creationId xmlns:p14="http://schemas.microsoft.com/office/powerpoint/2010/main" val="3164617617"/>
+      </p:ext>
+    </p:extLst>
+  </p:cSld>
+  <p:clrMapOvr>
+    <a:masterClrMapping/>
+  </p:clrMapOvr>
+</p:sld>
+</file>
+
 <file path=ppt/slides/slide6.xml><?xml version="1.0" encoding="utf-8"?>
 <p:sld xmlns:a="http://schemas.openxmlformats.org/drawingml/2006/main" xmlns:r="http://schemas.openxmlformats.org/officeDocument/2006/relationships" xmlns:p="http://schemas.openxmlformats.org/presentationml/2006/main">
   <p:cSld>
@@ -17939,6 +19012,2252 @@
 </p:sld>
 </file>
 
+<file path=ppt/slides/slide60.xml><?xml version="1.0" encoding="utf-8"?>
+<p:sld xmlns:a="http://schemas.openxmlformats.org/drawingml/2006/main" xmlns:r="http://schemas.openxmlformats.org/officeDocument/2006/relationships" xmlns:p="http://schemas.openxmlformats.org/presentationml/2006/main">
+  <p:cSld>
+    <p:bg>
+      <p:bgPr>
+        <a:solidFill>
+          <a:schemeClr val="bg1"/>
+        </a:solidFill>
+        <a:effectLst/>
+      </p:bgPr>
+    </p:bg>
+    <p:spTree>
+      <p:nvGrpSpPr>
+        <p:cNvPr id="1" name=""/>
+        <p:cNvGrpSpPr/>
+        <p:nvPr/>
+      </p:nvGrpSpPr>
+      <p:grpSpPr>
+        <a:xfrm>
+          <a:off x="0" y="0"/>
+          <a:ext cx="0" cy="0"/>
+          <a:chOff x="0" y="0"/>
+          <a:chExt cx="0" cy="0"/>
+        </a:xfrm>
+      </p:grpSpPr>
+      <p:sp>
+        <p:nvSpPr>
+          <p:cNvPr id="2" name="Başlık 1">
+            <a:extLst>
+              <a:ext uri="{FF2B5EF4-FFF2-40B4-BE49-F238E27FC236}">
+                <a16:creationId xmlns:a16="http://schemas.microsoft.com/office/drawing/2014/main" id="{0A428717-6C66-4C12-AB6D-EEB3FC45CA00}"/>
+              </a:ext>
+            </a:extLst>
+          </p:cNvPr>
+          <p:cNvSpPr>
+            <a:spLocks noGrp="1"/>
+          </p:cNvSpPr>
+          <p:nvPr>
+            <p:ph type="title"/>
+          </p:nvPr>
+        </p:nvSpPr>
+        <p:spPr>
+          <a:xfrm>
+            <a:off x="1069848" y="484632"/>
+            <a:ext cx="10058400" cy="1609344"/>
+          </a:xfrm>
+        </p:spPr>
+        <p:txBody>
+          <a:bodyPr>
+            <a:normAutofit/>
+          </a:bodyPr>
+          <a:lstStyle/>
+          <a:p>
+            <a:r>
+              <a:rPr lang="tr-TR" sz="5400" dirty="0">
+                <a:effectLst/>
+              </a:rPr>
+              <a:t>İşlevleri Kullanacak Bir Program Tasarlama</a:t>
+            </a:r>
+            <a:endParaRPr lang="tr-TR" dirty="0"/>
+          </a:p>
+        </p:txBody>
+      </p:sp>
+      <p:sp>
+        <p:nvSpPr>
+          <p:cNvPr id="3" name="İçerik Yer Tutucusu 2">
+            <a:extLst>
+              <a:ext uri="{FF2B5EF4-FFF2-40B4-BE49-F238E27FC236}">
+                <a16:creationId xmlns:a16="http://schemas.microsoft.com/office/drawing/2014/main" id="{7C2C3FDC-D80C-477C-AB96-B998683CAF2B}"/>
+              </a:ext>
+            </a:extLst>
+          </p:cNvPr>
+          <p:cNvSpPr>
+            <a:spLocks noGrp="1"/>
+          </p:cNvSpPr>
+          <p:nvPr>
+            <p:ph idx="1"/>
+          </p:nvPr>
+        </p:nvSpPr>
+        <p:spPr>
+          <a:xfrm>
+            <a:off x="1069847" y="2121408"/>
+            <a:ext cx="9978453" cy="4050792"/>
+          </a:xfrm>
+        </p:spPr>
+        <p:txBody>
+          <a:bodyPr>
+            <a:normAutofit lnSpcReduction="10000"/>
+          </a:bodyPr>
+          <a:lstStyle/>
+          <a:p>
+            <a:r>
+              <a:rPr lang="tr-TR" sz="1800" b="1" dirty="0">
+                <a:effectLst/>
+              </a:rPr>
+              <a:t>Yukarıdan Aşağı Tasarım: </a:t>
+            </a:r>
+            <a:r>
+              <a:rPr lang="tr-TR" sz="1800" dirty="0">
+                <a:effectLst/>
+              </a:rPr>
+              <a:t>Bir programın kontrolünün çağrıldığında bir fonksiyona nasıl aktarıldığını, ardından fonksiyon sona erdiğinde programın fonksiyonu çağıran kısmına nasıl döndüğünü gördünüz. Fonksiyonların bu mekanik yönlerini anlamanız önemlidir. </a:t>
+            </a:r>
+          </a:p>
+          <a:p>
+            <a:r>
+              <a:rPr lang="tr-TR" sz="1800" dirty="0">
+                <a:effectLst/>
+              </a:rPr>
+              <a:t>Fonksiyonların nasıl çalıştığını anlamak kadar, fonksiyonları kullanan bir programın nasıl tasarlanacağını anlamak da önemlidir. Programcılar, bir algoritmayı işlevlere ayırmak için genellikle yukarıdan aşağıya tasarım olarak bilinen bir teknik kullanırlar. Yukarıdan aşağıya tasarım süreci aşağıdaki şekilde gerçekleştirilir: </a:t>
+            </a:r>
+          </a:p>
+          <a:p>
+            <a:pPr lvl="1"/>
+            <a:r>
+              <a:rPr lang="tr-TR" sz="1600" dirty="0">
+                <a:effectLst/>
+              </a:rPr>
+              <a:t>Programın gerçekleştireceği genel görev, bir dizi alt göreve bölünür.</a:t>
+            </a:r>
+          </a:p>
+          <a:p>
+            <a:pPr lvl="1"/>
+            <a:r>
+              <a:rPr lang="tr-TR" sz="1600" dirty="0">
+                <a:effectLst/>
+              </a:rPr>
+              <a:t>Alt görevlerin her biri, daha fazla alt göreve bölünüp bölünemeyeceğini belirlemek için incelenir. Bu adım, daha fazla alt görev tanımlanamayana kadar tekrarlanır.</a:t>
+            </a:r>
+          </a:p>
+          <a:p>
+            <a:pPr lvl="1"/>
+            <a:r>
+              <a:rPr lang="tr-TR" sz="1600" dirty="0">
+                <a:effectLst/>
+              </a:rPr>
+              <a:t>Tüm alt görevler tanımlandıktan sonra kodla yazılır.</a:t>
+            </a:r>
+          </a:p>
+          <a:p>
+            <a:r>
+              <a:rPr lang="tr-TR" sz="1800" dirty="0">
+                <a:effectLst/>
+              </a:rPr>
+              <a:t>Bu işleme yukarıdan aşağıya tasarım adı verilir, çünkü programcı yapılması gereken en üst düzey görevlere bakarak başlar ve ardından bu görevleri daha düşük alt görev düzeylerine ayırır.</a:t>
+            </a:r>
+          </a:p>
+        </p:txBody>
+      </p:sp>
+    </p:spTree>
+    <p:extLst>
+      <p:ext uri="{BB962C8B-B14F-4D97-AF65-F5344CB8AC3E}">
+        <p14:creationId xmlns:p14="http://schemas.microsoft.com/office/powerpoint/2010/main" val="3686983933"/>
+      </p:ext>
+    </p:extLst>
+  </p:cSld>
+  <p:clrMapOvr>
+    <a:masterClrMapping/>
+  </p:clrMapOvr>
+</p:sld>
+</file>
+
+<file path=ppt/slides/slide61.xml><?xml version="1.0" encoding="utf-8"?>
+<p:sld xmlns:a="http://schemas.openxmlformats.org/drawingml/2006/main" xmlns:r="http://schemas.openxmlformats.org/officeDocument/2006/relationships" xmlns:p="http://schemas.openxmlformats.org/presentationml/2006/main">
+  <p:cSld>
+    <p:bg>
+      <p:bgPr>
+        <a:solidFill>
+          <a:schemeClr val="bg1"/>
+        </a:solidFill>
+        <a:effectLst/>
+      </p:bgPr>
+    </p:bg>
+    <p:spTree>
+      <p:nvGrpSpPr>
+        <p:cNvPr id="1" name=""/>
+        <p:cNvGrpSpPr/>
+        <p:nvPr/>
+      </p:nvGrpSpPr>
+      <p:grpSpPr>
+        <a:xfrm>
+          <a:off x="0" y="0"/>
+          <a:ext cx="0" cy="0"/>
+          <a:chOff x="0" y="0"/>
+          <a:chExt cx="0" cy="0"/>
+        </a:xfrm>
+      </p:grpSpPr>
+      <p:sp>
+        <p:nvSpPr>
+          <p:cNvPr id="2" name="Başlık 1">
+            <a:extLst>
+              <a:ext uri="{FF2B5EF4-FFF2-40B4-BE49-F238E27FC236}">
+                <a16:creationId xmlns:a16="http://schemas.microsoft.com/office/drawing/2014/main" id="{0A428717-6C66-4C12-AB6D-EEB3FC45CA00}"/>
+              </a:ext>
+            </a:extLst>
+          </p:cNvPr>
+          <p:cNvSpPr>
+            <a:spLocks noGrp="1"/>
+          </p:cNvSpPr>
+          <p:nvPr>
+            <p:ph type="title"/>
+          </p:nvPr>
+        </p:nvSpPr>
+        <p:spPr>
+          <a:xfrm>
+            <a:off x="1069848" y="484632"/>
+            <a:ext cx="10058400" cy="1609344"/>
+          </a:xfrm>
+        </p:spPr>
+        <p:txBody>
+          <a:bodyPr>
+            <a:normAutofit/>
+          </a:bodyPr>
+          <a:lstStyle/>
+          <a:p>
+            <a:r>
+              <a:rPr lang="tr-TR" dirty="0">
+                <a:effectLst/>
+              </a:rPr>
+              <a:t>İşlevleri Kullanacak Bir Program Tasarlama</a:t>
+            </a:r>
+            <a:endParaRPr lang="tr-TR" dirty="0"/>
+          </a:p>
+        </p:txBody>
+      </p:sp>
+      <p:sp>
+        <p:nvSpPr>
+          <p:cNvPr id="3" name="İçerik Yer Tutucusu 2">
+            <a:extLst>
+              <a:ext uri="{FF2B5EF4-FFF2-40B4-BE49-F238E27FC236}">
+                <a16:creationId xmlns:a16="http://schemas.microsoft.com/office/drawing/2014/main" id="{7C2C3FDC-D80C-477C-AB96-B998683CAF2B}"/>
+              </a:ext>
+            </a:extLst>
+          </p:cNvPr>
+          <p:cNvSpPr>
+            <a:spLocks noGrp="1"/>
+          </p:cNvSpPr>
+          <p:nvPr>
+            <p:ph idx="1"/>
+          </p:nvPr>
+        </p:nvSpPr>
+        <p:spPr>
+          <a:xfrm>
+            <a:off x="1069848" y="2121408"/>
+            <a:ext cx="4145964" cy="4050792"/>
+          </a:xfrm>
+        </p:spPr>
+        <p:txBody>
+          <a:bodyPr>
+            <a:normAutofit fontScale="92500" lnSpcReduction="10000"/>
+          </a:bodyPr>
+          <a:lstStyle/>
+          <a:p>
+            <a:r>
+              <a:rPr lang="tr-TR" sz="1400" b="1" dirty="0">
+                <a:effectLst/>
+              </a:rPr>
+              <a:t>Hiyerarşi Grafikleri: </a:t>
+            </a:r>
+            <a:r>
+              <a:rPr lang="tr-TR" sz="1400" dirty="0">
+                <a:effectLst/>
+              </a:rPr>
+              <a:t>Akış çizelgeleri, bir fonksiyon içindeki mantığın akışını grafiksel olarak tasvir etmek için iyi araçlardır, ancak fonksiyonlar arasındaki ilişkilerin görsel bir temsilini vermezler. </a:t>
+            </a:r>
+          </a:p>
+          <a:p>
+            <a:r>
+              <a:rPr lang="tr-TR" sz="1400" dirty="0">
+                <a:effectLst/>
+              </a:rPr>
+              <a:t>Programcılar bu amaç için yaygın olarak hiyerarşi çizelgeleri kullanır. Yapı şeması olarak da bilinen hiyerarşi şeması, bir programdaki her bir işlevi temsil eden kutuları gösterir. Kutular, her bir fonksiyon tarafından çağrılan fonksiyonları gösterecek şekilde bağlanmıştır. Şekil, </a:t>
+            </a:r>
+            <a:r>
+              <a:rPr lang="tr-TR" sz="1400" dirty="0" err="1">
+                <a:effectLst/>
+              </a:rPr>
+              <a:t>varsayımsal</a:t>
+            </a:r>
+            <a:r>
+              <a:rPr lang="tr-TR" sz="1400" dirty="0">
+                <a:effectLst/>
+              </a:rPr>
+              <a:t> bir ödeme hesaplama programı için bir hiyerarşi şeması örneğini göstermektedir.</a:t>
+            </a:r>
+          </a:p>
+          <a:p>
+            <a:r>
+              <a:rPr lang="tr-TR" sz="1400" b="1" dirty="0">
+                <a:effectLst/>
+              </a:rPr>
+              <a:t>Hiyerarşi grafiğinin bir fonksiyon içinde atılan adımları göstermediğine dikkat edin. İşlevlerin nasıl çalıştığına dair herhangi bir ayrıntıyı açıklamadıkları için akış şemalarının veya sözde kodun yerini almazlar.</a:t>
+            </a:r>
+          </a:p>
+        </p:txBody>
+      </p:sp>
+      <p:pic>
+        <p:nvPicPr>
+          <p:cNvPr id="5" name="Resim 4">
+            <a:extLst>
+              <a:ext uri="{FF2B5EF4-FFF2-40B4-BE49-F238E27FC236}">
+                <a16:creationId xmlns:a16="http://schemas.microsoft.com/office/drawing/2014/main" id="{577B51CE-FE5B-4750-9B26-D0D0EA8F8235}"/>
+              </a:ext>
+            </a:extLst>
+          </p:cNvPr>
+          <p:cNvPicPr>
+            <a:picLocks noChangeAspect="1"/>
+          </p:cNvPicPr>
+          <p:nvPr/>
+        </p:nvPicPr>
+        <p:blipFill>
+          <a:blip r:embed="rId2"/>
+          <a:stretch>
+            <a:fillRect/>
+          </a:stretch>
+        </p:blipFill>
+        <p:spPr>
+          <a:xfrm>
+            <a:off x="5215811" y="2425959"/>
+            <a:ext cx="6232849" cy="3172408"/>
+          </a:xfrm>
+          <a:prstGeom prst="rect">
+            <a:avLst/>
+          </a:prstGeom>
+        </p:spPr>
+      </p:pic>
+    </p:spTree>
+    <p:extLst>
+      <p:ext uri="{BB962C8B-B14F-4D97-AF65-F5344CB8AC3E}">
+        <p14:creationId xmlns:p14="http://schemas.microsoft.com/office/powerpoint/2010/main" val="665636699"/>
+      </p:ext>
+    </p:extLst>
+  </p:cSld>
+  <p:clrMapOvr>
+    <a:masterClrMapping/>
+  </p:clrMapOvr>
+</p:sld>
+</file>
+
+<file path=ppt/slides/slide62.xml><?xml version="1.0" encoding="utf-8"?>
+<p:sld xmlns:a="http://schemas.openxmlformats.org/drawingml/2006/main" xmlns:r="http://schemas.openxmlformats.org/officeDocument/2006/relationships" xmlns:p="http://schemas.openxmlformats.org/presentationml/2006/main">
+  <p:cSld>
+    <p:spTree>
+      <p:nvGrpSpPr>
+        <p:cNvPr id="1" name=""/>
+        <p:cNvGrpSpPr/>
+        <p:nvPr/>
+      </p:nvGrpSpPr>
+      <p:grpSpPr>
+        <a:xfrm>
+          <a:off x="0" y="0"/>
+          <a:ext cx="0" cy="0"/>
+          <a:chOff x="0" y="0"/>
+          <a:chExt cx="0" cy="0"/>
+        </a:xfrm>
+      </p:grpSpPr>
+      <p:sp>
+        <p:nvSpPr>
+          <p:cNvPr id="2" name="Başlık 1">
+            <a:extLst>
+              <a:ext uri="{FF2B5EF4-FFF2-40B4-BE49-F238E27FC236}">
+                <a16:creationId xmlns:a16="http://schemas.microsoft.com/office/drawing/2014/main" id="{0A428717-6C66-4C12-AB6D-EEB3FC45CA00}"/>
+              </a:ext>
+            </a:extLst>
+          </p:cNvPr>
+          <p:cNvSpPr>
+            <a:spLocks noGrp="1"/>
+          </p:cNvSpPr>
+          <p:nvPr>
+            <p:ph type="title"/>
+          </p:nvPr>
+        </p:nvSpPr>
+        <p:spPr/>
+        <p:txBody>
+          <a:bodyPr/>
+          <a:lstStyle/>
+          <a:p>
+            <a:r>
+              <a:rPr lang="tr-TR" dirty="0">
+                <a:effectLst/>
+              </a:rPr>
+              <a:t>FONKSİYONLAR</a:t>
+            </a:r>
+            <a:endParaRPr lang="tr-TR" dirty="0"/>
+          </a:p>
+        </p:txBody>
+      </p:sp>
+      <p:sp>
+        <p:nvSpPr>
+          <p:cNvPr id="3" name="İçerik Yer Tutucusu 2">
+            <a:extLst>
+              <a:ext uri="{FF2B5EF4-FFF2-40B4-BE49-F238E27FC236}">
+                <a16:creationId xmlns:a16="http://schemas.microsoft.com/office/drawing/2014/main" id="{7C2C3FDC-D80C-477C-AB96-B998683CAF2B}"/>
+              </a:ext>
+            </a:extLst>
+          </p:cNvPr>
+          <p:cNvSpPr>
+            <a:spLocks noGrp="1"/>
+          </p:cNvSpPr>
+          <p:nvPr>
+            <p:ph idx="1"/>
+          </p:nvPr>
+        </p:nvSpPr>
+        <p:spPr/>
+        <p:txBody>
+          <a:bodyPr>
+            <a:normAutofit/>
+          </a:bodyPr>
+          <a:lstStyle/>
+          <a:p>
+            <a:r>
+              <a:rPr lang="tr-TR" sz="1600" b="1" dirty="0">
+                <a:effectLst/>
+              </a:rPr>
+              <a:t>Yerel Değişkenler (</a:t>
+            </a:r>
+            <a:r>
+              <a:rPr lang="tr-TR" sz="1600" b="1" dirty="0" err="1">
+                <a:effectLst/>
+              </a:rPr>
+              <a:t>Local</a:t>
+            </a:r>
+            <a:r>
+              <a:rPr lang="tr-TR" sz="1600" b="1" dirty="0">
+                <a:effectLst/>
+              </a:rPr>
+              <a:t> </a:t>
+            </a:r>
+            <a:r>
+              <a:rPr lang="tr-TR" sz="1600" b="1" dirty="0" err="1">
+                <a:effectLst/>
+              </a:rPr>
+              <a:t>Variables</a:t>
+            </a:r>
+            <a:r>
+              <a:rPr lang="tr-TR" sz="1600" b="1" dirty="0">
+                <a:effectLst/>
+              </a:rPr>
+              <a:t>): </a:t>
+            </a:r>
+            <a:r>
+              <a:rPr lang="tr-TR" sz="1600" dirty="0">
+                <a:effectLst/>
+              </a:rPr>
+              <a:t>Bir işlevin içinde yerel bir değişken oluşturulur ve işlevin dışındaki ifadeler tarafından erişilemez. Fonksiyonlar birbirlerinin yerel değişkenlerini göremediğinden, farklı fonksiyonlar aynı ada sahip yerel değişkenlere sahip olabilir.</a:t>
+            </a:r>
+          </a:p>
+          <a:p>
+            <a:r>
+              <a:rPr lang="tr-TR" sz="1400" dirty="0">
+                <a:effectLst/>
+              </a:rPr>
+              <a:t>Bir fonksiyon içindeki bir değişkene her değer atadığınızda, yerel bir değişken yaratırsınız. Yerel bir değişken, oluşturulduğu işleve aittir ve yalnızca bu işlevin içindeki ifadeler değişkene erişebilir. (Yerel (</a:t>
+            </a:r>
+            <a:r>
+              <a:rPr lang="tr-TR" sz="1400" dirty="0" err="1">
+                <a:effectLst/>
+              </a:rPr>
+              <a:t>local</a:t>
+            </a:r>
+            <a:r>
+              <a:rPr lang="tr-TR" sz="1400" dirty="0">
+                <a:effectLst/>
+              </a:rPr>
+              <a:t>) terimi, değişkenin oluşturulduğu işlev içinde yalnızca yerel olarak kullanılabileceğini belirtmek içindir.)</a:t>
+            </a:r>
+          </a:p>
+          <a:p>
+            <a:r>
+              <a:rPr lang="tr-TR" sz="1400" b="1" dirty="0">
+                <a:effectLst/>
+              </a:rPr>
+              <a:t>Kapsam (</a:t>
+            </a:r>
+            <a:r>
+              <a:rPr lang="tr-TR" sz="1400" b="1" dirty="0" err="1"/>
+              <a:t>S</a:t>
+            </a:r>
+            <a:r>
+              <a:rPr lang="tr-TR" sz="1400" b="1" dirty="0" err="1">
+                <a:effectLst/>
+              </a:rPr>
+              <a:t>cope</a:t>
+            </a:r>
+            <a:r>
+              <a:rPr lang="tr-TR" sz="1400" b="1" dirty="0">
+                <a:effectLst/>
+              </a:rPr>
+              <a:t>) ve Yerel Değişkenler</a:t>
+            </a:r>
+            <a:r>
+              <a:rPr lang="tr-TR" sz="1400" b="1" dirty="0"/>
+              <a:t>: </a:t>
+            </a:r>
+            <a:r>
+              <a:rPr lang="tr-TR" sz="1400" dirty="0"/>
+              <a:t>Bir değişkenin kapsamı, bir programın değişkene erişilebildiği kısmıdır. Bir değişken, yalnızca değişkenin kapsamındaki ifadeler tarafından görülebilir. Yerel bir değişkenin kapsamı, değişkenin oluşturulduğu fonksiyondur.</a:t>
+            </a:r>
+          </a:p>
+          <a:p>
+            <a:r>
+              <a:rPr lang="tr-TR" sz="1400" dirty="0">
+                <a:effectLst/>
+              </a:rPr>
+              <a:t>Ayrıca, yerel bir değişkene, değişken oluşturulmadan önce bir noktada işlevin içinde görünen kodla erişilemez. Örneğin, aşağıdaki fonksiyona bakın. </a:t>
+            </a:r>
+            <a:r>
+              <a:rPr lang="tr-TR" sz="1400" dirty="0" err="1">
+                <a:effectLst/>
+              </a:rPr>
+              <a:t>Print</a:t>
+            </a:r>
+            <a:r>
+              <a:rPr lang="tr-TR" sz="1400" dirty="0">
+                <a:effectLst/>
+              </a:rPr>
+              <a:t> işlevi </a:t>
+            </a:r>
+            <a:r>
+              <a:rPr lang="tr-TR" sz="1400" dirty="0" err="1">
+                <a:effectLst/>
+              </a:rPr>
+              <a:t>val</a:t>
+            </a:r>
+            <a:r>
+              <a:rPr lang="tr-TR" sz="1400" dirty="0">
+                <a:effectLst/>
+              </a:rPr>
+              <a:t> değişkenine erişmeye çalıştığı için bir hataya neden olur, ancak bu ifade </a:t>
+            </a:r>
+            <a:r>
+              <a:rPr lang="tr-TR" sz="1400" dirty="0" err="1">
+                <a:effectLst/>
+              </a:rPr>
+              <a:t>val</a:t>
+            </a:r>
+            <a:r>
+              <a:rPr lang="tr-TR" sz="1400" dirty="0">
+                <a:effectLst/>
+              </a:rPr>
+              <a:t> değişkeni oluşturulmadan önce görünür. Atama ifadesini </a:t>
+            </a:r>
+            <a:r>
+              <a:rPr lang="tr-TR" sz="1400" dirty="0" err="1">
+                <a:effectLst/>
+              </a:rPr>
+              <a:t>print</a:t>
+            </a:r>
+            <a:r>
+              <a:rPr lang="tr-TR" sz="1400" dirty="0">
+                <a:effectLst/>
+              </a:rPr>
+              <a:t> ifadesinden önceki bir satıra taşımak bu hatayı düzeltecektir.</a:t>
+            </a:r>
+          </a:p>
+        </p:txBody>
+      </p:sp>
+      <p:pic>
+        <p:nvPicPr>
+          <p:cNvPr id="9" name="Resim 8">
+            <a:extLst>
+              <a:ext uri="{FF2B5EF4-FFF2-40B4-BE49-F238E27FC236}">
+                <a16:creationId xmlns:a16="http://schemas.microsoft.com/office/drawing/2014/main" id="{7268A936-9CD4-4C27-A5F9-1D0D2AE84935}"/>
+              </a:ext>
+            </a:extLst>
+          </p:cNvPr>
+          <p:cNvPicPr>
+            <a:picLocks noChangeAspect="1"/>
+          </p:cNvPicPr>
+          <p:nvPr/>
+        </p:nvPicPr>
+        <p:blipFill>
+          <a:blip r:embed="rId2"/>
+          <a:stretch>
+            <a:fillRect/>
+          </a:stretch>
+        </p:blipFill>
+        <p:spPr>
+          <a:xfrm>
+            <a:off x="1294371" y="5781724"/>
+            <a:ext cx="6600000" cy="780952"/>
+          </a:xfrm>
+          <a:prstGeom prst="rect">
+            <a:avLst/>
+          </a:prstGeom>
+        </p:spPr>
+      </p:pic>
+    </p:spTree>
+    <p:extLst>
+      <p:ext uri="{BB962C8B-B14F-4D97-AF65-F5344CB8AC3E}">
+        <p14:creationId xmlns:p14="http://schemas.microsoft.com/office/powerpoint/2010/main" val="3376641803"/>
+      </p:ext>
+    </p:extLst>
+  </p:cSld>
+  <p:clrMapOvr>
+    <a:masterClrMapping/>
+  </p:clrMapOvr>
+</p:sld>
+</file>
+
+<file path=ppt/slides/slide63.xml><?xml version="1.0" encoding="utf-8"?>
+<p:sld xmlns:a="http://schemas.openxmlformats.org/drawingml/2006/main" xmlns:r="http://schemas.openxmlformats.org/officeDocument/2006/relationships" xmlns:p="http://schemas.openxmlformats.org/presentationml/2006/main">
+  <p:cSld>
+    <p:spTree>
+      <p:nvGrpSpPr>
+        <p:cNvPr id="1" name=""/>
+        <p:cNvGrpSpPr/>
+        <p:nvPr/>
+      </p:nvGrpSpPr>
+      <p:grpSpPr>
+        <a:xfrm>
+          <a:off x="0" y="0"/>
+          <a:ext cx="0" cy="0"/>
+          <a:chOff x="0" y="0"/>
+          <a:chExt cx="0" cy="0"/>
+        </a:xfrm>
+      </p:grpSpPr>
+      <p:sp>
+        <p:nvSpPr>
+          <p:cNvPr id="3" name="İçerik Yer Tutucusu 2">
+            <a:extLst>
+              <a:ext uri="{FF2B5EF4-FFF2-40B4-BE49-F238E27FC236}">
+                <a16:creationId xmlns:a16="http://schemas.microsoft.com/office/drawing/2014/main" id="{7C2C3FDC-D80C-477C-AB96-B998683CAF2B}"/>
+              </a:ext>
+            </a:extLst>
+          </p:cNvPr>
+          <p:cNvSpPr>
+            <a:spLocks noGrp="1"/>
+          </p:cNvSpPr>
+          <p:nvPr>
+            <p:ph idx="1"/>
+          </p:nvPr>
+        </p:nvSpPr>
+        <p:spPr/>
+        <p:txBody>
+          <a:bodyPr>
+            <a:normAutofit fontScale="92500" lnSpcReduction="20000"/>
+          </a:bodyPr>
+          <a:lstStyle/>
+          <a:p>
+            <a:r>
+              <a:rPr lang="tr-TR" sz="1200" b="1" dirty="0">
+                <a:effectLst/>
+              </a:rPr>
+              <a:t>Fonksiyonlara Argüman (</a:t>
+            </a:r>
+            <a:r>
+              <a:rPr lang="tr-TR" sz="1200" b="1" dirty="0" err="1">
+                <a:effectLst/>
+              </a:rPr>
+              <a:t>Argument</a:t>
+            </a:r>
+            <a:r>
+              <a:rPr lang="tr-TR" sz="1200" b="1" dirty="0">
+                <a:effectLst/>
+              </a:rPr>
+              <a:t>) Geçirme: </a:t>
+            </a:r>
+            <a:r>
+              <a:rPr lang="tr-TR" sz="1200" dirty="0">
+                <a:effectLst/>
+              </a:rPr>
+              <a:t>Argüman, işlev çağrıldığında bir işleve iletilen herhangi bir veri parçasıdır. Parametre, bir işleve iletilen bir argüman alan bir değişkendir.</a:t>
+            </a:r>
+          </a:p>
+          <a:p>
+            <a:r>
+              <a:rPr lang="tr-TR" sz="1200" dirty="0">
+                <a:effectLst/>
+              </a:rPr>
+              <a:t>Bazen yalnızca bir işlevi çağırmak değil, aynı zamanda işleve bir veya daha fazla veri göndermek de yararlıdır. Bir fonksiyona gönderilen veri parçaları argümanlar olarak bilinir. İşlev, bağımsız değişkenlerini hesaplamalarda veya diğer işlemlerde kullanabilir.</a:t>
+            </a:r>
+          </a:p>
+          <a:p>
+            <a:r>
+              <a:rPr lang="tr-TR" sz="1200" dirty="0">
+                <a:effectLst/>
+              </a:rPr>
+              <a:t>Bir fonksiyonun çağrıldığında argüman almasını istiyorsanız, fonksiyonu bir veya daha fazla parametre değişkeni ile donatmalısınız. Genellikle basitçe parametre olarak adlandırılan bir parametre değişkeni, bir işlev çağrıldığında bir argümanın değeri atanan özel bir değişkendir. Burada parametre değişkeni olan bir fonksiyon örneği verilmiştir:</a:t>
+            </a:r>
+          </a:p>
+          <a:p>
+            <a:endParaRPr lang="tr-TR" sz="1200" dirty="0"/>
+          </a:p>
+          <a:p>
+            <a:endParaRPr lang="tr-TR" sz="1200" dirty="0">
+              <a:effectLst/>
+            </a:endParaRPr>
+          </a:p>
+          <a:p>
+            <a:endParaRPr lang="tr-TR" sz="1200" dirty="0"/>
+          </a:p>
+          <a:p>
+            <a:pPr marL="0" indent="0">
+              <a:buNone/>
+            </a:pPr>
+            <a:endParaRPr lang="tr-TR" sz="1200" dirty="0">
+              <a:effectLst/>
+            </a:endParaRPr>
+          </a:p>
+          <a:p>
+            <a:endParaRPr lang="tr-TR" sz="1200" dirty="0"/>
+          </a:p>
+          <a:p>
+            <a:endParaRPr lang="tr-TR" sz="1200" dirty="0">
+              <a:effectLst/>
+            </a:endParaRPr>
+          </a:p>
+          <a:p>
+            <a:pPr marL="0" indent="0">
+              <a:buNone/>
+            </a:pPr>
+            <a:endParaRPr lang="tr-TR" sz="1200" dirty="0">
+              <a:effectLst/>
+            </a:endParaRPr>
+          </a:p>
+          <a:p>
+            <a:r>
+              <a:rPr lang="tr-TR" sz="1200" dirty="0"/>
+              <a:t>Bu bölümün başlarında, bir değişkenin kapsamının, programın değişkene erişilebileceği kısmı olduğunu öğrenmiştiniz. Bir değişken, yalnızca değişkenin kapsamı içindeki ifadeler tarafından görülebilir. Bir parametre değişkeninin kapsamı, parametrenin kullanıldığı fonksiyondur. İşlev içindeki tüm ifadeler parametre değişkenine erişebilir, ancak işlevin dışındaki hiçbir ifade ona erişemez.</a:t>
+            </a:r>
+          </a:p>
+          <a:p>
+            <a:endParaRPr lang="tr-TR" sz="1200" dirty="0">
+              <a:effectLst/>
+            </a:endParaRPr>
+          </a:p>
+        </p:txBody>
+      </p:sp>
+      <p:pic>
+        <p:nvPicPr>
+          <p:cNvPr id="10" name="Resim 9" descr="metin içeren bir resim&#10;&#10;Açıklama otomatik olarak oluşturuldu">
+            <a:extLst>
+              <a:ext uri="{FF2B5EF4-FFF2-40B4-BE49-F238E27FC236}">
+                <a16:creationId xmlns:a16="http://schemas.microsoft.com/office/drawing/2014/main" id="{79085FEC-C40C-4716-8AEF-7B15727C23C1}"/>
+              </a:ext>
+            </a:extLst>
+          </p:cNvPr>
+          <p:cNvPicPr>
+            <a:picLocks noChangeAspect="1"/>
+          </p:cNvPicPr>
+          <p:nvPr/>
+        </p:nvPicPr>
+        <p:blipFill>
+          <a:blip r:embed="rId2"/>
+          <a:stretch>
+            <a:fillRect/>
+          </a:stretch>
+        </p:blipFill>
+        <p:spPr>
+          <a:xfrm>
+            <a:off x="4524586" y="3588407"/>
+            <a:ext cx="2883382" cy="1847658"/>
+          </a:xfrm>
+          <a:prstGeom prst="rect">
+            <a:avLst/>
+          </a:prstGeom>
+        </p:spPr>
+      </p:pic>
+      <p:sp>
+        <p:nvSpPr>
+          <p:cNvPr id="2" name="Başlık 1">
+            <a:extLst>
+              <a:ext uri="{FF2B5EF4-FFF2-40B4-BE49-F238E27FC236}">
+                <a16:creationId xmlns:a16="http://schemas.microsoft.com/office/drawing/2014/main" id="{0A428717-6C66-4C12-AB6D-EEB3FC45CA00}"/>
+              </a:ext>
+            </a:extLst>
+          </p:cNvPr>
+          <p:cNvSpPr>
+            <a:spLocks noGrp="1"/>
+          </p:cNvSpPr>
+          <p:nvPr>
+            <p:ph type="title"/>
+          </p:nvPr>
+        </p:nvSpPr>
+        <p:spPr/>
+        <p:txBody>
+          <a:bodyPr/>
+          <a:lstStyle/>
+          <a:p>
+            <a:r>
+              <a:rPr lang="tr-TR" dirty="0">
+                <a:effectLst/>
+              </a:rPr>
+              <a:t>FONKSİYONLAR</a:t>
+            </a:r>
+            <a:endParaRPr lang="tr-TR" dirty="0"/>
+          </a:p>
+        </p:txBody>
+      </p:sp>
+      <p:pic>
+        <p:nvPicPr>
+          <p:cNvPr id="5" name="Resim 4" descr="metin, portakal, kapat içeren bir resim&#10;&#10;Açıklama otomatik olarak oluşturuldu">
+            <a:extLst>
+              <a:ext uri="{FF2B5EF4-FFF2-40B4-BE49-F238E27FC236}">
+                <a16:creationId xmlns:a16="http://schemas.microsoft.com/office/drawing/2014/main" id="{0C3F4E4A-88A4-4AB0-A72B-0B1C37DF67F7}"/>
+              </a:ext>
+            </a:extLst>
+          </p:cNvPr>
+          <p:cNvPicPr>
+            <a:picLocks noChangeAspect="1"/>
+          </p:cNvPicPr>
+          <p:nvPr/>
+        </p:nvPicPr>
+        <p:blipFill>
+          <a:blip r:embed="rId3"/>
+          <a:stretch>
+            <a:fillRect/>
+          </a:stretch>
+        </p:blipFill>
+        <p:spPr>
+          <a:xfrm>
+            <a:off x="1279878" y="3588407"/>
+            <a:ext cx="2619048" cy="742857"/>
+          </a:xfrm>
+          <a:prstGeom prst="rect">
+            <a:avLst/>
+          </a:prstGeom>
+        </p:spPr>
+      </p:pic>
+      <p:pic>
+        <p:nvPicPr>
+          <p:cNvPr id="7" name="Resim 6">
+            <a:extLst>
+              <a:ext uri="{FF2B5EF4-FFF2-40B4-BE49-F238E27FC236}">
+                <a16:creationId xmlns:a16="http://schemas.microsoft.com/office/drawing/2014/main" id="{8DB17AFA-BE41-42D7-A047-8B9093008163}"/>
+              </a:ext>
+            </a:extLst>
+          </p:cNvPr>
+          <p:cNvPicPr>
+            <a:picLocks noChangeAspect="1"/>
+          </p:cNvPicPr>
+          <p:nvPr/>
+        </p:nvPicPr>
+        <p:blipFill>
+          <a:blip r:embed="rId4"/>
+          <a:stretch>
+            <a:fillRect/>
+          </a:stretch>
+        </p:blipFill>
+        <p:spPr>
+          <a:xfrm>
+            <a:off x="1204004" y="4398704"/>
+            <a:ext cx="2200000" cy="380952"/>
+          </a:xfrm>
+          <a:prstGeom prst="rect">
+            <a:avLst/>
+          </a:prstGeom>
+        </p:spPr>
+      </p:pic>
+      <p:pic>
+        <p:nvPicPr>
+          <p:cNvPr id="12" name="Resim 11" descr="metin içeren bir resim&#10;&#10;Açıklama otomatik olarak oluşturuldu">
+            <a:extLst>
+              <a:ext uri="{FF2B5EF4-FFF2-40B4-BE49-F238E27FC236}">
+                <a16:creationId xmlns:a16="http://schemas.microsoft.com/office/drawing/2014/main" id="{B6FF6B21-1633-4177-8CCA-C1094D108CBA}"/>
+              </a:ext>
+            </a:extLst>
+          </p:cNvPr>
+          <p:cNvPicPr>
+            <a:picLocks noChangeAspect="1"/>
+          </p:cNvPicPr>
+          <p:nvPr/>
+        </p:nvPicPr>
+        <p:blipFill>
+          <a:blip r:embed="rId5"/>
+          <a:stretch>
+            <a:fillRect/>
+          </a:stretch>
+        </p:blipFill>
+        <p:spPr>
+          <a:xfrm>
+            <a:off x="8155326" y="3588407"/>
+            <a:ext cx="2294960" cy="1847658"/>
+          </a:xfrm>
+          <a:prstGeom prst="rect">
+            <a:avLst/>
+          </a:prstGeom>
+        </p:spPr>
+      </p:pic>
+    </p:spTree>
+    <p:extLst>
+      <p:ext uri="{BB962C8B-B14F-4D97-AF65-F5344CB8AC3E}">
+        <p14:creationId xmlns:p14="http://schemas.microsoft.com/office/powerpoint/2010/main" val="3071487473"/>
+      </p:ext>
+    </p:extLst>
+  </p:cSld>
+  <p:clrMapOvr>
+    <a:masterClrMapping/>
+  </p:clrMapOvr>
+</p:sld>
+</file>
+
+<file path=ppt/slides/slide64.xml><?xml version="1.0" encoding="utf-8"?>
+<p:sld xmlns:a="http://schemas.openxmlformats.org/drawingml/2006/main" xmlns:r="http://schemas.openxmlformats.org/officeDocument/2006/relationships" xmlns:p="http://schemas.openxmlformats.org/presentationml/2006/main">
+  <p:cSld>
+    <p:spTree>
+      <p:nvGrpSpPr>
+        <p:cNvPr id="1" name=""/>
+        <p:cNvGrpSpPr/>
+        <p:nvPr/>
+      </p:nvGrpSpPr>
+      <p:grpSpPr>
+        <a:xfrm>
+          <a:off x="0" y="0"/>
+          <a:ext cx="0" cy="0"/>
+          <a:chOff x="0" y="0"/>
+          <a:chExt cx="0" cy="0"/>
+        </a:xfrm>
+      </p:grpSpPr>
+      <p:sp>
+        <p:nvSpPr>
+          <p:cNvPr id="2" name="Başlık 1">
+            <a:extLst>
+              <a:ext uri="{FF2B5EF4-FFF2-40B4-BE49-F238E27FC236}">
+                <a16:creationId xmlns:a16="http://schemas.microsoft.com/office/drawing/2014/main" id="{0A428717-6C66-4C12-AB6D-EEB3FC45CA00}"/>
+              </a:ext>
+            </a:extLst>
+          </p:cNvPr>
+          <p:cNvSpPr>
+            <a:spLocks noGrp="1"/>
+          </p:cNvSpPr>
+          <p:nvPr>
+            <p:ph type="title"/>
+          </p:nvPr>
+        </p:nvSpPr>
+        <p:spPr/>
+        <p:txBody>
+          <a:bodyPr/>
+          <a:lstStyle/>
+          <a:p>
+            <a:r>
+              <a:rPr lang="tr-TR" dirty="0">
+                <a:effectLst/>
+              </a:rPr>
+              <a:t>FONKSİYONLAR</a:t>
+            </a:r>
+            <a:endParaRPr lang="tr-TR" dirty="0"/>
+          </a:p>
+        </p:txBody>
+      </p:sp>
+      <p:sp>
+        <p:nvSpPr>
+          <p:cNvPr id="3" name="İçerik Yer Tutucusu 2">
+            <a:extLst>
+              <a:ext uri="{FF2B5EF4-FFF2-40B4-BE49-F238E27FC236}">
+                <a16:creationId xmlns:a16="http://schemas.microsoft.com/office/drawing/2014/main" id="{7C2C3FDC-D80C-477C-AB96-B998683CAF2B}"/>
+              </a:ext>
+            </a:extLst>
+          </p:cNvPr>
+          <p:cNvSpPr>
+            <a:spLocks noGrp="1"/>
+          </p:cNvSpPr>
+          <p:nvPr>
+            <p:ph idx="1"/>
+          </p:nvPr>
+        </p:nvSpPr>
+        <p:spPr/>
+        <p:txBody>
+          <a:bodyPr>
+            <a:normAutofit fontScale="92500"/>
+          </a:bodyPr>
+          <a:lstStyle/>
+          <a:p>
+            <a:r>
+              <a:rPr lang="es-ES" sz="1600" b="1" dirty="0">
+                <a:effectLst/>
+              </a:rPr>
+              <a:t>Global Değişkenler</a:t>
+            </a:r>
+            <a:r>
+              <a:rPr lang="tr-TR" sz="1600" b="1" dirty="0">
+                <a:effectLst/>
+              </a:rPr>
+              <a:t> (Global </a:t>
+            </a:r>
+            <a:r>
+              <a:rPr lang="tr-TR" sz="1600" b="1" dirty="0" err="1">
+                <a:effectLst/>
+              </a:rPr>
+              <a:t>Variables</a:t>
+            </a:r>
+            <a:r>
+              <a:rPr lang="tr-TR" sz="1600" b="1" dirty="0">
+                <a:effectLst/>
+              </a:rPr>
+              <a:t>)</a:t>
+            </a:r>
+            <a:r>
+              <a:rPr lang="tr-TR" sz="1600" b="1" dirty="0"/>
+              <a:t>: </a:t>
+            </a:r>
+            <a:r>
+              <a:rPr lang="tr-TR" sz="1600" dirty="0">
+                <a:effectLst/>
+              </a:rPr>
+              <a:t>Bir program dosyasındaki tüm fonksiyonlar global bir değişkene erişilebilir. </a:t>
+            </a:r>
+          </a:p>
+          <a:p>
+            <a:r>
+              <a:rPr lang="tr-TR" sz="1600" dirty="0">
+                <a:effectLst/>
+              </a:rPr>
+              <a:t>Bir program dosyasındaki tüm fonksiyonların dışında yazılan bir atama ifadesi tarafından bir değişken oluşturulduğunda, değişken globaldir. Global bir değişkene, herhangi bir fonksiyondaki ifadeler de dahil olmak üzere, program dosyasındaki herhangi bir ifadeyle erişilebilir. </a:t>
+            </a:r>
+          </a:p>
+          <a:p>
+            <a:r>
+              <a:rPr lang="tr-TR" sz="1600" dirty="0">
+                <a:effectLst/>
+              </a:rPr>
+              <a:t>Çoğu programcı, global değişkenlerin kullanımını kısıtlamanız veya hiç kullanmamanız gerektiği konusunda hemfikirdir. Şöyle nedenleri vardır:</a:t>
+            </a:r>
+          </a:p>
+          <a:p>
+            <a:pPr lvl="1"/>
+            <a:r>
+              <a:rPr lang="tr-TR" sz="1200" dirty="0">
+                <a:effectLst/>
+              </a:rPr>
+              <a:t>Global değişkenler hata ayıklamayı zorlaştırır. Bir program dosyasındaki herhangi bir ifade, global bir değişkenin değerini değiştirebilir. Global bir değişkende yanlış değerin saklandığını fark ederseniz, hatalı değerin nereden geldiğini belirlemek için ona erişen her ifadeyi izlemeniz gerekir. Binlerce satır kod içeren bir programda bu zor olabilir.</a:t>
+            </a:r>
+          </a:p>
+          <a:p>
+            <a:pPr lvl="1"/>
+            <a:r>
+              <a:rPr lang="tr-TR" sz="1200" dirty="0">
+                <a:effectLst/>
+              </a:rPr>
+              <a:t>Global değişkenleri kullanan fonksiyonlar genellikle bu değişkenlere bağımlıdır. Böyle bir işlevi farklı bir programda kullanmak istiyorsanız, büyük olasılıkla onu global değişkene dayanmayacak şekilde yeniden tasarlamanız gerekecektir.</a:t>
+            </a:r>
+          </a:p>
+          <a:p>
+            <a:pPr lvl="1"/>
+            <a:r>
+              <a:rPr lang="tr-TR" sz="1200" dirty="0">
+                <a:effectLst/>
+              </a:rPr>
+              <a:t>Global değişkenler bir programı anlamayı zorlaştırır. Global bir değişken, programdaki herhangi bir ifade ile değiştirilebilir. Programın global değişken kullanan herhangi bir bölümünü anlamak istiyorsanız, programın global değişkene erişen diğer tüm bölümlerinin farkında olmalısınız. </a:t>
+            </a:r>
+          </a:p>
+          <a:p>
+            <a:r>
+              <a:rPr lang="tr-TR" sz="1400" dirty="0">
+                <a:effectLst/>
+              </a:rPr>
+              <a:t>Çoğu durumda, yerel olarak değişkenler oluşturmalı ve bunları, erişmesi gereken işlevlere argüman olarak iletmelisiniz.</a:t>
+            </a:r>
+          </a:p>
+        </p:txBody>
+      </p:sp>
+    </p:spTree>
+    <p:extLst>
+      <p:ext uri="{BB962C8B-B14F-4D97-AF65-F5344CB8AC3E}">
+        <p14:creationId xmlns:p14="http://schemas.microsoft.com/office/powerpoint/2010/main" val="1132894603"/>
+      </p:ext>
+    </p:extLst>
+  </p:cSld>
+  <p:clrMapOvr>
+    <a:masterClrMapping/>
+  </p:clrMapOvr>
+</p:sld>
+</file>
+
+<file path=ppt/slides/slide65.xml><?xml version="1.0" encoding="utf-8"?>
+<p:sld xmlns:a="http://schemas.openxmlformats.org/drawingml/2006/main" xmlns:r="http://schemas.openxmlformats.org/officeDocument/2006/relationships" xmlns:p="http://schemas.openxmlformats.org/presentationml/2006/main">
+  <p:cSld>
+    <p:bg>
+      <p:bgPr>
+        <a:solidFill>
+          <a:schemeClr val="bg1"/>
+        </a:solidFill>
+        <a:effectLst/>
+      </p:bgPr>
+    </p:bg>
+    <p:spTree>
+      <p:nvGrpSpPr>
+        <p:cNvPr id="1" name=""/>
+        <p:cNvGrpSpPr/>
+        <p:nvPr/>
+      </p:nvGrpSpPr>
+      <p:grpSpPr>
+        <a:xfrm>
+          <a:off x="0" y="0"/>
+          <a:ext cx="0" cy="0"/>
+          <a:chOff x="0" y="0"/>
+          <a:chExt cx="0" cy="0"/>
+        </a:xfrm>
+      </p:grpSpPr>
+      <p:sp>
+        <p:nvSpPr>
+          <p:cNvPr id="2" name="Başlık 1">
+            <a:extLst>
+              <a:ext uri="{FF2B5EF4-FFF2-40B4-BE49-F238E27FC236}">
+                <a16:creationId xmlns:a16="http://schemas.microsoft.com/office/drawing/2014/main" id="{0A428717-6C66-4C12-AB6D-EEB3FC45CA00}"/>
+              </a:ext>
+            </a:extLst>
+          </p:cNvPr>
+          <p:cNvSpPr>
+            <a:spLocks noGrp="1"/>
+          </p:cNvSpPr>
+          <p:nvPr>
+            <p:ph type="title"/>
+          </p:nvPr>
+        </p:nvSpPr>
+        <p:spPr>
+          <a:xfrm>
+            <a:off x="1069848" y="484632"/>
+            <a:ext cx="10058400" cy="1609344"/>
+          </a:xfrm>
+        </p:spPr>
+        <p:txBody>
+          <a:bodyPr>
+            <a:normAutofit/>
+          </a:bodyPr>
+          <a:lstStyle/>
+          <a:p>
+            <a:r>
+              <a:rPr lang="tr-TR" dirty="0">
+                <a:effectLst/>
+              </a:rPr>
+              <a:t>FONKSİYONLAR</a:t>
+            </a:r>
+            <a:endParaRPr lang="tr-TR" dirty="0"/>
+          </a:p>
+        </p:txBody>
+      </p:sp>
+      <p:sp>
+        <p:nvSpPr>
+          <p:cNvPr id="3" name="İçerik Yer Tutucusu 2">
+            <a:extLst>
+              <a:ext uri="{FF2B5EF4-FFF2-40B4-BE49-F238E27FC236}">
+                <a16:creationId xmlns:a16="http://schemas.microsoft.com/office/drawing/2014/main" id="{7C2C3FDC-D80C-477C-AB96-B998683CAF2B}"/>
+              </a:ext>
+            </a:extLst>
+          </p:cNvPr>
+          <p:cNvSpPr>
+            <a:spLocks noGrp="1"/>
+          </p:cNvSpPr>
+          <p:nvPr>
+            <p:ph idx="1"/>
+          </p:nvPr>
+        </p:nvSpPr>
+        <p:spPr>
+          <a:xfrm>
+            <a:off x="1069848" y="2121408"/>
+            <a:ext cx="4759452" cy="4050792"/>
+          </a:xfrm>
+        </p:spPr>
+        <p:txBody>
+          <a:bodyPr>
+            <a:normAutofit/>
+          </a:bodyPr>
+          <a:lstStyle/>
+          <a:p>
+            <a:r>
+              <a:rPr lang="es-ES" sz="1300" b="1" dirty="0">
+                <a:effectLst/>
+              </a:rPr>
+              <a:t>Global Sabitler</a:t>
+            </a:r>
+            <a:r>
+              <a:rPr lang="tr-TR" sz="1300" b="1" dirty="0">
+                <a:effectLst/>
+              </a:rPr>
+              <a:t> (Global </a:t>
+            </a:r>
+            <a:r>
+              <a:rPr lang="tr-TR" sz="1300" b="1" dirty="0" err="1">
+                <a:effectLst/>
+              </a:rPr>
+              <a:t>Constants</a:t>
+            </a:r>
+            <a:r>
+              <a:rPr lang="tr-TR" sz="1300" b="1" dirty="0">
+                <a:effectLst/>
+              </a:rPr>
+              <a:t>): </a:t>
+            </a:r>
+            <a:r>
+              <a:rPr lang="tr-TR" sz="1300" dirty="0">
+                <a:effectLst/>
+              </a:rPr>
+              <a:t>Global değişkenlerin kullanımından kaçınmanız gerekse de, bir programda global sabitlerin kullanılmasına izin verilir. Genel sabit, değiştirilemeyen bir değere başvuran genel bir addır. Programın yürütülmesi sırasında global bir sabitin değeri değiştirilemeyeceğinden, global değişkenlerin kullanımıyla ilişkili potansiyel tehlikelerin çoğu hakkında endişelenmenize gerek yoktur. </a:t>
+            </a:r>
+          </a:p>
+          <a:p>
+            <a:r>
+              <a:rPr lang="tr-TR" sz="1300" dirty="0">
+                <a:effectLst/>
+              </a:rPr>
+              <a:t>Python dili gerçek global sabitler oluşturmanıza izin vermese de, bunları global değişkenlerle </a:t>
+            </a:r>
+            <a:r>
+              <a:rPr lang="tr-TR" sz="1300" dirty="0" err="1">
+                <a:effectLst/>
+              </a:rPr>
+              <a:t>simüle</a:t>
+            </a:r>
+            <a:r>
+              <a:rPr lang="tr-TR" sz="1300" dirty="0">
+                <a:effectLst/>
+              </a:rPr>
+              <a:t> edebilirsiniz. Bir fonksiyon içinde </a:t>
+            </a:r>
+            <a:r>
+              <a:rPr lang="tr-TR" sz="1300" b="1" dirty="0">
+                <a:effectLst/>
+              </a:rPr>
+              <a:t>global</a:t>
+            </a:r>
+            <a:r>
+              <a:rPr lang="tr-TR" sz="1300" dirty="0">
+                <a:effectLst/>
+              </a:rPr>
+              <a:t> anahtar kelime ile global bir değişken tanımlamazsanız, o fonksiyon içindeki değişkenin atamasını değiştiremezsiniz. </a:t>
+            </a:r>
+            <a:r>
+              <a:rPr lang="tr-TR" sz="1300" dirty="0" err="1">
+                <a:effectLst/>
+              </a:rPr>
+              <a:t>Sekilde</a:t>
+            </a:r>
+            <a:r>
+              <a:rPr lang="tr-TR" sz="1300" dirty="0">
+                <a:effectLst/>
+              </a:rPr>
+              <a:t>, global sabitleri </a:t>
+            </a:r>
+            <a:r>
+              <a:rPr lang="tr-TR" sz="1300" dirty="0" err="1">
+                <a:effectLst/>
+              </a:rPr>
+              <a:t>simüle</a:t>
+            </a:r>
+            <a:r>
+              <a:rPr lang="tr-TR" sz="1300" dirty="0">
+                <a:effectLst/>
+              </a:rPr>
+              <a:t> etmek için </a:t>
+            </a:r>
+            <a:r>
+              <a:rPr lang="tr-TR" sz="1300" dirty="0" err="1">
+                <a:effectLst/>
+              </a:rPr>
+              <a:t>Python'da</a:t>
+            </a:r>
+            <a:r>
+              <a:rPr lang="tr-TR" sz="1300" dirty="0">
+                <a:effectLst/>
+              </a:rPr>
+              <a:t> global değişkenlerin nasıl kullanılabileceğini gösterir.</a:t>
+            </a:r>
+          </a:p>
+        </p:txBody>
+      </p:sp>
+      <p:pic>
+        <p:nvPicPr>
+          <p:cNvPr id="5" name="Resim 4" descr="metin içeren bir resim&#10;&#10;Açıklama otomatik olarak oluşturuldu">
+            <a:extLst>
+              <a:ext uri="{FF2B5EF4-FFF2-40B4-BE49-F238E27FC236}">
+                <a16:creationId xmlns:a16="http://schemas.microsoft.com/office/drawing/2014/main" id="{E501D68B-7E5C-4302-8455-F0AF44C2EF21}"/>
+              </a:ext>
+            </a:extLst>
+          </p:cNvPr>
+          <p:cNvPicPr>
+            <a:picLocks noChangeAspect="1"/>
+          </p:cNvPicPr>
+          <p:nvPr/>
+        </p:nvPicPr>
+        <p:blipFill rotWithShape="1">
+          <a:blip r:embed="rId2"/>
+          <a:srcRect r="5572" b="-1"/>
+          <a:stretch/>
+        </p:blipFill>
+        <p:spPr>
+          <a:xfrm>
+            <a:off x="6362702" y="2093976"/>
+            <a:ext cx="4773168" cy="3980688"/>
+          </a:xfrm>
+          <a:prstGeom prst="rect">
+            <a:avLst/>
+          </a:prstGeom>
+        </p:spPr>
+      </p:pic>
+    </p:spTree>
+    <p:extLst>
+      <p:ext uri="{BB962C8B-B14F-4D97-AF65-F5344CB8AC3E}">
+        <p14:creationId xmlns:p14="http://schemas.microsoft.com/office/powerpoint/2010/main" val="3825803153"/>
+      </p:ext>
+    </p:extLst>
+  </p:cSld>
+  <p:clrMapOvr>
+    <a:masterClrMapping/>
+  </p:clrMapOvr>
+</p:sld>
+</file>
+
+<file path=ppt/slides/slide66.xml><?xml version="1.0" encoding="utf-8"?>
+<p:sld xmlns:a="http://schemas.openxmlformats.org/drawingml/2006/main" xmlns:r="http://schemas.openxmlformats.org/officeDocument/2006/relationships" xmlns:p="http://schemas.openxmlformats.org/presentationml/2006/main">
+  <p:cSld>
+    <p:bg>
+      <p:bgPr>
+        <a:solidFill>
+          <a:schemeClr val="bg1"/>
+        </a:solidFill>
+        <a:effectLst/>
+      </p:bgPr>
+    </p:bg>
+    <p:spTree>
+      <p:nvGrpSpPr>
+        <p:cNvPr id="1" name=""/>
+        <p:cNvGrpSpPr/>
+        <p:nvPr/>
+      </p:nvGrpSpPr>
+      <p:grpSpPr>
+        <a:xfrm>
+          <a:off x="0" y="0"/>
+          <a:ext cx="0" cy="0"/>
+          <a:chOff x="0" y="0"/>
+          <a:chExt cx="0" cy="0"/>
+        </a:xfrm>
+      </p:grpSpPr>
+      <p:sp>
+        <p:nvSpPr>
+          <p:cNvPr id="2" name="Başlık 1">
+            <a:extLst>
+              <a:ext uri="{FF2B5EF4-FFF2-40B4-BE49-F238E27FC236}">
+                <a16:creationId xmlns:a16="http://schemas.microsoft.com/office/drawing/2014/main" id="{0A428717-6C66-4C12-AB6D-EEB3FC45CA00}"/>
+              </a:ext>
+            </a:extLst>
+          </p:cNvPr>
+          <p:cNvSpPr>
+            <a:spLocks noGrp="1"/>
+          </p:cNvSpPr>
+          <p:nvPr>
+            <p:ph type="title"/>
+          </p:nvPr>
+        </p:nvSpPr>
+        <p:spPr>
+          <a:xfrm>
+            <a:off x="1069848" y="484632"/>
+            <a:ext cx="10058400" cy="1609344"/>
+          </a:xfrm>
+        </p:spPr>
+        <p:txBody>
+          <a:bodyPr>
+            <a:normAutofit/>
+          </a:bodyPr>
+          <a:lstStyle/>
+          <a:p>
+            <a:r>
+              <a:rPr lang="tr-TR" dirty="0">
+                <a:effectLst/>
+              </a:rPr>
+              <a:t>FONKSİYONLAR</a:t>
+            </a:r>
+            <a:endParaRPr lang="tr-TR" dirty="0"/>
+          </a:p>
+        </p:txBody>
+      </p:sp>
+      <p:sp>
+        <p:nvSpPr>
+          <p:cNvPr id="3" name="İçerik Yer Tutucusu 2">
+            <a:extLst>
+              <a:ext uri="{FF2B5EF4-FFF2-40B4-BE49-F238E27FC236}">
+                <a16:creationId xmlns:a16="http://schemas.microsoft.com/office/drawing/2014/main" id="{7C2C3FDC-D80C-477C-AB96-B998683CAF2B}"/>
+              </a:ext>
+            </a:extLst>
+          </p:cNvPr>
+          <p:cNvSpPr>
+            <a:spLocks noGrp="1"/>
+          </p:cNvSpPr>
+          <p:nvPr>
+            <p:ph idx="1"/>
+          </p:nvPr>
+        </p:nvSpPr>
+        <p:spPr>
+          <a:xfrm>
+            <a:off x="1069848" y="2121408"/>
+            <a:ext cx="4773168" cy="4050792"/>
+          </a:xfrm>
+        </p:spPr>
+        <p:txBody>
+          <a:bodyPr>
+            <a:normAutofit lnSpcReduction="10000"/>
+          </a:bodyPr>
+          <a:lstStyle/>
+          <a:p>
+            <a:r>
+              <a:rPr lang="tr-TR" sz="1300" dirty="0">
+                <a:effectLst/>
+              </a:rPr>
+              <a:t>İki tip </a:t>
+            </a:r>
+            <a:r>
+              <a:rPr lang="tr-TR" sz="1300" dirty="0"/>
+              <a:t>fonksiyon yazılabilir: </a:t>
+            </a:r>
+            <a:r>
+              <a:rPr lang="tr-TR" sz="1300" dirty="0" err="1"/>
+              <a:t>void</a:t>
+            </a:r>
+            <a:r>
+              <a:rPr lang="tr-TR" sz="1300" dirty="0"/>
+              <a:t> fonksiyonlar ve değer döndüren fonksiyonlar (</a:t>
+            </a:r>
+            <a:r>
+              <a:rPr lang="tr-TR" sz="1300" dirty="0" err="1"/>
+              <a:t>value-returning</a:t>
+            </a:r>
+            <a:r>
+              <a:rPr lang="tr-TR" sz="1300" dirty="0"/>
+              <a:t> </a:t>
+            </a:r>
+            <a:r>
+              <a:rPr lang="tr-TR" sz="1300" dirty="0" err="1"/>
+              <a:t>function</a:t>
+            </a:r>
+            <a:r>
+              <a:rPr lang="tr-TR" sz="1300" dirty="0"/>
+              <a:t>). </a:t>
+            </a:r>
+          </a:p>
+          <a:p>
+            <a:pPr lvl="1"/>
+            <a:r>
+              <a:rPr lang="tr-TR" sz="1300" dirty="0"/>
+              <a:t>Bir </a:t>
+            </a:r>
+            <a:r>
+              <a:rPr lang="tr-TR" sz="1300" dirty="0" err="1">
+                <a:effectLst/>
+              </a:rPr>
+              <a:t>void</a:t>
+            </a:r>
+            <a:r>
+              <a:rPr lang="tr-TR" sz="1300" dirty="0">
+                <a:effectLst/>
+              </a:rPr>
+              <a:t> işlevi çağırdığınızda, içerdiği ifadeleri yürütür ve ardından sonlandırılır. </a:t>
+            </a:r>
+          </a:p>
+          <a:p>
+            <a:pPr lvl="1"/>
+            <a:r>
+              <a:rPr lang="tr-TR" sz="1300" b="1" dirty="0">
+                <a:effectLst/>
+              </a:rPr>
+              <a:t>Bir değer döndüren işlevi çağırdığınızda, içerdiği ifadeleri yürütür, ardından onu çağıran ifadeye bir değer döndürür. </a:t>
+            </a:r>
+          </a:p>
+          <a:p>
+            <a:pPr lvl="1"/>
+            <a:r>
+              <a:rPr lang="tr-TR" sz="1300" dirty="0">
+                <a:effectLst/>
+              </a:rPr>
+              <a:t>Değer döndürme işlevi, programın onu çağıran bölümüne bir değer döndüren bir işlevdir. Python ve diğer birçok programlama dili, yaygın olarak ihtiyaç duyulan görevleri yerine getiren önceden yazılmış işlevlerden oluşan bir kitaplık sağlar. Bu kitaplıklar tipik olarak rasgele sayılar üreten bir işlev içerir.</a:t>
+            </a:r>
+          </a:p>
+          <a:p>
+            <a:pPr lvl="1"/>
+            <a:r>
+              <a:rPr lang="tr-TR" sz="1300" dirty="0">
+                <a:effectLst/>
+              </a:rPr>
+              <a:t>Fonksiyon, değer döndürme işlevi bittiğinde, programın onu çağıran kısmına bir değer döndürür. Bir fonksiyondan döndürülen değer, diğer herhangi bir değer gibi kullanılabilir: bir değişkene atanabilir, ekranda görüntülenebilir, matematiksel bir ifadede kullanılabilir (eğer bir sayıysa), vb.</a:t>
+            </a:r>
+          </a:p>
+        </p:txBody>
+      </p:sp>
+      <p:pic>
+        <p:nvPicPr>
+          <p:cNvPr id="6" name="Resim 5">
+            <a:extLst>
+              <a:ext uri="{FF2B5EF4-FFF2-40B4-BE49-F238E27FC236}">
+                <a16:creationId xmlns:a16="http://schemas.microsoft.com/office/drawing/2014/main" id="{124250B3-758F-493B-8174-1154752EF998}"/>
+              </a:ext>
+            </a:extLst>
+          </p:cNvPr>
+          <p:cNvPicPr>
+            <a:picLocks noChangeAspect="1"/>
+          </p:cNvPicPr>
+          <p:nvPr/>
+        </p:nvPicPr>
+        <p:blipFill>
+          <a:blip r:embed="rId2"/>
+          <a:stretch>
+            <a:fillRect/>
+          </a:stretch>
+        </p:blipFill>
+        <p:spPr>
+          <a:xfrm>
+            <a:off x="6348984" y="2016953"/>
+            <a:ext cx="4773168" cy="2291097"/>
+          </a:xfrm>
+          <a:prstGeom prst="rect">
+            <a:avLst/>
+          </a:prstGeom>
+        </p:spPr>
+      </p:pic>
+      <p:pic>
+        <p:nvPicPr>
+          <p:cNvPr id="5" name="Resim 4">
+            <a:extLst>
+              <a:ext uri="{FF2B5EF4-FFF2-40B4-BE49-F238E27FC236}">
+                <a16:creationId xmlns:a16="http://schemas.microsoft.com/office/drawing/2014/main" id="{23AEFFD0-314D-42E4-8D3F-F2BB17A9D766}"/>
+              </a:ext>
+            </a:extLst>
+          </p:cNvPr>
+          <p:cNvPicPr>
+            <a:picLocks noChangeAspect="1"/>
+          </p:cNvPicPr>
+          <p:nvPr/>
+        </p:nvPicPr>
+        <p:blipFill>
+          <a:blip r:embed="rId3"/>
+          <a:stretch>
+            <a:fillRect/>
+          </a:stretch>
+        </p:blipFill>
+        <p:spPr>
+          <a:xfrm>
+            <a:off x="7006996" y="4524581"/>
+            <a:ext cx="3457143" cy="1647619"/>
+          </a:xfrm>
+          <a:prstGeom prst="rect">
+            <a:avLst/>
+          </a:prstGeom>
+        </p:spPr>
+      </p:pic>
+    </p:spTree>
+    <p:extLst>
+      <p:ext uri="{BB962C8B-B14F-4D97-AF65-F5344CB8AC3E}">
+        <p14:creationId xmlns:p14="http://schemas.microsoft.com/office/powerpoint/2010/main" val="1041759363"/>
+      </p:ext>
+    </p:extLst>
+  </p:cSld>
+  <p:clrMapOvr>
+    <a:masterClrMapping/>
+  </p:clrMapOvr>
+</p:sld>
+</file>
+
+<file path=ppt/slides/slide67.xml><?xml version="1.0" encoding="utf-8"?>
+<p:sld xmlns:a="http://schemas.openxmlformats.org/drawingml/2006/main" xmlns:r="http://schemas.openxmlformats.org/officeDocument/2006/relationships" xmlns:p="http://schemas.openxmlformats.org/presentationml/2006/main">
+  <p:cSld>
+    <p:spTree>
+      <p:nvGrpSpPr>
+        <p:cNvPr id="1" name=""/>
+        <p:cNvGrpSpPr/>
+        <p:nvPr/>
+      </p:nvGrpSpPr>
+      <p:grpSpPr>
+        <a:xfrm>
+          <a:off x="0" y="0"/>
+          <a:ext cx="0" cy="0"/>
+          <a:chOff x="0" y="0"/>
+          <a:chExt cx="0" cy="0"/>
+        </a:xfrm>
+      </p:grpSpPr>
+      <p:sp>
+        <p:nvSpPr>
+          <p:cNvPr id="2" name="Başlık 1">
+            <a:extLst>
+              <a:ext uri="{FF2B5EF4-FFF2-40B4-BE49-F238E27FC236}">
+                <a16:creationId xmlns:a16="http://schemas.microsoft.com/office/drawing/2014/main" id="{0A428717-6C66-4C12-AB6D-EEB3FC45CA00}"/>
+              </a:ext>
+            </a:extLst>
+          </p:cNvPr>
+          <p:cNvSpPr>
+            <a:spLocks noGrp="1"/>
+          </p:cNvSpPr>
+          <p:nvPr>
+            <p:ph type="title"/>
+          </p:nvPr>
+        </p:nvSpPr>
+        <p:spPr/>
+        <p:txBody>
+          <a:bodyPr/>
+          <a:lstStyle/>
+          <a:p>
+            <a:r>
+              <a:rPr lang="tr-TR" dirty="0">
+                <a:effectLst/>
+              </a:rPr>
+              <a:t>FONKSİYONLAR</a:t>
+            </a:r>
+            <a:endParaRPr lang="tr-TR" dirty="0"/>
+          </a:p>
+        </p:txBody>
+      </p:sp>
+      <p:sp>
+        <p:nvSpPr>
+          <p:cNvPr id="3" name="İçerik Yer Tutucusu 2">
+            <a:extLst>
+              <a:ext uri="{FF2B5EF4-FFF2-40B4-BE49-F238E27FC236}">
+                <a16:creationId xmlns:a16="http://schemas.microsoft.com/office/drawing/2014/main" id="{7C2C3FDC-D80C-477C-AB96-B998683CAF2B}"/>
+              </a:ext>
+            </a:extLst>
+          </p:cNvPr>
+          <p:cNvSpPr>
+            <a:spLocks noGrp="1"/>
+          </p:cNvSpPr>
+          <p:nvPr>
+            <p:ph idx="1"/>
+          </p:nvPr>
+        </p:nvSpPr>
+        <p:spPr/>
+        <p:txBody>
+          <a:bodyPr>
+            <a:normAutofit fontScale="77500" lnSpcReduction="20000"/>
+          </a:bodyPr>
+          <a:lstStyle/>
+          <a:p>
+            <a:r>
+              <a:rPr lang="tr-TR" sz="1600" b="1" dirty="0">
+                <a:effectLst/>
+              </a:rPr>
+              <a:t>Standart Kitaplık İşlevleri ve İçe </a:t>
+            </a:r>
+            <a:r>
+              <a:rPr lang="tr-TR" sz="1600" b="1" dirty="0"/>
+              <a:t>A</a:t>
+            </a:r>
+            <a:r>
+              <a:rPr lang="tr-TR" sz="1600" b="1" dirty="0">
+                <a:effectLst/>
+              </a:rPr>
+              <a:t>ktarma (</a:t>
+            </a:r>
+            <a:r>
+              <a:rPr lang="tr-TR" sz="1600" b="1" dirty="0" err="1"/>
+              <a:t>I</a:t>
+            </a:r>
+            <a:r>
+              <a:rPr lang="tr-TR" sz="1600" b="1" dirty="0" err="1">
+                <a:effectLst/>
+              </a:rPr>
+              <a:t>mport</a:t>
+            </a:r>
+            <a:r>
+              <a:rPr lang="tr-TR" sz="1600" b="1" dirty="0">
+                <a:effectLst/>
+              </a:rPr>
+              <a:t>) Bildirimi: </a:t>
+            </a:r>
+            <a:r>
+              <a:rPr lang="tr-TR" sz="1600" dirty="0">
+                <a:effectLst/>
+              </a:rPr>
+              <a:t>Python ve çoğu programlama dili, sizin için önceden yazılmış standart bir işlev kitaplığı ile birlikte gelir. Kütüphane işlevleri olarak bilinen bu işlevler, programcıların yaygın olarak gerçekleştirmesi gereken görevlerin çoğunu gerçekleştirdikleri için programcının işini kolaylaştırır. Aslında, Python'un kitaplık </a:t>
+            </a:r>
+            <a:r>
+              <a:rPr lang="tr-TR" sz="1600" dirty="0"/>
+              <a:t>işlevlerinin birçoğunu zaten kullandınız. Kullandığınız işlevlerden bazıları yazdırma, giriş ve aralıktır (</a:t>
+            </a:r>
+            <a:r>
+              <a:rPr lang="tr-TR" sz="1600" dirty="0" err="1"/>
+              <a:t>print</a:t>
+            </a:r>
+            <a:r>
+              <a:rPr lang="tr-TR" sz="1600" dirty="0"/>
+              <a:t>, </a:t>
+            </a:r>
+            <a:r>
+              <a:rPr lang="tr-TR" sz="1600" dirty="0" err="1"/>
+              <a:t>input</a:t>
+            </a:r>
+            <a:r>
+              <a:rPr lang="tr-TR" sz="1600" dirty="0"/>
+              <a:t>, </a:t>
+            </a:r>
+            <a:r>
+              <a:rPr lang="tr-TR" sz="1600" dirty="0" err="1"/>
+              <a:t>and</a:t>
+            </a:r>
+            <a:r>
+              <a:rPr lang="tr-TR" sz="1600" dirty="0"/>
+              <a:t> </a:t>
+            </a:r>
+            <a:r>
+              <a:rPr lang="tr-TR" sz="1600" dirty="0" err="1"/>
+              <a:t>range</a:t>
+            </a:r>
+            <a:r>
+              <a:rPr lang="tr-TR" sz="1600" dirty="0"/>
+              <a:t>). Python'un </a:t>
+            </a:r>
+            <a:r>
+              <a:rPr lang="tr-TR" sz="1600" dirty="0">
+                <a:effectLst/>
+              </a:rPr>
+              <a:t>başka birçok kütüphane işlevi vardır.</a:t>
+            </a:r>
+          </a:p>
+          <a:p>
+            <a:r>
+              <a:rPr lang="tr-TR" sz="1600" dirty="0">
+                <a:effectLst/>
+              </a:rPr>
+              <a:t>Python'un kitaplık işlevlerinden bazıları Python yorumlayıcısında yerleşiktir. Bir programda bu yerleşik işlevlerden birini kullanmak istiyorsanız, işlevi çağırmanız yeterlidir. Bu, daha önce öğrenmiş olduğunuz yazdırma, giriş, aralık ve diğer işlevler için geçerlidir. Ancak standart kitaplıktaki işlevlerin çoğu, modüller olarak bilinen dosyalarda saklanır. Python'u kurduğunuzda bilgisayarınıza kopyalanan bu modüller, standart kütüphane işlevlerinin düzenlenmesine yardımcı olur. Örneğin, matematik işlemlerini gerçekleştirme işlevleri bir modülde birlikte depolanır, dosyalarla çalışma işlevleri birlikte başka bir modülde depolanır vb.</a:t>
+            </a:r>
+          </a:p>
+          <a:p>
+            <a:r>
+              <a:rPr lang="tr-TR" sz="1600" dirty="0"/>
+              <a:t>Bir modülde saklanan bir fonksiyonu çağırmak için programınızın en üstüne bir </a:t>
+            </a:r>
+            <a:r>
+              <a:rPr lang="tr-TR" sz="1600" dirty="0" err="1"/>
+              <a:t>import</a:t>
+            </a:r>
+            <a:r>
+              <a:rPr lang="tr-TR" sz="1600" dirty="0"/>
+              <a:t> ifadesi yazmanız gerekir. Bir </a:t>
+            </a:r>
+            <a:r>
+              <a:rPr lang="tr-TR" sz="1600" dirty="0" err="1"/>
+              <a:t>import</a:t>
+            </a:r>
+            <a:r>
+              <a:rPr lang="tr-TR" sz="1600" dirty="0"/>
+              <a:t> ifadesi, yorumlayıcıya işlevi içeren modülün adını söyler. Örneğin, Python standart modüllerinden birine </a:t>
+            </a:r>
+            <a:r>
+              <a:rPr lang="tr-TR" sz="1600" dirty="0" err="1"/>
+              <a:t>math</a:t>
+            </a:r>
+            <a:r>
+              <a:rPr lang="tr-TR" sz="1600" dirty="0"/>
+              <a:t> adı verilir. Matematik modülü, kayan nokta sayılarıyla çalışan çeşitli matematiksel işlevler içerir. Bir programda matematik modülünün fonksiyonlarından herhangi birini kullanmak istiyorsanız, programın en üstüne aşağıdaki </a:t>
+            </a:r>
+            <a:r>
+              <a:rPr lang="tr-TR" sz="1600" dirty="0" err="1"/>
+              <a:t>import</a:t>
+            </a:r>
+            <a:r>
+              <a:rPr lang="tr-TR" sz="1600" dirty="0"/>
+              <a:t> ifadesini yazmalısınız:</a:t>
+            </a:r>
+          </a:p>
+          <a:p>
+            <a:pPr lvl="1"/>
+            <a:r>
+              <a:rPr lang="tr-TR" sz="1400" dirty="0" err="1"/>
+              <a:t>import</a:t>
+            </a:r>
+            <a:r>
+              <a:rPr lang="tr-TR" sz="1400" dirty="0"/>
+              <a:t> </a:t>
+            </a:r>
+            <a:r>
+              <a:rPr lang="tr-TR" sz="1400" dirty="0" err="1"/>
+              <a:t>math</a:t>
+            </a:r>
+            <a:endParaRPr lang="tr-TR" sz="1400" dirty="0"/>
+          </a:p>
+          <a:p>
+            <a:r>
+              <a:rPr lang="tr-TR" sz="1600" dirty="0"/>
+              <a:t>Bu ifade, yorumlayıcının matematik modülünün içeriğini belleğe yüklemesine neden olur ve matematik modülündeki tüm işlevleri program için kullanılabilir hale getirir. Kitaplık işlevlerinin iç işleyişini görmediğiniz için birçok programcı bunları kara kutular (</a:t>
+            </a:r>
+            <a:r>
+              <a:rPr lang="tr-TR" sz="1600" dirty="0" err="1"/>
+              <a:t>black</a:t>
+            </a:r>
+            <a:r>
+              <a:rPr lang="tr-TR" sz="1600" dirty="0"/>
+              <a:t> </a:t>
+            </a:r>
+            <a:r>
+              <a:rPr lang="tr-TR" sz="1600" dirty="0" err="1"/>
+              <a:t>boxes</a:t>
+            </a:r>
+            <a:r>
+              <a:rPr lang="tr-TR" sz="1600" dirty="0"/>
+              <a:t>) olarak düşünür. “Kara kutu” terimi, girdiyi kabul eden, girdiyi kullanarak (görülemeyen) bazı işlemler gerçekleştiren ve çıktı üreten herhangi bir mekanizmayı tanımlamak için kullanılır. Şekil bu fikri göstermektedir.</a:t>
+            </a:r>
+            <a:endParaRPr lang="tr-TR" sz="1400" dirty="0">
+              <a:effectLst/>
+            </a:endParaRPr>
+          </a:p>
+        </p:txBody>
+      </p:sp>
+      <p:pic>
+        <p:nvPicPr>
+          <p:cNvPr id="5" name="Resim 4" descr="metin, ekran, ekran görüntüsü içeren bir resim&#10;&#10;Açıklama otomatik olarak oluşturuldu">
+            <a:extLst>
+              <a:ext uri="{FF2B5EF4-FFF2-40B4-BE49-F238E27FC236}">
+                <a16:creationId xmlns:a16="http://schemas.microsoft.com/office/drawing/2014/main" id="{9D8EFC5E-9F3F-43B3-A230-7F68CD8524B4}"/>
+              </a:ext>
+            </a:extLst>
+          </p:cNvPr>
+          <p:cNvPicPr>
+            <a:picLocks noChangeAspect="1"/>
+          </p:cNvPicPr>
+          <p:nvPr/>
+        </p:nvPicPr>
+        <p:blipFill>
+          <a:blip r:embed="rId2"/>
+          <a:stretch>
+            <a:fillRect/>
+          </a:stretch>
+        </p:blipFill>
+        <p:spPr>
+          <a:xfrm>
+            <a:off x="1338758" y="5625048"/>
+            <a:ext cx="3742857" cy="876190"/>
+          </a:xfrm>
+          <a:prstGeom prst="rect">
+            <a:avLst/>
+          </a:prstGeom>
+        </p:spPr>
+      </p:pic>
+      <p:pic>
+        <p:nvPicPr>
+          <p:cNvPr id="7" name="Resim 6">
+            <a:extLst>
+              <a:ext uri="{FF2B5EF4-FFF2-40B4-BE49-F238E27FC236}">
+                <a16:creationId xmlns:a16="http://schemas.microsoft.com/office/drawing/2014/main" id="{93A91302-FFD4-4205-B876-81D366FC227A}"/>
+              </a:ext>
+            </a:extLst>
+          </p:cNvPr>
+          <p:cNvPicPr>
+            <a:picLocks noChangeAspect="1"/>
+          </p:cNvPicPr>
+          <p:nvPr/>
+        </p:nvPicPr>
+        <p:blipFill>
+          <a:blip r:embed="rId3"/>
+          <a:stretch>
+            <a:fillRect/>
+          </a:stretch>
+        </p:blipFill>
+        <p:spPr>
+          <a:xfrm>
+            <a:off x="6366588" y="5548390"/>
+            <a:ext cx="3980952" cy="1247619"/>
+          </a:xfrm>
+          <a:prstGeom prst="rect">
+            <a:avLst/>
+          </a:prstGeom>
+        </p:spPr>
+      </p:pic>
+    </p:spTree>
+    <p:extLst>
+      <p:ext uri="{BB962C8B-B14F-4D97-AF65-F5344CB8AC3E}">
+        <p14:creationId xmlns:p14="http://schemas.microsoft.com/office/powerpoint/2010/main" val="2586974191"/>
+      </p:ext>
+    </p:extLst>
+  </p:cSld>
+  <p:clrMapOvr>
+    <a:masterClrMapping/>
+  </p:clrMapOvr>
+</p:sld>
+</file>
+
+<file path=ppt/slides/slide68.xml><?xml version="1.0" encoding="utf-8"?>
+<p:sld xmlns:a="http://schemas.openxmlformats.org/drawingml/2006/main" xmlns:r="http://schemas.openxmlformats.org/officeDocument/2006/relationships" xmlns:p="http://schemas.openxmlformats.org/presentationml/2006/main">
+  <p:cSld>
+    <p:bg>
+      <p:bgPr>
+        <a:solidFill>
+          <a:schemeClr val="bg1"/>
+        </a:solidFill>
+        <a:effectLst/>
+      </p:bgPr>
+    </p:bg>
+    <p:spTree>
+      <p:nvGrpSpPr>
+        <p:cNvPr id="1" name=""/>
+        <p:cNvGrpSpPr/>
+        <p:nvPr/>
+      </p:nvGrpSpPr>
+      <p:grpSpPr>
+        <a:xfrm>
+          <a:off x="0" y="0"/>
+          <a:ext cx="0" cy="0"/>
+          <a:chOff x="0" y="0"/>
+          <a:chExt cx="0" cy="0"/>
+        </a:xfrm>
+      </p:grpSpPr>
+      <p:sp>
+        <p:nvSpPr>
+          <p:cNvPr id="2" name="Başlık 1">
+            <a:extLst>
+              <a:ext uri="{FF2B5EF4-FFF2-40B4-BE49-F238E27FC236}">
+                <a16:creationId xmlns:a16="http://schemas.microsoft.com/office/drawing/2014/main" id="{0A428717-6C66-4C12-AB6D-EEB3FC45CA00}"/>
+              </a:ext>
+            </a:extLst>
+          </p:cNvPr>
+          <p:cNvSpPr>
+            <a:spLocks noGrp="1"/>
+          </p:cNvSpPr>
+          <p:nvPr>
+            <p:ph type="title"/>
+          </p:nvPr>
+        </p:nvSpPr>
+        <p:spPr>
+          <a:xfrm>
+            <a:off x="1069848" y="484632"/>
+            <a:ext cx="10058400" cy="1609344"/>
+          </a:xfrm>
+        </p:spPr>
+        <p:txBody>
+          <a:bodyPr>
+            <a:normAutofit/>
+          </a:bodyPr>
+          <a:lstStyle/>
+          <a:p>
+            <a:r>
+              <a:rPr lang="tr-TR">
+                <a:effectLst/>
+              </a:rPr>
+              <a:t>IPO Grafiklerini Kullanma</a:t>
+            </a:r>
+            <a:endParaRPr lang="tr-TR" dirty="0"/>
+          </a:p>
+        </p:txBody>
+      </p:sp>
+      <p:sp>
+        <p:nvSpPr>
+          <p:cNvPr id="3" name="İçerik Yer Tutucusu 2">
+            <a:extLst>
+              <a:ext uri="{FF2B5EF4-FFF2-40B4-BE49-F238E27FC236}">
+                <a16:creationId xmlns:a16="http://schemas.microsoft.com/office/drawing/2014/main" id="{7C2C3FDC-D80C-477C-AB96-B998683CAF2B}"/>
+              </a:ext>
+            </a:extLst>
+          </p:cNvPr>
+          <p:cNvSpPr>
+            <a:spLocks noGrp="1"/>
+          </p:cNvSpPr>
+          <p:nvPr>
+            <p:ph idx="1"/>
+          </p:nvPr>
+        </p:nvSpPr>
+        <p:spPr>
+          <a:xfrm>
+            <a:off x="1069848" y="2121408"/>
+            <a:ext cx="4773168" cy="4050792"/>
+          </a:xfrm>
+        </p:spPr>
+        <p:txBody>
+          <a:bodyPr>
+            <a:normAutofit/>
+          </a:bodyPr>
+          <a:lstStyle/>
+          <a:p>
+            <a:r>
+              <a:rPr lang="tr-TR" sz="1300">
+                <a:effectLst/>
+              </a:rPr>
+              <a:t>Bir IPO şeması, programcıların bazen işlevleri tasarlamak ve belgelemek için kullandıkları basit ama etkili bir araçtır. </a:t>
+            </a:r>
+          </a:p>
+          <a:p>
+            <a:r>
+              <a:rPr lang="tr-TR" sz="1300">
+                <a:effectLst/>
+              </a:rPr>
+              <a:t>IPO, girdi, işleme </a:t>
+            </a:r>
+            <a:r>
+              <a:rPr lang="tr-TR" sz="1300"/>
+              <a:t>ve çıktı (</a:t>
+            </a:r>
+            <a:r>
+              <a:rPr lang="tr-TR" sz="1300" err="1"/>
+              <a:t>input</a:t>
+            </a:r>
+            <a:r>
+              <a:rPr lang="tr-TR" sz="1300"/>
+              <a:t>, </a:t>
+            </a:r>
+            <a:r>
+              <a:rPr lang="tr-TR" sz="1300" err="1"/>
+              <a:t>processing</a:t>
+            </a:r>
+            <a:r>
+              <a:rPr lang="tr-TR" sz="1300"/>
+              <a:t>, </a:t>
+            </a:r>
+            <a:r>
+              <a:rPr lang="tr-TR" sz="1300" err="1"/>
+              <a:t>and</a:t>
+            </a:r>
+            <a:r>
+              <a:rPr lang="tr-TR" sz="1300"/>
+              <a:t> </a:t>
+            </a:r>
+            <a:r>
+              <a:rPr lang="tr-TR" sz="1300" err="1"/>
+              <a:t>output</a:t>
+            </a:r>
+            <a:r>
+              <a:rPr lang="tr-TR" sz="1300"/>
+              <a:t>) anlamına gelir ve bir IPO şeması, bir fonksiyonun girdisini, işlenmesini ve çıktısını </a:t>
+            </a:r>
+            <a:r>
+              <a:rPr lang="tr-TR" sz="1300">
+                <a:effectLst/>
+              </a:rPr>
+              <a:t>tanımlar. </a:t>
+            </a:r>
+          </a:p>
+          <a:p>
+            <a:r>
+              <a:rPr lang="tr-TR" sz="1300">
+                <a:effectLst/>
+              </a:rPr>
+              <a:t>Bu öğeler genellikle sütunlar halinde düzenlenir: </a:t>
+            </a:r>
+          </a:p>
+          <a:p>
+            <a:pPr lvl="1"/>
+            <a:r>
+              <a:rPr lang="tr-TR" sz="1300">
+                <a:effectLst/>
+              </a:rPr>
+              <a:t>giriş sütunu, işleve argüman olarak iletilen verilerin bir tanımını gösterir, </a:t>
+            </a:r>
+          </a:p>
+          <a:p>
+            <a:pPr lvl="1"/>
+            <a:r>
+              <a:rPr lang="tr-TR" sz="1300">
+                <a:effectLst/>
+              </a:rPr>
+              <a:t>işleme sütunu, işlevin gerçekleştirdiği işlemin bir tanımını gösterir ve </a:t>
+            </a:r>
+          </a:p>
+          <a:p>
+            <a:pPr lvl="1"/>
+            <a:r>
+              <a:rPr lang="tr-TR" sz="1300">
+                <a:effectLst/>
+              </a:rPr>
+              <a:t>çıktı sütunu, işlevden döndürülen verileri tanımlar.</a:t>
+            </a:r>
+          </a:p>
+        </p:txBody>
+      </p:sp>
+      <p:pic>
+        <p:nvPicPr>
+          <p:cNvPr id="7" name="Resim 6" descr="metin, tablo içeren bir resim&#10;&#10;Açıklama otomatik olarak oluşturuldu">
+            <a:extLst>
+              <a:ext uri="{FF2B5EF4-FFF2-40B4-BE49-F238E27FC236}">
+                <a16:creationId xmlns:a16="http://schemas.microsoft.com/office/drawing/2014/main" id="{6BDDAD83-38B1-416B-9D88-3520E1888A84}"/>
+              </a:ext>
+            </a:extLst>
+          </p:cNvPr>
+          <p:cNvPicPr>
+            <a:picLocks noChangeAspect="1"/>
+          </p:cNvPicPr>
+          <p:nvPr/>
+        </p:nvPicPr>
+        <p:blipFill>
+          <a:blip r:embed="rId2"/>
+          <a:stretch>
+            <a:fillRect/>
+          </a:stretch>
+        </p:blipFill>
+        <p:spPr>
+          <a:xfrm>
+            <a:off x="6751320" y="2193036"/>
+            <a:ext cx="3980688" cy="3980688"/>
+          </a:xfrm>
+          <a:prstGeom prst="rect">
+            <a:avLst/>
+          </a:prstGeom>
+        </p:spPr>
+      </p:pic>
+    </p:spTree>
+    <p:extLst>
+      <p:ext uri="{BB962C8B-B14F-4D97-AF65-F5344CB8AC3E}">
+        <p14:creationId xmlns:p14="http://schemas.microsoft.com/office/powerpoint/2010/main" val="3715578130"/>
+      </p:ext>
+    </p:extLst>
+  </p:cSld>
+  <p:clrMapOvr>
+    <a:masterClrMapping/>
+  </p:clrMapOvr>
+</p:sld>
+</file>
+
+<file path=ppt/slides/slide69.xml><?xml version="1.0" encoding="utf-8"?>
+<p:sld xmlns:a="http://schemas.openxmlformats.org/drawingml/2006/main" xmlns:r="http://schemas.openxmlformats.org/officeDocument/2006/relationships" xmlns:p="http://schemas.openxmlformats.org/presentationml/2006/main">
+  <p:cSld>
+    <p:spTree>
+      <p:nvGrpSpPr>
+        <p:cNvPr id="1" name=""/>
+        <p:cNvGrpSpPr/>
+        <p:nvPr/>
+      </p:nvGrpSpPr>
+      <p:grpSpPr>
+        <a:xfrm>
+          <a:off x="0" y="0"/>
+          <a:ext cx="0" cy="0"/>
+          <a:chOff x="0" y="0"/>
+          <a:chExt cx="0" cy="0"/>
+        </a:xfrm>
+      </p:grpSpPr>
+      <p:sp>
+        <p:nvSpPr>
+          <p:cNvPr id="2" name="Başlık 1">
+            <a:extLst>
+              <a:ext uri="{FF2B5EF4-FFF2-40B4-BE49-F238E27FC236}">
+                <a16:creationId xmlns:a16="http://schemas.microsoft.com/office/drawing/2014/main" id="{0A428717-6C66-4C12-AB6D-EEB3FC45CA00}"/>
+              </a:ext>
+            </a:extLst>
+          </p:cNvPr>
+          <p:cNvSpPr>
+            <a:spLocks noGrp="1"/>
+          </p:cNvSpPr>
+          <p:nvPr>
+            <p:ph type="title"/>
+          </p:nvPr>
+        </p:nvSpPr>
+        <p:spPr/>
+        <p:txBody>
+          <a:bodyPr/>
+          <a:lstStyle/>
+          <a:p>
+            <a:r>
+              <a:rPr lang="tr-TR" dirty="0">
+                <a:effectLst/>
+              </a:rPr>
+              <a:t>FONKSİYONLAR</a:t>
+            </a:r>
+            <a:endParaRPr lang="tr-TR" dirty="0"/>
+          </a:p>
+        </p:txBody>
+      </p:sp>
+      <p:sp>
+        <p:nvSpPr>
+          <p:cNvPr id="3" name="İçerik Yer Tutucusu 2">
+            <a:extLst>
+              <a:ext uri="{FF2B5EF4-FFF2-40B4-BE49-F238E27FC236}">
+                <a16:creationId xmlns:a16="http://schemas.microsoft.com/office/drawing/2014/main" id="{7C2C3FDC-D80C-477C-AB96-B998683CAF2B}"/>
+              </a:ext>
+            </a:extLst>
+          </p:cNvPr>
+          <p:cNvSpPr>
+            <a:spLocks noGrp="1"/>
+          </p:cNvSpPr>
+          <p:nvPr>
+            <p:ph idx="1"/>
+          </p:nvPr>
+        </p:nvSpPr>
+        <p:spPr/>
+        <p:txBody>
+          <a:bodyPr>
+            <a:normAutofit/>
+          </a:bodyPr>
+          <a:lstStyle/>
+          <a:p>
+            <a:r>
+              <a:rPr lang="tr-TR" sz="2100" b="1" dirty="0">
+                <a:effectLst/>
+              </a:rPr>
+              <a:t>Birden Çok Değer Döndürme:</a:t>
+            </a:r>
+          </a:p>
+          <a:p>
+            <a:endParaRPr lang="tr-TR" sz="1400" dirty="0">
+              <a:effectLst/>
+            </a:endParaRPr>
+          </a:p>
+        </p:txBody>
+      </p:sp>
+      <p:pic>
+        <p:nvPicPr>
+          <p:cNvPr id="6" name="Resim 5" descr="metin içeren bir resim&#10;&#10;Açıklama otomatik olarak oluşturuldu">
+            <a:extLst>
+              <a:ext uri="{FF2B5EF4-FFF2-40B4-BE49-F238E27FC236}">
+                <a16:creationId xmlns:a16="http://schemas.microsoft.com/office/drawing/2014/main" id="{C22E6C3B-5E28-4BCE-8984-46BBCC8AE35E}"/>
+              </a:ext>
+            </a:extLst>
+          </p:cNvPr>
+          <p:cNvPicPr>
+            <a:picLocks noChangeAspect="1"/>
+          </p:cNvPicPr>
+          <p:nvPr/>
+        </p:nvPicPr>
+        <p:blipFill>
+          <a:blip r:embed="rId2"/>
+          <a:stretch>
+            <a:fillRect/>
+          </a:stretch>
+        </p:blipFill>
+        <p:spPr>
+          <a:xfrm>
+            <a:off x="1336706" y="2555128"/>
+            <a:ext cx="4666667" cy="1523810"/>
+          </a:xfrm>
+          <a:prstGeom prst="rect">
+            <a:avLst/>
+          </a:prstGeom>
+        </p:spPr>
+      </p:pic>
+      <p:pic>
+        <p:nvPicPr>
+          <p:cNvPr id="9" name="Resim 8">
+            <a:extLst>
+              <a:ext uri="{FF2B5EF4-FFF2-40B4-BE49-F238E27FC236}">
+                <a16:creationId xmlns:a16="http://schemas.microsoft.com/office/drawing/2014/main" id="{3FBE4A92-3EB7-4B0F-8F1B-A156EB622B9A}"/>
+              </a:ext>
+            </a:extLst>
+          </p:cNvPr>
+          <p:cNvPicPr>
+            <a:picLocks noChangeAspect="1"/>
+          </p:cNvPicPr>
+          <p:nvPr/>
+        </p:nvPicPr>
+        <p:blipFill>
+          <a:blip r:embed="rId3"/>
+          <a:stretch>
+            <a:fillRect/>
+          </a:stretch>
+        </p:blipFill>
+        <p:spPr>
+          <a:xfrm>
+            <a:off x="1262005" y="4539855"/>
+            <a:ext cx="3752381" cy="390476"/>
+          </a:xfrm>
+          <a:prstGeom prst="rect">
+            <a:avLst/>
+          </a:prstGeom>
+        </p:spPr>
+      </p:pic>
+    </p:spTree>
+    <p:extLst>
+      <p:ext uri="{BB962C8B-B14F-4D97-AF65-F5344CB8AC3E}">
+        <p14:creationId xmlns:p14="http://schemas.microsoft.com/office/powerpoint/2010/main" val="4125876546"/>
+      </p:ext>
+    </p:extLst>
+  </p:cSld>
+  <p:clrMapOvr>
+    <a:masterClrMapping/>
+  </p:clrMapOvr>
+</p:sld>
+</file>
+
 <file path=ppt/slides/slide7.xml><?xml version="1.0" encoding="utf-8"?>
 <p:sld xmlns:a="http://schemas.openxmlformats.org/drawingml/2006/main" xmlns:r="http://schemas.openxmlformats.org/officeDocument/2006/relationships" xmlns:p="http://schemas.openxmlformats.org/presentationml/2006/main">
   <p:cSld>
@@ -18095,6 +21414,1906 @@
     <p:extLst>
       <p:ext uri="{BB962C8B-B14F-4D97-AF65-F5344CB8AC3E}">
         <p14:creationId xmlns:p14="http://schemas.microsoft.com/office/powerpoint/2010/main" val="3368579607"/>
+      </p:ext>
+    </p:extLst>
+  </p:cSld>
+  <p:clrMapOvr>
+    <a:masterClrMapping/>
+  </p:clrMapOvr>
+</p:sld>
+</file>
+
+<file path=ppt/slides/slide70.xml><?xml version="1.0" encoding="utf-8"?>
+<p:sld xmlns:a="http://schemas.openxmlformats.org/drawingml/2006/main" xmlns:r="http://schemas.openxmlformats.org/officeDocument/2006/relationships" xmlns:p="http://schemas.openxmlformats.org/presentationml/2006/main">
+  <p:cSld>
+    <p:spTree>
+      <p:nvGrpSpPr>
+        <p:cNvPr id="1" name=""/>
+        <p:cNvGrpSpPr/>
+        <p:nvPr/>
+      </p:nvGrpSpPr>
+      <p:grpSpPr>
+        <a:xfrm>
+          <a:off x="0" y="0"/>
+          <a:ext cx="0" cy="0"/>
+          <a:chOff x="0" y="0"/>
+          <a:chExt cx="0" cy="0"/>
+        </a:xfrm>
+      </p:grpSpPr>
+      <p:sp>
+        <p:nvSpPr>
+          <p:cNvPr id="2" name="Başlık 1">
+            <a:extLst>
+              <a:ext uri="{FF2B5EF4-FFF2-40B4-BE49-F238E27FC236}">
+                <a16:creationId xmlns:a16="http://schemas.microsoft.com/office/drawing/2014/main" id="{0A428717-6C66-4C12-AB6D-EEB3FC45CA00}"/>
+              </a:ext>
+            </a:extLst>
+          </p:cNvPr>
+          <p:cNvSpPr>
+            <a:spLocks noGrp="1"/>
+          </p:cNvSpPr>
+          <p:nvPr>
+            <p:ph type="title"/>
+          </p:nvPr>
+        </p:nvSpPr>
+        <p:spPr/>
+        <p:txBody>
+          <a:bodyPr/>
+          <a:lstStyle/>
+          <a:p>
+            <a:r>
+              <a:rPr lang="tr-TR" dirty="0">
+                <a:effectLst/>
+              </a:rPr>
+              <a:t>Fonksiyonları Modüllerde Saklamak</a:t>
+            </a:r>
+            <a:endParaRPr lang="tr-TR" dirty="0"/>
+          </a:p>
+        </p:txBody>
+      </p:sp>
+      <p:sp>
+        <p:nvSpPr>
+          <p:cNvPr id="3" name="İçerik Yer Tutucusu 2">
+            <a:extLst>
+              <a:ext uri="{FF2B5EF4-FFF2-40B4-BE49-F238E27FC236}">
+                <a16:creationId xmlns:a16="http://schemas.microsoft.com/office/drawing/2014/main" id="{7C2C3FDC-D80C-477C-AB96-B998683CAF2B}"/>
+              </a:ext>
+            </a:extLst>
+          </p:cNvPr>
+          <p:cNvSpPr>
+            <a:spLocks noGrp="1"/>
+          </p:cNvSpPr>
+          <p:nvPr>
+            <p:ph idx="1"/>
+          </p:nvPr>
+        </p:nvSpPr>
+        <p:spPr/>
+        <p:txBody>
+          <a:bodyPr>
+            <a:normAutofit fontScale="77500" lnSpcReduction="20000"/>
+          </a:bodyPr>
+          <a:lstStyle/>
+          <a:p>
+            <a:r>
+              <a:rPr lang="tr-TR" sz="2100" dirty="0">
+                <a:effectLst/>
+              </a:rPr>
+              <a:t>Modül, Python kodunu içeren bir dosyadır. Modüllere bölündüklerinde büyük programların hata ayıklaması ve bakımı daha </a:t>
+            </a:r>
+          </a:p>
+          <a:p>
+            <a:r>
+              <a:rPr lang="tr-TR" sz="2100" dirty="0">
+                <a:effectLst/>
+              </a:rPr>
+              <a:t>Programlarınız büyüdükçe ve karmaşıklaştıkça, kodunuzu düzenleme ihtiyacı da artar. Büyük ve karmaşık bir programın, her biri belirli bir görevi yerine getiren işlevlere bölünmesi gerektiğini zaten öğrendiniz. Bir programa gittikçe daha fazla fonksiyon yazarken, fonksiyonları modüllerde saklayarak organize etmeyi düşünmelisiniz. </a:t>
+            </a:r>
+          </a:p>
+          <a:p>
+            <a:r>
+              <a:rPr lang="tr-TR" sz="2100" dirty="0">
+                <a:effectLst/>
+              </a:rPr>
+              <a:t>Modül basitçe Python kodunu içeren bir dosyadır. Bir programı modüllere ayırdığınızda, her modül ilgili görevleri gerçekleştiren işlevleri içermelidir. Örneğin, bir muhasebe sistemi yazdığınızı varsayalım. Alacak hesabı fonksiyonlarının tamamını kendi modülünde, borç hesabı fonksiyonlarının tamamını kendi modülünde ve bordro fonksiyonlarının tamamını kendi modülünde saklarsınız. </a:t>
+            </a:r>
+            <a:r>
+              <a:rPr lang="tr-TR" sz="2100" dirty="0" err="1"/>
+              <a:t>Modülerleştirme</a:t>
+            </a:r>
+            <a:r>
+              <a:rPr lang="tr-TR" sz="2100" dirty="0"/>
+              <a:t> (</a:t>
+            </a:r>
+            <a:r>
+              <a:rPr lang="tr-TR" sz="2100" dirty="0" err="1"/>
+              <a:t>modularization</a:t>
+            </a:r>
+            <a:r>
+              <a:rPr lang="tr-TR" sz="2100" dirty="0"/>
+              <a:t>) adı verilen bu yaklaşım, programın anlaşılmasını, test edilmesini ve bakımını kolaylaştırır. </a:t>
+            </a:r>
+          </a:p>
+          <a:p>
+            <a:r>
+              <a:rPr lang="tr-TR" sz="2100" dirty="0"/>
+              <a:t>Modüller, aynı kodun birden fazla programda yeniden kullanılmasını da kolaylaştırır. Birkaç farklı programda ihtiyaç duyulan bir dizi fonksiyon </a:t>
+            </a:r>
+            <a:r>
+              <a:rPr lang="tr-TR" sz="2100" dirty="0">
+                <a:effectLst/>
+              </a:rPr>
+              <a:t>yazdıysanız, bu fonksiyonları bir modüle yerleştirebilirsiniz. Ardından, işlevlerden birini çağırması gereken her programdaki modülü içe aktarabilirsiniz.</a:t>
+            </a:r>
+            <a:endParaRPr lang="tr-TR" sz="1400" dirty="0">
+              <a:effectLst/>
+            </a:endParaRPr>
+          </a:p>
+        </p:txBody>
+      </p:sp>
+      <p:pic>
+        <p:nvPicPr>
+          <p:cNvPr id="5" name="Resim 4">
+            <a:extLst>
+              <a:ext uri="{FF2B5EF4-FFF2-40B4-BE49-F238E27FC236}">
+                <a16:creationId xmlns:a16="http://schemas.microsoft.com/office/drawing/2014/main" id="{59164612-1787-40AF-8D44-24C09B999503}"/>
+              </a:ext>
+            </a:extLst>
+          </p:cNvPr>
+          <p:cNvPicPr>
+            <a:picLocks noChangeAspect="1"/>
+          </p:cNvPicPr>
+          <p:nvPr/>
+        </p:nvPicPr>
+        <p:blipFill>
+          <a:blip r:embed="rId2"/>
+          <a:stretch>
+            <a:fillRect/>
+          </a:stretch>
+        </p:blipFill>
+        <p:spPr>
+          <a:xfrm>
+            <a:off x="1228919" y="5722800"/>
+            <a:ext cx="1714286" cy="361905"/>
+          </a:xfrm>
+          <a:prstGeom prst="rect">
+            <a:avLst/>
+          </a:prstGeom>
+        </p:spPr>
+      </p:pic>
+    </p:spTree>
+    <p:extLst>
+      <p:ext uri="{BB962C8B-B14F-4D97-AF65-F5344CB8AC3E}">
+        <p14:creationId xmlns:p14="http://schemas.microsoft.com/office/powerpoint/2010/main" val="1106705283"/>
+      </p:ext>
+    </p:extLst>
+  </p:cSld>
+  <p:clrMapOvr>
+    <a:masterClrMapping/>
+  </p:clrMapOvr>
+</p:sld>
+</file>
+
+<file path=ppt/slides/slide71.xml><?xml version="1.0" encoding="utf-8"?>
+<p:sld xmlns:a="http://schemas.openxmlformats.org/drawingml/2006/main" xmlns:r="http://schemas.openxmlformats.org/officeDocument/2006/relationships" xmlns:p="http://schemas.openxmlformats.org/presentationml/2006/main">
+  <p:cSld>
+    <p:spTree>
+      <p:nvGrpSpPr>
+        <p:cNvPr id="1" name=""/>
+        <p:cNvGrpSpPr/>
+        <p:nvPr/>
+      </p:nvGrpSpPr>
+      <p:grpSpPr>
+        <a:xfrm>
+          <a:off x="0" y="0"/>
+          <a:ext cx="0" cy="0"/>
+          <a:chOff x="0" y="0"/>
+          <a:chExt cx="0" cy="0"/>
+        </a:xfrm>
+      </p:grpSpPr>
+      <p:sp>
+        <p:nvSpPr>
+          <p:cNvPr id="2" name="Başlık 1">
+            <a:extLst>
+              <a:ext uri="{FF2B5EF4-FFF2-40B4-BE49-F238E27FC236}">
+                <a16:creationId xmlns:a16="http://schemas.microsoft.com/office/drawing/2014/main" id="{AC7DEC34-6BCF-44D2-8BFD-DB337F019DA1}"/>
+              </a:ext>
+            </a:extLst>
+          </p:cNvPr>
+          <p:cNvSpPr>
+            <a:spLocks noGrp="1"/>
+          </p:cNvSpPr>
+          <p:nvPr>
+            <p:ph type="title"/>
+          </p:nvPr>
+        </p:nvSpPr>
+        <p:spPr/>
+        <p:txBody>
+          <a:bodyPr/>
+          <a:lstStyle/>
+          <a:p>
+            <a:r>
+              <a:rPr lang="pt-BR" dirty="0">
+                <a:effectLst/>
+              </a:rPr>
+              <a:t>Dosyalar ve İst</a:t>
+            </a:r>
+            <a:r>
+              <a:rPr lang="tr-TR" dirty="0">
+                <a:effectLst/>
+              </a:rPr>
+              <a:t>İ</a:t>
+            </a:r>
+            <a:r>
+              <a:rPr lang="pt-BR" dirty="0">
+                <a:effectLst/>
+              </a:rPr>
+              <a:t>snalar</a:t>
+            </a:r>
+            <a:endParaRPr lang="tr-TR" sz="2400" dirty="0"/>
+          </a:p>
+        </p:txBody>
+      </p:sp>
+    </p:spTree>
+    <p:extLst>
+      <p:ext uri="{BB962C8B-B14F-4D97-AF65-F5344CB8AC3E}">
+        <p14:creationId xmlns:p14="http://schemas.microsoft.com/office/powerpoint/2010/main" val="2321033323"/>
+      </p:ext>
+    </p:extLst>
+  </p:cSld>
+  <p:clrMapOvr>
+    <a:masterClrMapping/>
+  </p:clrMapOvr>
+</p:sld>
+</file>
+
+<file path=ppt/slides/slide72.xml><?xml version="1.0" encoding="utf-8"?>
+<p:sld xmlns:a="http://schemas.openxmlformats.org/drawingml/2006/main" xmlns:r="http://schemas.openxmlformats.org/officeDocument/2006/relationships" xmlns:p="http://schemas.openxmlformats.org/presentationml/2006/main">
+  <p:cSld>
+    <p:spTree>
+      <p:nvGrpSpPr>
+        <p:cNvPr id="1" name=""/>
+        <p:cNvGrpSpPr/>
+        <p:nvPr/>
+      </p:nvGrpSpPr>
+      <p:grpSpPr>
+        <a:xfrm>
+          <a:off x="0" y="0"/>
+          <a:ext cx="0" cy="0"/>
+          <a:chOff x="0" y="0"/>
+          <a:chExt cx="0" cy="0"/>
+        </a:xfrm>
+      </p:grpSpPr>
+      <p:sp>
+        <p:nvSpPr>
+          <p:cNvPr id="2" name="Başlık 1">
+            <a:extLst>
+              <a:ext uri="{FF2B5EF4-FFF2-40B4-BE49-F238E27FC236}">
+                <a16:creationId xmlns:a16="http://schemas.microsoft.com/office/drawing/2014/main" id="{0A428717-6C66-4C12-AB6D-EEB3FC45CA00}"/>
+              </a:ext>
+            </a:extLst>
+          </p:cNvPr>
+          <p:cNvSpPr>
+            <a:spLocks noGrp="1"/>
+          </p:cNvSpPr>
+          <p:nvPr>
+            <p:ph type="title"/>
+          </p:nvPr>
+        </p:nvSpPr>
+        <p:spPr/>
+        <p:txBody>
+          <a:bodyPr/>
+          <a:lstStyle/>
+          <a:p>
+            <a:r>
+              <a:rPr lang="pt-BR" dirty="0">
+                <a:effectLst/>
+              </a:rPr>
+              <a:t>Dosyala</a:t>
+            </a:r>
+            <a:r>
+              <a:rPr lang="tr-TR" dirty="0">
+                <a:effectLst/>
+              </a:rPr>
+              <a:t>R</a:t>
+            </a:r>
+            <a:endParaRPr lang="tr-TR" dirty="0"/>
+          </a:p>
+        </p:txBody>
+      </p:sp>
+      <p:sp>
+        <p:nvSpPr>
+          <p:cNvPr id="3" name="İçerik Yer Tutucusu 2">
+            <a:extLst>
+              <a:ext uri="{FF2B5EF4-FFF2-40B4-BE49-F238E27FC236}">
+                <a16:creationId xmlns:a16="http://schemas.microsoft.com/office/drawing/2014/main" id="{7C2C3FDC-D80C-477C-AB96-B998683CAF2B}"/>
+              </a:ext>
+            </a:extLst>
+          </p:cNvPr>
+          <p:cNvSpPr>
+            <a:spLocks noGrp="1"/>
+          </p:cNvSpPr>
+          <p:nvPr>
+            <p:ph idx="1"/>
+          </p:nvPr>
+        </p:nvSpPr>
+        <p:spPr/>
+        <p:txBody>
+          <a:bodyPr>
+            <a:normAutofit fontScale="85000" lnSpcReduction="20000"/>
+          </a:bodyPr>
+          <a:lstStyle/>
+          <a:p>
+            <a:r>
+              <a:rPr lang="tr-TR" sz="2100" dirty="0">
+                <a:effectLst/>
+              </a:rPr>
+              <a:t>Bir programın daha sonra kullanmak üzere verileri kaydetmesi gerektiğinde, verileri bir dosyaya yazar. Veriler daha sonra dosyadan okunabilir.</a:t>
+            </a:r>
+          </a:p>
+          <a:p>
+            <a:r>
+              <a:rPr lang="tr-TR" sz="2100" dirty="0"/>
+              <a:t>Şu ana kadar yazdığınız programlar, programın her çalıştığında kullanıcının verileri yeniden girmesini gerektirir, çünkü </a:t>
+            </a:r>
+            <a:r>
+              <a:rPr lang="tr-TR" sz="2100" dirty="0" err="1"/>
+              <a:t>RAM'de</a:t>
+            </a:r>
+            <a:r>
+              <a:rPr lang="tr-TR" sz="2100" dirty="0"/>
+              <a:t> depolanan veriler (değişkenler tarafından başvurulur) program çalışmayı durdurduğunda kaybolur. Bir program, çalıştığı zamanlar arasında verileri tutacaksa, onu kaydetmenin bir yolu olmalıdır. Veriler, genellikle bir bilgisayarın diskinde depolanan bir dosyaya kaydedilir. Veriler bir dosyaya kaydedildikten sonra, program çalışmayı durdurduktan sonra orada kalacaktır. Bir dosyada saklanan veriler daha sonra alınabilir ve kullanılabilir. </a:t>
+            </a:r>
+          </a:p>
+          <a:p>
+            <a:r>
+              <a:rPr lang="tr-TR" sz="2100" dirty="0"/>
+              <a:t>Günlük olarak kullandığınız ticari yazılım paketlerinin çoğu, verileri dosyalarda depolar. Aşağıdakiler birkaç örnek</a:t>
+            </a:r>
+          </a:p>
+          <a:p>
+            <a:pPr lvl="1"/>
+            <a:r>
+              <a:rPr lang="tr-TR" sz="1900" dirty="0"/>
+              <a:t>Kelime işlemcileri</a:t>
+            </a:r>
+          </a:p>
+          <a:p>
+            <a:pPr lvl="1"/>
+            <a:r>
+              <a:rPr lang="tr-TR" sz="1900" dirty="0"/>
+              <a:t>Resim düzenleyiciler</a:t>
+            </a:r>
+          </a:p>
+          <a:p>
+            <a:pPr lvl="1"/>
+            <a:r>
+              <a:rPr lang="tr-TR" sz="1900" dirty="0"/>
+              <a:t>E-tablolar</a:t>
+            </a:r>
+          </a:p>
+          <a:p>
+            <a:pPr lvl="1"/>
+            <a:r>
+              <a:rPr lang="tr-TR" sz="1900" dirty="0"/>
+              <a:t>Oyunlar</a:t>
+            </a:r>
+          </a:p>
+          <a:p>
+            <a:pPr lvl="1"/>
+            <a:r>
+              <a:rPr lang="tr-TR" sz="1900" dirty="0"/>
+              <a:t>Web tarayıcıları</a:t>
+            </a:r>
+          </a:p>
+        </p:txBody>
+      </p:sp>
+    </p:spTree>
+    <p:extLst>
+      <p:ext uri="{BB962C8B-B14F-4D97-AF65-F5344CB8AC3E}">
+        <p14:creationId xmlns:p14="http://schemas.microsoft.com/office/powerpoint/2010/main" val="4022085108"/>
+      </p:ext>
+    </p:extLst>
+  </p:cSld>
+  <p:clrMapOvr>
+    <a:masterClrMapping/>
+  </p:clrMapOvr>
+</p:sld>
+</file>
+
+<file path=ppt/slides/slide73.xml><?xml version="1.0" encoding="utf-8"?>
+<p:sld xmlns:a="http://schemas.openxmlformats.org/drawingml/2006/main" xmlns:r="http://schemas.openxmlformats.org/officeDocument/2006/relationships" xmlns:p="http://schemas.openxmlformats.org/presentationml/2006/main">
+  <p:cSld>
+    <p:bg>
+      <p:bgPr>
+        <a:solidFill>
+          <a:schemeClr val="bg1"/>
+        </a:solidFill>
+        <a:effectLst/>
+      </p:bgPr>
+    </p:bg>
+    <p:spTree>
+      <p:nvGrpSpPr>
+        <p:cNvPr id="1" name=""/>
+        <p:cNvGrpSpPr/>
+        <p:nvPr/>
+      </p:nvGrpSpPr>
+      <p:grpSpPr>
+        <a:xfrm>
+          <a:off x="0" y="0"/>
+          <a:ext cx="0" cy="0"/>
+          <a:chOff x="0" y="0"/>
+          <a:chExt cx="0" cy="0"/>
+        </a:xfrm>
+      </p:grpSpPr>
+      <p:sp>
+        <p:nvSpPr>
+          <p:cNvPr id="2" name="Başlık 1">
+            <a:extLst>
+              <a:ext uri="{FF2B5EF4-FFF2-40B4-BE49-F238E27FC236}">
+                <a16:creationId xmlns:a16="http://schemas.microsoft.com/office/drawing/2014/main" id="{0A428717-6C66-4C12-AB6D-EEB3FC45CA00}"/>
+              </a:ext>
+            </a:extLst>
+          </p:cNvPr>
+          <p:cNvSpPr>
+            <a:spLocks noGrp="1"/>
+          </p:cNvSpPr>
+          <p:nvPr>
+            <p:ph type="title"/>
+          </p:nvPr>
+        </p:nvSpPr>
+        <p:spPr>
+          <a:xfrm>
+            <a:off x="1069848" y="484632"/>
+            <a:ext cx="10058400" cy="1609344"/>
+          </a:xfrm>
+        </p:spPr>
+        <p:txBody>
+          <a:bodyPr>
+            <a:normAutofit/>
+          </a:bodyPr>
+          <a:lstStyle/>
+          <a:p>
+            <a:r>
+              <a:rPr lang="pt-BR" dirty="0">
+                <a:effectLst/>
+              </a:rPr>
+              <a:t>Dosyala</a:t>
+            </a:r>
+            <a:r>
+              <a:rPr lang="tr-TR" dirty="0">
+                <a:effectLst/>
+              </a:rPr>
+              <a:t>R</a:t>
+            </a:r>
+            <a:endParaRPr lang="tr-TR" dirty="0"/>
+          </a:p>
+        </p:txBody>
+      </p:sp>
+      <p:sp>
+        <p:nvSpPr>
+          <p:cNvPr id="3" name="İçerik Yer Tutucusu 2">
+            <a:extLst>
+              <a:ext uri="{FF2B5EF4-FFF2-40B4-BE49-F238E27FC236}">
+                <a16:creationId xmlns:a16="http://schemas.microsoft.com/office/drawing/2014/main" id="{7C2C3FDC-D80C-477C-AB96-B998683CAF2B}"/>
+              </a:ext>
+            </a:extLst>
+          </p:cNvPr>
+          <p:cNvSpPr>
+            <a:spLocks noGrp="1"/>
+          </p:cNvSpPr>
+          <p:nvPr>
+            <p:ph idx="1"/>
+          </p:nvPr>
+        </p:nvSpPr>
+        <p:spPr>
+          <a:xfrm>
+            <a:off x="1069847" y="2121408"/>
+            <a:ext cx="4948397" cy="4050792"/>
+          </a:xfrm>
+        </p:spPr>
+        <p:txBody>
+          <a:bodyPr>
+            <a:noAutofit/>
+          </a:bodyPr>
+          <a:lstStyle/>
+          <a:p>
+            <a:r>
+              <a:rPr lang="tr-TR" sz="1400" dirty="0"/>
+              <a:t>Günlük iş operasyonlarında kullanılan programlar, büyük ölçüde dosyalara dayanır. Bordro programları çalışan verilerini dosyalarda tutar, envanter programları bir şirketin ürünleriyle ilgili verileri dosyalarda tutar, muhasebe sistemleri bir şirketin finansal işlemleriyle ilgili verileri dosyalarda tutar vb. Programcılar genellikle bir dosyaya veri kaydetme işlemine dosyaya “veri yazma” olarak atıfta bulunur. </a:t>
+            </a:r>
+          </a:p>
+          <a:p>
+            <a:r>
+              <a:rPr lang="tr-TR" sz="1400" dirty="0"/>
+              <a:t>Bir dosyaya bir veri parçası yazıldığında, </a:t>
+            </a:r>
+            <a:r>
+              <a:rPr lang="tr-TR" sz="1400" dirty="0" err="1"/>
+              <a:t>RAM'deki</a:t>
+            </a:r>
+            <a:r>
+              <a:rPr lang="tr-TR" sz="1400" dirty="0"/>
+              <a:t> bir değişkenden dosyaya kopyalanır. Bu, şekilde gösterilmektedir. Çıktı dosyası terimi, verilerin yazıldığı bir dosyayı tanımlamak için kullanılır. Program çıktıyı içinde sakladığından buna çıktı dosyası denir.</a:t>
+            </a:r>
+          </a:p>
+        </p:txBody>
+      </p:sp>
+      <p:pic>
+        <p:nvPicPr>
+          <p:cNvPr id="6" name="Resim 5">
+            <a:extLst>
+              <a:ext uri="{FF2B5EF4-FFF2-40B4-BE49-F238E27FC236}">
+                <a16:creationId xmlns:a16="http://schemas.microsoft.com/office/drawing/2014/main" id="{F3445BA6-F283-4307-93CB-FEBD1E926801}"/>
+              </a:ext>
+            </a:extLst>
+          </p:cNvPr>
+          <p:cNvPicPr>
+            <a:picLocks noChangeAspect="1"/>
+          </p:cNvPicPr>
+          <p:nvPr/>
+        </p:nvPicPr>
+        <p:blipFill>
+          <a:blip r:embed="rId2"/>
+          <a:stretch>
+            <a:fillRect/>
+          </a:stretch>
+        </p:blipFill>
+        <p:spPr>
+          <a:xfrm>
+            <a:off x="6355080" y="2121408"/>
+            <a:ext cx="4773168" cy="3532943"/>
+          </a:xfrm>
+          <a:prstGeom prst="rect">
+            <a:avLst/>
+          </a:prstGeom>
+        </p:spPr>
+      </p:pic>
+    </p:spTree>
+    <p:extLst>
+      <p:ext uri="{BB962C8B-B14F-4D97-AF65-F5344CB8AC3E}">
+        <p14:creationId xmlns:p14="http://schemas.microsoft.com/office/powerpoint/2010/main" val="2713089389"/>
+      </p:ext>
+    </p:extLst>
+  </p:cSld>
+  <p:clrMapOvr>
+    <a:masterClrMapping/>
+  </p:clrMapOvr>
+</p:sld>
+</file>
+
+<file path=ppt/slides/slide74.xml><?xml version="1.0" encoding="utf-8"?>
+<p:sld xmlns:a="http://schemas.openxmlformats.org/drawingml/2006/main" xmlns:r="http://schemas.openxmlformats.org/officeDocument/2006/relationships" xmlns:p="http://schemas.openxmlformats.org/presentationml/2006/main">
+  <p:cSld>
+    <p:bg>
+      <p:bgPr>
+        <a:solidFill>
+          <a:schemeClr val="bg1"/>
+        </a:solidFill>
+        <a:effectLst/>
+      </p:bgPr>
+    </p:bg>
+    <p:spTree>
+      <p:nvGrpSpPr>
+        <p:cNvPr id="1" name=""/>
+        <p:cNvGrpSpPr/>
+        <p:nvPr/>
+      </p:nvGrpSpPr>
+      <p:grpSpPr>
+        <a:xfrm>
+          <a:off x="0" y="0"/>
+          <a:ext cx="0" cy="0"/>
+          <a:chOff x="0" y="0"/>
+          <a:chExt cx="0" cy="0"/>
+        </a:xfrm>
+      </p:grpSpPr>
+      <p:sp>
+        <p:nvSpPr>
+          <p:cNvPr id="2" name="Başlık 1">
+            <a:extLst>
+              <a:ext uri="{FF2B5EF4-FFF2-40B4-BE49-F238E27FC236}">
+                <a16:creationId xmlns:a16="http://schemas.microsoft.com/office/drawing/2014/main" id="{0A428717-6C66-4C12-AB6D-EEB3FC45CA00}"/>
+              </a:ext>
+            </a:extLst>
+          </p:cNvPr>
+          <p:cNvSpPr>
+            <a:spLocks noGrp="1"/>
+          </p:cNvSpPr>
+          <p:nvPr>
+            <p:ph type="title"/>
+          </p:nvPr>
+        </p:nvSpPr>
+        <p:spPr>
+          <a:xfrm>
+            <a:off x="1069848" y="484632"/>
+            <a:ext cx="10058400" cy="1609344"/>
+          </a:xfrm>
+        </p:spPr>
+        <p:txBody>
+          <a:bodyPr>
+            <a:normAutofit/>
+          </a:bodyPr>
+          <a:lstStyle/>
+          <a:p>
+            <a:r>
+              <a:rPr lang="pt-BR" dirty="0">
+                <a:effectLst/>
+              </a:rPr>
+              <a:t>Dosyalar</a:t>
+            </a:r>
+            <a:endParaRPr lang="tr-TR" dirty="0"/>
+          </a:p>
+        </p:txBody>
+      </p:sp>
+      <p:sp>
+        <p:nvSpPr>
+          <p:cNvPr id="3" name="İçerik Yer Tutucusu 2">
+            <a:extLst>
+              <a:ext uri="{FF2B5EF4-FFF2-40B4-BE49-F238E27FC236}">
+                <a16:creationId xmlns:a16="http://schemas.microsoft.com/office/drawing/2014/main" id="{7C2C3FDC-D80C-477C-AB96-B998683CAF2B}"/>
+              </a:ext>
+            </a:extLst>
+          </p:cNvPr>
+          <p:cNvSpPr>
+            <a:spLocks noGrp="1"/>
+          </p:cNvSpPr>
+          <p:nvPr>
+            <p:ph idx="1"/>
+          </p:nvPr>
+        </p:nvSpPr>
+        <p:spPr>
+          <a:xfrm>
+            <a:off x="1069848" y="2121408"/>
+            <a:ext cx="4773168" cy="4050792"/>
+          </a:xfrm>
+        </p:spPr>
+        <p:txBody>
+          <a:bodyPr>
+            <a:noAutofit/>
+          </a:bodyPr>
+          <a:lstStyle/>
+          <a:p>
+            <a:r>
+              <a:rPr lang="tr-TR" sz="1200" dirty="0"/>
+              <a:t>Bir dosyadan veri alma işlemi, dosyadan "veri okuma" olarak bilinir. Bir dosyadan bir veri parçası okunduğunda, dosyadan </a:t>
+            </a:r>
+            <a:r>
+              <a:rPr lang="tr-TR" sz="1200" dirty="0" err="1"/>
+              <a:t>RAM'e</a:t>
+            </a:r>
+            <a:r>
+              <a:rPr lang="tr-TR" sz="1200" dirty="0"/>
+              <a:t> kopyalanır ve bir değişken tarafından başvurulur. Şekil bunu göstermektedir. </a:t>
+            </a:r>
+          </a:p>
+          <a:p>
+            <a:r>
+              <a:rPr lang="tr-TR" sz="1200" dirty="0"/>
+              <a:t>Girdi dosyası terimi, verilerin okunduğu bir dosyayı tanımlamak için kullanılır. Program dosyadan girdi aldığı için girdi dosyası olarak adlandırılır.</a:t>
+            </a:r>
+          </a:p>
+          <a:p>
+            <a:r>
+              <a:rPr lang="tr-TR" sz="1200" dirty="0"/>
+              <a:t>Bir dosya bir program tarafından kullanıldığında her zaman atılması gereken üç adım vardır. </a:t>
+            </a:r>
+          </a:p>
+          <a:p>
+            <a:pPr lvl="1"/>
+            <a:r>
+              <a:rPr lang="tr-TR" sz="1000" dirty="0"/>
+              <a:t>Dosyayı açın. Bir dosyayı açmak, dosya ile program arasında bir bağlantı oluşturur. Bir çıktı dosyasının açılması genellikle dosyayı diskte oluşturur ve programın ona veri yazmasına izin verir. Bir girdi dosyası açmak, programın dosyadan veri okumasını sağlar. </a:t>
+            </a:r>
+          </a:p>
+          <a:p>
+            <a:pPr lvl="1"/>
+            <a:r>
+              <a:rPr lang="tr-TR" sz="1000" dirty="0"/>
+              <a:t>Dosyayı işleyin. Bu adımda, veriler ya dosyaya yazılır (çıktı dosyasıysa) ya da dosyadan okunur (giriş dosyasıysa). </a:t>
+            </a:r>
+          </a:p>
+          <a:p>
+            <a:pPr lvl="1"/>
+            <a:r>
+              <a:rPr lang="tr-TR" sz="1000" dirty="0"/>
+              <a:t>Dosyayı kapatın. Program dosyayı kullanmayı bitirdiğinde, dosya kapatılmalıdır. Bir dosyayı kapatmak, dosyanın programla olan bağlantısını keser.</a:t>
+            </a:r>
+          </a:p>
+        </p:txBody>
+      </p:sp>
+      <p:pic>
+        <p:nvPicPr>
+          <p:cNvPr id="5" name="Resim 4">
+            <a:extLst>
+              <a:ext uri="{FF2B5EF4-FFF2-40B4-BE49-F238E27FC236}">
+                <a16:creationId xmlns:a16="http://schemas.microsoft.com/office/drawing/2014/main" id="{20254C53-F9D0-46FB-8657-20453A61592A}"/>
+              </a:ext>
+            </a:extLst>
+          </p:cNvPr>
+          <p:cNvPicPr>
+            <a:picLocks noChangeAspect="1"/>
+          </p:cNvPicPr>
+          <p:nvPr/>
+        </p:nvPicPr>
+        <p:blipFill>
+          <a:blip r:embed="rId2"/>
+          <a:stretch>
+            <a:fillRect/>
+          </a:stretch>
+        </p:blipFill>
+        <p:spPr>
+          <a:xfrm>
+            <a:off x="6355080" y="2121408"/>
+            <a:ext cx="4773168" cy="3410391"/>
+          </a:xfrm>
+          <a:prstGeom prst="rect">
+            <a:avLst/>
+          </a:prstGeom>
+        </p:spPr>
+      </p:pic>
+    </p:spTree>
+    <p:extLst>
+      <p:ext uri="{BB962C8B-B14F-4D97-AF65-F5344CB8AC3E}">
+        <p14:creationId xmlns:p14="http://schemas.microsoft.com/office/powerpoint/2010/main" val="398726338"/>
+      </p:ext>
+    </p:extLst>
+  </p:cSld>
+  <p:clrMapOvr>
+    <a:masterClrMapping/>
+  </p:clrMapOvr>
+</p:sld>
+</file>
+
+<file path=ppt/slides/slide75.xml><?xml version="1.0" encoding="utf-8"?>
+<p:sld xmlns:a="http://schemas.openxmlformats.org/drawingml/2006/main" xmlns:r="http://schemas.openxmlformats.org/officeDocument/2006/relationships" xmlns:p="http://schemas.openxmlformats.org/presentationml/2006/main">
+  <p:cSld>
+    <p:spTree>
+      <p:nvGrpSpPr>
+        <p:cNvPr id="1" name=""/>
+        <p:cNvGrpSpPr/>
+        <p:nvPr/>
+      </p:nvGrpSpPr>
+      <p:grpSpPr>
+        <a:xfrm>
+          <a:off x="0" y="0"/>
+          <a:ext cx="0" cy="0"/>
+          <a:chOff x="0" y="0"/>
+          <a:chExt cx="0" cy="0"/>
+        </a:xfrm>
+      </p:grpSpPr>
+      <p:sp>
+        <p:nvSpPr>
+          <p:cNvPr id="2" name="Başlık 1">
+            <a:extLst>
+              <a:ext uri="{FF2B5EF4-FFF2-40B4-BE49-F238E27FC236}">
+                <a16:creationId xmlns:a16="http://schemas.microsoft.com/office/drawing/2014/main" id="{0A428717-6C66-4C12-AB6D-EEB3FC45CA00}"/>
+              </a:ext>
+            </a:extLst>
+          </p:cNvPr>
+          <p:cNvSpPr>
+            <a:spLocks noGrp="1"/>
+          </p:cNvSpPr>
+          <p:nvPr>
+            <p:ph type="title"/>
+          </p:nvPr>
+        </p:nvSpPr>
+        <p:spPr/>
+        <p:txBody>
+          <a:bodyPr/>
+          <a:lstStyle/>
+          <a:p>
+            <a:r>
+              <a:rPr lang="pt-BR" dirty="0">
+                <a:effectLst/>
+              </a:rPr>
+              <a:t>Dosyalar</a:t>
+            </a:r>
+            <a:endParaRPr lang="tr-TR" dirty="0"/>
+          </a:p>
+        </p:txBody>
+      </p:sp>
+      <p:sp>
+        <p:nvSpPr>
+          <p:cNvPr id="3" name="İçerik Yer Tutucusu 2">
+            <a:extLst>
+              <a:ext uri="{FF2B5EF4-FFF2-40B4-BE49-F238E27FC236}">
+                <a16:creationId xmlns:a16="http://schemas.microsoft.com/office/drawing/2014/main" id="{7C2C3FDC-D80C-477C-AB96-B998683CAF2B}"/>
+              </a:ext>
+            </a:extLst>
+          </p:cNvPr>
+          <p:cNvSpPr>
+            <a:spLocks noGrp="1"/>
+          </p:cNvSpPr>
+          <p:nvPr>
+            <p:ph idx="1"/>
+          </p:nvPr>
+        </p:nvSpPr>
+        <p:spPr/>
+        <p:txBody>
+          <a:bodyPr>
+            <a:normAutofit fontScale="70000" lnSpcReduction="20000"/>
+          </a:bodyPr>
+          <a:lstStyle/>
+          <a:p>
+            <a:r>
+              <a:rPr lang="tr-TR" sz="2100" b="1" dirty="0">
+                <a:effectLst/>
+              </a:rPr>
+              <a:t>Dosya Türleri: </a:t>
+            </a:r>
+            <a:r>
+              <a:rPr lang="tr-TR" sz="2100" dirty="0">
+                <a:effectLst/>
+              </a:rPr>
+              <a:t>Genel olarak, iki tür dosya vardır: metin </a:t>
+            </a:r>
+            <a:r>
+              <a:rPr lang="tr-TR" sz="2100" dirty="0"/>
+              <a:t>ve ikili (</a:t>
+            </a:r>
+            <a:r>
+              <a:rPr lang="tr-TR" sz="2100" dirty="0" err="1"/>
+              <a:t>text</a:t>
+            </a:r>
+            <a:r>
+              <a:rPr lang="tr-TR" sz="2100" dirty="0"/>
+              <a:t> </a:t>
+            </a:r>
+            <a:r>
+              <a:rPr lang="tr-TR" sz="2100" dirty="0" err="1"/>
+              <a:t>and</a:t>
+            </a:r>
+            <a:r>
+              <a:rPr lang="tr-TR" sz="2100" dirty="0"/>
+              <a:t> </a:t>
+            </a:r>
+            <a:r>
+              <a:rPr lang="tr-TR" sz="2100" dirty="0" err="1"/>
+              <a:t>binary</a:t>
+            </a:r>
+            <a:r>
+              <a:rPr lang="tr-TR" sz="2100" dirty="0"/>
+              <a:t>). </a:t>
+            </a:r>
+          </a:p>
+          <a:p>
+            <a:pPr lvl="1"/>
+            <a:r>
+              <a:rPr lang="tr-TR" sz="1900" dirty="0"/>
+              <a:t>Bir metin dosyası, ASCII veya Unicode gibi bir şema kullanılarak metin olarak kodlanmış verileri içerir. Dosya sayılar içeriyor olsa bile, bu sayılar </a:t>
+            </a:r>
+            <a:r>
+              <a:rPr lang="tr-TR" sz="1900" dirty="0">
+                <a:effectLst/>
+              </a:rPr>
+              <a:t>dosyada bir dizi karakter olarak saklanır. Sonuç olarak, dosya Not Defteri gibi bir metin düzenleyicide açılabilir ve görüntülenebilir. </a:t>
+            </a:r>
+          </a:p>
+          <a:p>
+            <a:pPr lvl="1"/>
+            <a:r>
+              <a:rPr lang="tr-TR" sz="1900" dirty="0">
+                <a:effectLst/>
+              </a:rPr>
+              <a:t>İkili dosya, metne dönüştürülmemiş verileri içerir. İkili bir dosyada saklanan veriler yalnızca bir programın okuması içindir. Sonuç olarak, bir ikili dosyanın içeriğini bir metin düzenleyiciyle görüntüleyemezsiniz. Python hem metin dosyaları hem de ikili dosyalar üzerinde çalışmanıza izin verir.</a:t>
+            </a:r>
+          </a:p>
+          <a:p>
+            <a:r>
+              <a:rPr lang="tr-TR" sz="1900" b="1" dirty="0"/>
+              <a:t>Dosya Erişim Yöntemleri</a:t>
+            </a:r>
+            <a:r>
+              <a:rPr lang="tr-TR" sz="2100" b="1" dirty="0"/>
+              <a:t>: </a:t>
+            </a:r>
+            <a:r>
+              <a:rPr lang="tr-TR" sz="2100" dirty="0"/>
+              <a:t>Çoğu programlama dili, bir dosyada depolanan verilere erişmek için iki farklı yol sağlar: sıralı erişim ve doğrudan erişim (</a:t>
+            </a:r>
+            <a:r>
+              <a:rPr lang="en-US" sz="2100" dirty="0"/>
+              <a:t>sequential access and direct access</a:t>
+            </a:r>
+            <a:r>
+              <a:rPr lang="tr-TR" sz="2100" dirty="0"/>
+              <a:t>). </a:t>
+            </a:r>
+          </a:p>
+          <a:p>
+            <a:pPr lvl="1"/>
+            <a:r>
+              <a:rPr lang="tr-TR" sz="1900" dirty="0"/>
+              <a:t>Sıralı erişim dosyasıyla çalıştığınızda, dosyanın başından sonuna kadar verilere erişirsiniz. Dosyanın en sonunda saklanan bir veri parçasını okumak istiyorsanız, ondan önce gelen tüm verileri okumanız gerekir; istediğiniz veriye doğrudan atlayamazsınız. Bu, eski kaset çalarların çalışma şekline benzer. Bir kasetteki son şarkıyı dinlemek istiyorsanız, ondan önce gelen tüm şarkıları hızlı ileri sarmanız veya dinlemeniz gerekir. Doğrudan belirli bir şarkıya atlamanın bir yolu yoktur. </a:t>
+            </a:r>
+          </a:p>
+          <a:p>
+            <a:pPr lvl="1"/>
+            <a:r>
+              <a:rPr lang="tr-TR" sz="1900" dirty="0"/>
+              <a:t>Doğrudan erişim dosyasıyla (rastgele erişim dosyası olarak da bilinir) çalıştığınızda, ondan önce gelen verileri okumadan dosyadaki herhangi bir veri parçasına doğrudan atlayabilirsiniz. Bu, bir CD çaların veya bir MP3 çaların çalışma şekline benzer. Dinlemek istediğiniz herhangi bir şarkıya doğrudan atlayabilirsiniz.</a:t>
+            </a:r>
+            <a:endParaRPr lang="tr-TR" sz="1700" dirty="0"/>
+          </a:p>
+        </p:txBody>
+      </p:sp>
+    </p:spTree>
+    <p:extLst>
+      <p:ext uri="{BB962C8B-B14F-4D97-AF65-F5344CB8AC3E}">
+        <p14:creationId xmlns:p14="http://schemas.microsoft.com/office/powerpoint/2010/main" val="3504017253"/>
+      </p:ext>
+    </p:extLst>
+  </p:cSld>
+  <p:clrMapOvr>
+    <a:masterClrMapping/>
+  </p:clrMapOvr>
+</p:sld>
+</file>
+
+<file path=ppt/slides/slide76.xml><?xml version="1.0" encoding="utf-8"?>
+<p:sld xmlns:a="http://schemas.openxmlformats.org/drawingml/2006/main" xmlns:r="http://schemas.openxmlformats.org/officeDocument/2006/relationships" xmlns:p="http://schemas.openxmlformats.org/presentationml/2006/main">
+  <p:cSld>
+    <p:bg>
+      <p:bgPr>
+        <a:solidFill>
+          <a:schemeClr val="bg1"/>
+        </a:solidFill>
+        <a:effectLst/>
+      </p:bgPr>
+    </p:bg>
+    <p:spTree>
+      <p:nvGrpSpPr>
+        <p:cNvPr id="1" name=""/>
+        <p:cNvGrpSpPr/>
+        <p:nvPr/>
+      </p:nvGrpSpPr>
+      <p:grpSpPr>
+        <a:xfrm>
+          <a:off x="0" y="0"/>
+          <a:ext cx="0" cy="0"/>
+          <a:chOff x="0" y="0"/>
+          <a:chExt cx="0" cy="0"/>
+        </a:xfrm>
+      </p:grpSpPr>
+      <p:sp>
+        <p:nvSpPr>
+          <p:cNvPr id="2" name="Başlık 1">
+            <a:extLst>
+              <a:ext uri="{FF2B5EF4-FFF2-40B4-BE49-F238E27FC236}">
+                <a16:creationId xmlns:a16="http://schemas.microsoft.com/office/drawing/2014/main" id="{0A428717-6C66-4C12-AB6D-EEB3FC45CA00}"/>
+              </a:ext>
+            </a:extLst>
+          </p:cNvPr>
+          <p:cNvSpPr>
+            <a:spLocks noGrp="1"/>
+          </p:cNvSpPr>
+          <p:nvPr>
+            <p:ph type="title"/>
+          </p:nvPr>
+        </p:nvSpPr>
+        <p:spPr>
+          <a:xfrm>
+            <a:off x="1069848" y="484632"/>
+            <a:ext cx="10058400" cy="1609344"/>
+          </a:xfrm>
+        </p:spPr>
+        <p:txBody>
+          <a:bodyPr>
+            <a:normAutofit/>
+          </a:bodyPr>
+          <a:lstStyle/>
+          <a:p>
+            <a:r>
+              <a:rPr lang="pt-BR" dirty="0">
+                <a:effectLst/>
+              </a:rPr>
+              <a:t>Dosyalar</a:t>
+            </a:r>
+            <a:endParaRPr lang="tr-TR" dirty="0"/>
+          </a:p>
+        </p:txBody>
+      </p:sp>
+      <p:sp>
+        <p:nvSpPr>
+          <p:cNvPr id="3" name="İçerik Yer Tutucusu 2">
+            <a:extLst>
+              <a:ext uri="{FF2B5EF4-FFF2-40B4-BE49-F238E27FC236}">
+                <a16:creationId xmlns:a16="http://schemas.microsoft.com/office/drawing/2014/main" id="{7C2C3FDC-D80C-477C-AB96-B998683CAF2B}"/>
+              </a:ext>
+            </a:extLst>
+          </p:cNvPr>
+          <p:cNvSpPr>
+            <a:spLocks noGrp="1"/>
+          </p:cNvSpPr>
+          <p:nvPr>
+            <p:ph idx="1"/>
+          </p:nvPr>
+        </p:nvSpPr>
+        <p:spPr>
+          <a:xfrm>
+            <a:off x="1069848" y="2121408"/>
+            <a:ext cx="4773168" cy="4050792"/>
+          </a:xfrm>
+        </p:spPr>
+        <p:txBody>
+          <a:bodyPr>
+            <a:normAutofit/>
+          </a:bodyPr>
+          <a:lstStyle/>
+          <a:p>
+            <a:r>
+              <a:rPr lang="tr-TR" sz="1700" b="1">
+                <a:effectLst/>
+              </a:rPr>
+              <a:t>Dosya Nesneleri: </a:t>
+            </a:r>
+            <a:r>
+              <a:rPr lang="tr-TR" sz="1700">
+                <a:effectLst/>
+              </a:rPr>
+              <a:t>Bir programın bilgisayarın diskindeki bir dosyayla çalışabilmesi için, programın bellekte bir dosya nesnesi oluşturması gerekir. Dosya nesnesi, belirli bir dosyayla ilişkilendirilen ve programın bu dosyayla çalışması için bir yol sağlayan bir nesnedir. Programda, bir değişken dosya nesnesine başvurur. Bu değişken, dosya üzerinde gerçekleştirilen herhangi bir işlemi gerçekleştirmek için kullanılır. Bu kavram şekilde gösterilmiştir.</a:t>
+            </a:r>
+          </a:p>
+        </p:txBody>
+      </p:sp>
+      <p:pic>
+        <p:nvPicPr>
+          <p:cNvPr id="5" name="Resim 4">
+            <a:extLst>
+              <a:ext uri="{FF2B5EF4-FFF2-40B4-BE49-F238E27FC236}">
+                <a16:creationId xmlns:a16="http://schemas.microsoft.com/office/drawing/2014/main" id="{8181E542-F948-473B-AEB7-A2981A132313}"/>
+              </a:ext>
+            </a:extLst>
+          </p:cNvPr>
+          <p:cNvPicPr>
+            <a:picLocks noChangeAspect="1"/>
+          </p:cNvPicPr>
+          <p:nvPr/>
+        </p:nvPicPr>
+        <p:blipFill>
+          <a:blip r:embed="rId2"/>
+          <a:stretch>
+            <a:fillRect/>
+          </a:stretch>
+        </p:blipFill>
+        <p:spPr>
+          <a:xfrm>
+            <a:off x="6348986" y="2331107"/>
+            <a:ext cx="4773168" cy="2696839"/>
+          </a:xfrm>
+          <a:prstGeom prst="rect">
+            <a:avLst/>
+          </a:prstGeom>
+        </p:spPr>
+      </p:pic>
+    </p:spTree>
+    <p:extLst>
+      <p:ext uri="{BB962C8B-B14F-4D97-AF65-F5344CB8AC3E}">
+        <p14:creationId xmlns:p14="http://schemas.microsoft.com/office/powerpoint/2010/main" val="3848838182"/>
+      </p:ext>
+    </p:extLst>
+  </p:cSld>
+  <p:clrMapOvr>
+    <a:masterClrMapping/>
+  </p:clrMapOvr>
+</p:sld>
+</file>
+
+<file path=ppt/slides/slide77.xml><?xml version="1.0" encoding="utf-8"?>
+<p:sld xmlns:a="http://schemas.openxmlformats.org/drawingml/2006/main" xmlns:r="http://schemas.openxmlformats.org/officeDocument/2006/relationships" xmlns:p="http://schemas.openxmlformats.org/presentationml/2006/main">
+  <p:cSld>
+    <p:bg>
+      <p:bgPr>
+        <a:solidFill>
+          <a:schemeClr val="bg1"/>
+        </a:solidFill>
+        <a:effectLst/>
+      </p:bgPr>
+    </p:bg>
+    <p:spTree>
+      <p:nvGrpSpPr>
+        <p:cNvPr id="1" name=""/>
+        <p:cNvGrpSpPr/>
+        <p:nvPr/>
+      </p:nvGrpSpPr>
+      <p:grpSpPr>
+        <a:xfrm>
+          <a:off x="0" y="0"/>
+          <a:ext cx="0" cy="0"/>
+          <a:chOff x="0" y="0"/>
+          <a:chExt cx="0" cy="0"/>
+        </a:xfrm>
+      </p:grpSpPr>
+      <p:sp>
+        <p:nvSpPr>
+          <p:cNvPr id="2" name="Başlık 1">
+            <a:extLst>
+              <a:ext uri="{FF2B5EF4-FFF2-40B4-BE49-F238E27FC236}">
+                <a16:creationId xmlns:a16="http://schemas.microsoft.com/office/drawing/2014/main" id="{0A428717-6C66-4C12-AB6D-EEB3FC45CA00}"/>
+              </a:ext>
+            </a:extLst>
+          </p:cNvPr>
+          <p:cNvSpPr>
+            <a:spLocks noGrp="1"/>
+          </p:cNvSpPr>
+          <p:nvPr>
+            <p:ph type="title"/>
+          </p:nvPr>
+        </p:nvSpPr>
+        <p:spPr>
+          <a:xfrm>
+            <a:off x="1069848" y="484632"/>
+            <a:ext cx="10058400" cy="1609344"/>
+          </a:xfrm>
+        </p:spPr>
+        <p:txBody>
+          <a:bodyPr>
+            <a:normAutofit/>
+          </a:bodyPr>
+          <a:lstStyle/>
+          <a:p>
+            <a:r>
+              <a:rPr lang="pt-BR" dirty="0">
+                <a:effectLst/>
+              </a:rPr>
+              <a:t>Dosyalar</a:t>
+            </a:r>
+            <a:endParaRPr lang="tr-TR" dirty="0"/>
+          </a:p>
+        </p:txBody>
+      </p:sp>
+      <p:sp>
+        <p:nvSpPr>
+          <p:cNvPr id="3" name="İçerik Yer Tutucusu 2">
+            <a:extLst>
+              <a:ext uri="{FF2B5EF4-FFF2-40B4-BE49-F238E27FC236}">
+                <a16:creationId xmlns:a16="http://schemas.microsoft.com/office/drawing/2014/main" id="{7C2C3FDC-D80C-477C-AB96-B998683CAF2B}"/>
+              </a:ext>
+            </a:extLst>
+          </p:cNvPr>
+          <p:cNvSpPr>
+            <a:spLocks noGrp="1"/>
+          </p:cNvSpPr>
+          <p:nvPr>
+            <p:ph idx="1"/>
+          </p:nvPr>
+        </p:nvSpPr>
+        <p:spPr>
+          <a:xfrm>
+            <a:off x="1069847" y="2121408"/>
+            <a:ext cx="10058399" cy="4050792"/>
+          </a:xfrm>
+        </p:spPr>
+        <p:txBody>
+          <a:bodyPr>
+            <a:normAutofit lnSpcReduction="10000"/>
+          </a:bodyPr>
+          <a:lstStyle/>
+          <a:p>
+            <a:r>
+              <a:rPr lang="tr-TR" sz="1300" b="1" dirty="0">
+                <a:effectLst/>
+              </a:rPr>
+              <a:t>Dosya Açma: </a:t>
+            </a:r>
+            <a:r>
+              <a:rPr lang="tr-TR" sz="1300" dirty="0">
+                <a:effectLst/>
+              </a:rPr>
+              <a:t>Bir dosyayı açmak için Python'daki </a:t>
+            </a:r>
+            <a:r>
+              <a:rPr lang="tr-TR" sz="1300" dirty="0" err="1">
+                <a:effectLst/>
+              </a:rPr>
+              <a:t>open</a:t>
+            </a:r>
+            <a:r>
+              <a:rPr lang="tr-TR" sz="1300" dirty="0">
+                <a:effectLst/>
+              </a:rPr>
+              <a:t> işlevini kullanırsınız. </a:t>
+            </a:r>
+            <a:r>
+              <a:rPr lang="tr-TR" sz="1300" dirty="0" err="1">
+                <a:effectLst/>
+              </a:rPr>
+              <a:t>open</a:t>
+            </a:r>
+            <a:r>
+              <a:rPr lang="tr-TR" sz="1300" dirty="0">
+                <a:effectLst/>
+              </a:rPr>
+              <a:t> işlevi bir dosya </a:t>
+            </a:r>
+            <a:r>
+              <a:rPr lang="tr-TR" sz="1300" dirty="0"/>
+              <a:t>nesnesi oluşturur ve onu diskteki bir dosyayla ilişkilendirir. Open fonksiyonunun nasıl kullanıldığına dair genel format şu şekildedir:</a:t>
+            </a:r>
+          </a:p>
+          <a:p>
+            <a:pPr lvl="1"/>
+            <a:r>
+              <a:rPr lang="nn-NO" sz="1300" dirty="0"/>
+              <a:t>file_variable = open(filename, mode) </a:t>
+            </a:r>
+            <a:endParaRPr lang="tr-TR" sz="1300" dirty="0"/>
+          </a:p>
+          <a:p>
+            <a:pPr lvl="1"/>
+            <a:r>
+              <a:rPr lang="en-US" sz="1300" dirty="0" err="1"/>
+              <a:t>customer_file</a:t>
+            </a:r>
+            <a:r>
+              <a:rPr lang="en-US" sz="1300" dirty="0"/>
+              <a:t> = open('customers.txt', 'r’) </a:t>
+            </a:r>
+            <a:endParaRPr lang="tr-TR" sz="1300" dirty="0"/>
+          </a:p>
+          <a:p>
+            <a:pPr lvl="1"/>
+            <a:r>
+              <a:rPr lang="en-US" sz="1300" dirty="0" err="1"/>
+              <a:t>test_file</a:t>
+            </a:r>
+            <a:r>
+              <a:rPr lang="en-US" sz="1300" dirty="0"/>
+              <a:t> = open(</a:t>
+            </a:r>
+            <a:r>
+              <a:rPr lang="en-US" sz="1300" dirty="0" err="1"/>
+              <a:t>r'C</a:t>
+            </a:r>
+            <a:r>
+              <a:rPr lang="en-US" sz="1300" dirty="0"/>
+              <a:t>:\Users\</a:t>
+            </a:r>
+            <a:r>
+              <a:rPr lang="en-US" sz="1400" dirty="0"/>
+              <a:t>Blake\temp\test.txt', 'w’) </a:t>
+            </a:r>
+            <a:r>
+              <a:rPr lang="tr-TR" sz="1400" dirty="0"/>
+              <a:t># r öneki, dizenin ham bir dize (</a:t>
+            </a:r>
+            <a:r>
+              <a:rPr lang="tr-TR" sz="1400" dirty="0" err="1"/>
+              <a:t>raw</a:t>
+            </a:r>
+            <a:r>
+              <a:rPr lang="tr-TR" sz="1400" dirty="0"/>
+              <a:t> 						    </a:t>
+            </a:r>
+            <a:r>
+              <a:rPr lang="tr-TR" sz="1400" dirty="0" err="1"/>
+              <a:t>string</a:t>
+            </a:r>
+            <a:r>
+              <a:rPr lang="tr-TR" sz="1400" dirty="0"/>
+              <a:t>) olduğunu belirtir.</a:t>
+            </a:r>
+          </a:p>
+          <a:p>
+            <a:endParaRPr lang="tr-TR" sz="1500" dirty="0"/>
+          </a:p>
+          <a:p>
+            <a:endParaRPr lang="tr-TR" sz="1500" dirty="0"/>
+          </a:p>
+          <a:p>
+            <a:endParaRPr lang="tr-TR" sz="1500" dirty="0"/>
+          </a:p>
+          <a:p>
+            <a:endParaRPr lang="tr-TR" sz="1500" dirty="0"/>
+          </a:p>
+          <a:p>
+            <a:endParaRPr lang="tr-TR" sz="1500" dirty="0"/>
+          </a:p>
+          <a:p>
+            <a:r>
+              <a:rPr lang="tr-TR" sz="1400" dirty="0">
+                <a:effectLst/>
+              </a:rPr>
+              <a:t>Unutmayın, 'w' </a:t>
+            </a:r>
+            <a:r>
+              <a:rPr lang="tr-TR" sz="1400" dirty="0" err="1">
+                <a:effectLst/>
+              </a:rPr>
+              <a:t>modunu</a:t>
+            </a:r>
+            <a:r>
+              <a:rPr lang="tr-TR" sz="1400" dirty="0">
+                <a:effectLst/>
+              </a:rPr>
+              <a:t> kullandığınızda dosyayı diskte oluşturuyorsunuz. Dosya açıldığında belirtilen ada sahip bir dosya zaten mevcutsa, mevcut dosyanın içeriği silinecektir.</a:t>
+            </a:r>
+            <a:br>
+              <a:rPr lang="en-US" sz="1500" dirty="0"/>
+            </a:br>
+            <a:endParaRPr lang="tr-TR" sz="1500" dirty="0"/>
+          </a:p>
+        </p:txBody>
+      </p:sp>
+      <p:pic>
+        <p:nvPicPr>
+          <p:cNvPr id="8" name="Resim 7" descr="metin içeren bir resim&#10;&#10;Açıklama otomatik olarak oluşturuldu">
+            <a:extLst>
+              <a:ext uri="{FF2B5EF4-FFF2-40B4-BE49-F238E27FC236}">
+                <a16:creationId xmlns:a16="http://schemas.microsoft.com/office/drawing/2014/main" id="{B9FDAC7C-A634-423C-8CE2-DBDA92C4A3BB}"/>
+              </a:ext>
+            </a:extLst>
+          </p:cNvPr>
+          <p:cNvPicPr>
+            <a:picLocks noChangeAspect="1"/>
+          </p:cNvPicPr>
+          <p:nvPr/>
+        </p:nvPicPr>
+        <p:blipFill>
+          <a:blip r:embed="rId2"/>
+          <a:stretch>
+            <a:fillRect/>
+          </a:stretch>
+        </p:blipFill>
+        <p:spPr>
+          <a:xfrm>
+            <a:off x="2024571" y="3506514"/>
+            <a:ext cx="8142857" cy="1695238"/>
+          </a:xfrm>
+          <a:prstGeom prst="rect">
+            <a:avLst/>
+          </a:prstGeom>
+        </p:spPr>
+      </p:pic>
+    </p:spTree>
+    <p:extLst>
+      <p:ext uri="{BB962C8B-B14F-4D97-AF65-F5344CB8AC3E}">
+        <p14:creationId xmlns:p14="http://schemas.microsoft.com/office/powerpoint/2010/main" val="789557999"/>
+      </p:ext>
+    </p:extLst>
+  </p:cSld>
+  <p:clrMapOvr>
+    <a:masterClrMapping/>
+  </p:clrMapOvr>
+</p:sld>
+</file>
+
+<file path=ppt/slides/slide78.xml><?xml version="1.0" encoding="utf-8"?>
+<p:sld xmlns:a="http://schemas.openxmlformats.org/drawingml/2006/main" xmlns:r="http://schemas.openxmlformats.org/officeDocument/2006/relationships" xmlns:p="http://schemas.openxmlformats.org/presentationml/2006/main">
+  <p:cSld>
+    <p:spTree>
+      <p:nvGrpSpPr>
+        <p:cNvPr id="1" name=""/>
+        <p:cNvGrpSpPr/>
+        <p:nvPr/>
+      </p:nvGrpSpPr>
+      <p:grpSpPr>
+        <a:xfrm>
+          <a:off x="0" y="0"/>
+          <a:ext cx="0" cy="0"/>
+          <a:chOff x="0" y="0"/>
+          <a:chExt cx="0" cy="0"/>
+        </a:xfrm>
+      </p:grpSpPr>
+      <p:sp>
+        <p:nvSpPr>
+          <p:cNvPr id="2" name="Başlık 1">
+            <a:extLst>
+              <a:ext uri="{FF2B5EF4-FFF2-40B4-BE49-F238E27FC236}">
+                <a16:creationId xmlns:a16="http://schemas.microsoft.com/office/drawing/2014/main" id="{0A428717-6C66-4C12-AB6D-EEB3FC45CA00}"/>
+              </a:ext>
+            </a:extLst>
+          </p:cNvPr>
+          <p:cNvSpPr>
+            <a:spLocks noGrp="1"/>
+          </p:cNvSpPr>
+          <p:nvPr>
+            <p:ph type="title"/>
+          </p:nvPr>
+        </p:nvSpPr>
+        <p:spPr>
+          <a:xfrm>
+            <a:off x="1069848" y="484632"/>
+            <a:ext cx="10058400" cy="1609344"/>
+          </a:xfrm>
+        </p:spPr>
+        <p:txBody>
+          <a:bodyPr>
+            <a:normAutofit/>
+          </a:bodyPr>
+          <a:lstStyle/>
+          <a:p>
+            <a:r>
+              <a:rPr lang="pt-BR" dirty="0">
+                <a:effectLst/>
+              </a:rPr>
+              <a:t>Dosyalar</a:t>
+            </a:r>
+            <a:endParaRPr lang="tr-TR" dirty="0"/>
+          </a:p>
+        </p:txBody>
+      </p:sp>
+      <p:sp>
+        <p:nvSpPr>
+          <p:cNvPr id="3" name="İçerik Yer Tutucusu 2">
+            <a:extLst>
+              <a:ext uri="{FF2B5EF4-FFF2-40B4-BE49-F238E27FC236}">
+                <a16:creationId xmlns:a16="http://schemas.microsoft.com/office/drawing/2014/main" id="{7C2C3FDC-D80C-477C-AB96-B998683CAF2B}"/>
+              </a:ext>
+            </a:extLst>
+          </p:cNvPr>
+          <p:cNvSpPr>
+            <a:spLocks noGrp="1"/>
+          </p:cNvSpPr>
+          <p:nvPr>
+            <p:ph idx="1"/>
+          </p:nvPr>
+        </p:nvSpPr>
+        <p:spPr>
+          <a:xfrm>
+            <a:off x="1069847" y="2121408"/>
+            <a:ext cx="10058399" cy="4050792"/>
+          </a:xfrm>
+        </p:spPr>
+        <p:txBody>
+          <a:bodyPr>
+            <a:normAutofit lnSpcReduction="10000"/>
+          </a:bodyPr>
+          <a:lstStyle/>
+          <a:p>
+            <a:r>
+              <a:rPr lang="tr-TR" sz="1300" b="1" dirty="0">
+                <a:effectLst/>
+              </a:rPr>
+              <a:t>Metot (</a:t>
+            </a:r>
+            <a:r>
+              <a:rPr lang="tr-TR" sz="1300" b="1" dirty="0" err="1"/>
+              <a:t>M</a:t>
+            </a:r>
+            <a:r>
+              <a:rPr lang="tr-TR" sz="1300" b="1" dirty="0" err="1">
+                <a:effectLst/>
+              </a:rPr>
+              <a:t>ethod</a:t>
+            </a:r>
+            <a:r>
+              <a:rPr lang="tr-TR" sz="1300" b="1" dirty="0">
+                <a:effectLst/>
+              </a:rPr>
+              <a:t>): </a:t>
+            </a:r>
+            <a:r>
+              <a:rPr lang="tr-TR" sz="1200" dirty="0">
+                <a:effectLst/>
+              </a:rPr>
+              <a:t>Yöntem, bir nesneye ait olan ve bu nesneyi kullanarak bazı işlemler gerçekleştiren bir işlevdir. Bir dosyayı açtıktan sonra, dosya üzerinde işlemler gerçekleştirmek için dosya nesnesinin yöntemlerini kullanırsınız. Örneğin, dosya nesnelerinin bir dosyaya veri yazmak için kullanılabilecek yazma adında bir yöntemi vardır. Yazma yöntemini nasıl çağırdığınızın genel biçimi şöyledir:</a:t>
+            </a:r>
+          </a:p>
+          <a:p>
+            <a:pPr lvl="1"/>
+            <a:r>
+              <a:rPr lang="tr-TR" sz="1200" dirty="0" err="1"/>
+              <a:t>file_variable.write</a:t>
+            </a:r>
+            <a:r>
+              <a:rPr lang="tr-TR" sz="1200" dirty="0"/>
+              <a:t>(</a:t>
+            </a:r>
+            <a:r>
+              <a:rPr lang="tr-TR" sz="1200" dirty="0" err="1"/>
+              <a:t>string</a:t>
+            </a:r>
+            <a:r>
+              <a:rPr lang="tr-TR" sz="1200" dirty="0"/>
+              <a:t>)</a:t>
+            </a:r>
+          </a:p>
+          <a:p>
+            <a:r>
+              <a:rPr lang="tr-TR" sz="1200" dirty="0"/>
+              <a:t>Bu formatta, </a:t>
+            </a:r>
+            <a:r>
+              <a:rPr lang="tr-TR" sz="1200" dirty="0" err="1"/>
+              <a:t>file_variable</a:t>
+            </a:r>
+            <a:r>
+              <a:rPr lang="tr-TR" sz="1200" dirty="0"/>
+              <a:t>, bir dosya nesnesine başvuran bir değişkendir ve dize, dosyaya yazılacak bir dizedir. Dosya yazmak için açılmalıdır ('w' veya 'a' </a:t>
+            </a:r>
+            <a:r>
+              <a:rPr lang="tr-TR" sz="1200" dirty="0" err="1"/>
+              <a:t>modu</a:t>
+            </a:r>
+            <a:r>
+              <a:rPr lang="tr-TR" sz="1200" dirty="0"/>
+              <a:t> kullanılarak) yoksa bir hata oluşur.</a:t>
+            </a:r>
+          </a:p>
+          <a:p>
+            <a:r>
+              <a:rPr lang="tr-TR" sz="1200" b="1" dirty="0"/>
+              <a:t>Dosyaya Yazma: </a:t>
+            </a:r>
+            <a:r>
+              <a:rPr lang="tr-TR" sz="1200" dirty="0" err="1"/>
+              <a:t>customer_file’ın</a:t>
+            </a:r>
+            <a:r>
+              <a:rPr lang="tr-TR" sz="1200" dirty="0"/>
+              <a:t> bir dosya nesnesine başvurduğunu ve dosyanın 'w' </a:t>
+            </a:r>
+            <a:r>
+              <a:rPr lang="tr-TR" sz="1200" dirty="0" err="1"/>
+              <a:t>moduyla</a:t>
+            </a:r>
+            <a:r>
+              <a:rPr lang="tr-TR" sz="1200" dirty="0"/>
+              <a:t> yazmak için açıldığını varsayalım. Dosyaya 'Charles </a:t>
+            </a:r>
+            <a:r>
+              <a:rPr lang="tr-TR" sz="1200" dirty="0" err="1"/>
+              <a:t>Pace</a:t>
+            </a:r>
+            <a:r>
+              <a:rPr lang="tr-TR" sz="1200" dirty="0"/>
+              <a:t>' dizesini nasıl yazacağımıza bir örnek:</a:t>
+            </a:r>
+          </a:p>
+          <a:p>
+            <a:pPr lvl="1"/>
+            <a:r>
+              <a:rPr lang="tr-TR" sz="1200" dirty="0" err="1"/>
+              <a:t>customer_file.write</a:t>
+            </a:r>
+            <a:r>
+              <a:rPr lang="tr-TR" sz="1200" dirty="0"/>
+              <a:t>('Charles </a:t>
+            </a:r>
+            <a:r>
+              <a:rPr lang="tr-TR" sz="1200" dirty="0" err="1"/>
+              <a:t>Pace</a:t>
+            </a:r>
+            <a:r>
+              <a:rPr lang="tr-TR" sz="1200" dirty="0"/>
+              <a:t>’) ya da</a:t>
+            </a:r>
+          </a:p>
+          <a:p>
+            <a:pPr lvl="1"/>
+            <a:r>
+              <a:rPr lang="tr-TR" sz="1200" dirty="0"/>
+              <a:t>name = 'Charles </a:t>
+            </a:r>
+            <a:r>
+              <a:rPr lang="tr-TR" sz="1200" dirty="0" err="1"/>
+              <a:t>Pace</a:t>
+            </a:r>
+            <a:r>
+              <a:rPr lang="tr-TR" sz="1200" dirty="0"/>
+              <a:t>'</a:t>
+            </a:r>
+            <a:br>
+              <a:rPr lang="tr-TR" sz="1200" dirty="0"/>
+            </a:br>
+            <a:r>
+              <a:rPr lang="tr-TR" sz="1200" dirty="0" err="1"/>
+              <a:t>customer_file.write</a:t>
+            </a:r>
+            <a:r>
+              <a:rPr lang="tr-TR" sz="1200" dirty="0"/>
+              <a:t>(name)</a:t>
+            </a:r>
+          </a:p>
+          <a:p>
+            <a:r>
+              <a:rPr lang="tr-TR" sz="1200" dirty="0"/>
+              <a:t>Bir program bir dosyayla çalışmayı bitirdiğinde, dosyayı kapatmalıdır. Bir dosyayı kapatmak, programın dosyayla olan bağlantısını keser. Bazı sistemlerde, bir çıktı dosyasının kapatılamaması veri kaybına neden olabilir. Bunun nedeni, bir dosyaya yazılan verilerin önce bellekte küçük bir "tutma bölümü" (holding </a:t>
+            </a:r>
+            <a:r>
+              <a:rPr lang="tr-TR" sz="1200" dirty="0" err="1"/>
+              <a:t>section</a:t>
+            </a:r>
+            <a:r>
+              <a:rPr lang="tr-TR" sz="1200" dirty="0"/>
+              <a:t>) olan bir arabelleğe (</a:t>
+            </a:r>
+            <a:r>
+              <a:rPr lang="tr-TR" sz="1200" dirty="0" err="1"/>
+              <a:t>buffer</a:t>
+            </a:r>
+            <a:r>
+              <a:rPr lang="tr-TR" sz="1200" dirty="0"/>
+              <a:t>) yazılmasıdır. Arabellek dolduğunda, sistem arabelleğin içeriğini dosyaya yazar. Bu teknik, sistemin performansını artırır çünkü verileri belleğe yazmak, diske yazmaktan daha hızlıdır. Bir çıktı dosyasını kapatma işlemi, arabellekte kalan kaydedilmemiş verileri dosyaya yazılmaya zorlar. </a:t>
+            </a:r>
+            <a:r>
+              <a:rPr lang="tr-TR" sz="1200" dirty="0" err="1"/>
+              <a:t>Python'da</a:t>
+            </a:r>
+            <a:r>
+              <a:rPr lang="tr-TR" sz="1200" dirty="0"/>
+              <a:t> bir dosyayı kapatmak için dosya nesnesinin kapatma yöntemini kullanırsınız. Örneğin, şu ifade, </a:t>
+            </a:r>
+            <a:r>
+              <a:rPr lang="tr-TR" sz="1200" dirty="0" err="1"/>
+              <a:t>customer_file</a:t>
+            </a:r>
+            <a:r>
+              <a:rPr lang="tr-TR" sz="1200" dirty="0"/>
+              <a:t> ile ilişkili dosyayı kapatır:</a:t>
+            </a:r>
+          </a:p>
+          <a:p>
+            <a:pPr lvl="1"/>
+            <a:r>
+              <a:rPr lang="tr-TR" sz="1200" dirty="0" err="1"/>
+              <a:t>customer_file.close</a:t>
+            </a:r>
+            <a:r>
+              <a:rPr lang="tr-TR" sz="1200" dirty="0"/>
+              <a:t>()</a:t>
+            </a:r>
+          </a:p>
+        </p:txBody>
+      </p:sp>
+    </p:spTree>
+    <p:extLst>
+      <p:ext uri="{BB962C8B-B14F-4D97-AF65-F5344CB8AC3E}">
+        <p14:creationId xmlns:p14="http://schemas.microsoft.com/office/powerpoint/2010/main" val="2868380612"/>
+      </p:ext>
+    </p:extLst>
+  </p:cSld>
+  <p:clrMapOvr>
+    <a:masterClrMapping/>
+  </p:clrMapOvr>
+</p:sld>
+</file>
+
+<file path=ppt/slides/slide79.xml><?xml version="1.0" encoding="utf-8"?>
+<p:sld xmlns:a="http://schemas.openxmlformats.org/drawingml/2006/main" xmlns:r="http://schemas.openxmlformats.org/officeDocument/2006/relationships" xmlns:p="http://schemas.openxmlformats.org/presentationml/2006/main">
+  <p:cSld>
+    <p:spTree>
+      <p:nvGrpSpPr>
+        <p:cNvPr id="1" name=""/>
+        <p:cNvGrpSpPr/>
+        <p:nvPr/>
+      </p:nvGrpSpPr>
+      <p:grpSpPr>
+        <a:xfrm>
+          <a:off x="0" y="0"/>
+          <a:ext cx="0" cy="0"/>
+          <a:chOff x="0" y="0"/>
+          <a:chExt cx="0" cy="0"/>
+        </a:xfrm>
+      </p:grpSpPr>
+      <p:sp>
+        <p:nvSpPr>
+          <p:cNvPr id="2" name="Başlık 1">
+            <a:extLst>
+              <a:ext uri="{FF2B5EF4-FFF2-40B4-BE49-F238E27FC236}">
+                <a16:creationId xmlns:a16="http://schemas.microsoft.com/office/drawing/2014/main" id="{0A428717-6C66-4C12-AB6D-EEB3FC45CA00}"/>
+              </a:ext>
+            </a:extLst>
+          </p:cNvPr>
+          <p:cNvSpPr>
+            <a:spLocks noGrp="1"/>
+          </p:cNvSpPr>
+          <p:nvPr>
+            <p:ph type="title"/>
+          </p:nvPr>
+        </p:nvSpPr>
+        <p:spPr>
+          <a:xfrm>
+            <a:off x="1069848" y="484632"/>
+            <a:ext cx="10058400" cy="1609344"/>
+          </a:xfrm>
+        </p:spPr>
+        <p:txBody>
+          <a:bodyPr>
+            <a:normAutofit/>
+          </a:bodyPr>
+          <a:lstStyle/>
+          <a:p>
+            <a:r>
+              <a:rPr lang="pt-BR" dirty="0">
+                <a:effectLst/>
+              </a:rPr>
+              <a:t>Dosyalar</a:t>
+            </a:r>
+            <a:endParaRPr lang="tr-TR" dirty="0"/>
+          </a:p>
+        </p:txBody>
+      </p:sp>
+      <p:sp>
+        <p:nvSpPr>
+          <p:cNvPr id="3" name="İçerik Yer Tutucusu 2">
+            <a:extLst>
+              <a:ext uri="{FF2B5EF4-FFF2-40B4-BE49-F238E27FC236}">
+                <a16:creationId xmlns:a16="http://schemas.microsoft.com/office/drawing/2014/main" id="{7C2C3FDC-D80C-477C-AB96-B998683CAF2B}"/>
+              </a:ext>
+            </a:extLst>
+          </p:cNvPr>
+          <p:cNvSpPr>
+            <a:spLocks noGrp="1"/>
+          </p:cNvSpPr>
+          <p:nvPr>
+            <p:ph idx="1"/>
+          </p:nvPr>
+        </p:nvSpPr>
+        <p:spPr>
+          <a:xfrm>
+            <a:off x="1069847" y="2121408"/>
+            <a:ext cx="10058399" cy="4050792"/>
+          </a:xfrm>
+        </p:spPr>
+        <p:txBody>
+          <a:bodyPr>
+            <a:noAutofit/>
+          </a:bodyPr>
+          <a:lstStyle/>
+          <a:p>
+            <a:r>
+              <a:rPr lang="tr-TR" sz="1600" b="1" dirty="0"/>
+              <a:t>Dosyadan Okuma: </a:t>
+            </a:r>
+            <a:r>
+              <a:rPr lang="tr-TR" sz="1600" dirty="0"/>
+              <a:t>Bir dosya okumak için açıldıysa ('r' </a:t>
+            </a:r>
+            <a:r>
+              <a:rPr lang="tr-TR" sz="1600" dirty="0" err="1"/>
+              <a:t>modunu</a:t>
+            </a:r>
+            <a:r>
+              <a:rPr lang="tr-TR" sz="1600" dirty="0"/>
+              <a:t> kullanarak), tüm içeriğini belleğe okumak için dosya nesnesinin okuma yöntemini kullanabilirsiniz. </a:t>
+            </a:r>
+            <a:r>
+              <a:rPr lang="tr-TR" sz="1600" dirty="0" err="1"/>
+              <a:t>read</a:t>
+            </a:r>
+            <a:r>
+              <a:rPr lang="tr-TR" sz="1600" dirty="0"/>
+              <a:t> yöntemini çağırdığınızda, dosyanın içeriğini bir dize olarak döndürür. </a:t>
+            </a:r>
+          </a:p>
+          <a:p>
+            <a:pPr lvl="1"/>
+            <a:r>
+              <a:rPr lang="tr-TR" sz="1600" dirty="0" err="1"/>
+              <a:t>file_contents</a:t>
+            </a:r>
+            <a:r>
+              <a:rPr lang="tr-TR" sz="1600" dirty="0"/>
+              <a:t> = </a:t>
+            </a:r>
+            <a:r>
+              <a:rPr lang="tr-TR" sz="1600" dirty="0" err="1"/>
+              <a:t>customer_file.read</a:t>
+            </a:r>
+            <a:r>
+              <a:rPr lang="tr-TR" sz="1600" dirty="0"/>
+              <a:t>()</a:t>
+            </a:r>
+          </a:p>
+          <a:p>
+            <a:r>
+              <a:rPr lang="tr-TR" sz="1600" dirty="0"/>
+              <a:t>Bir dosya okumak için açıldığında, o dosya için dahili olarak okuma konumu (</a:t>
+            </a:r>
+            <a:r>
+              <a:rPr lang="tr-TR" sz="1600" dirty="0" err="1"/>
+              <a:t>read</a:t>
+            </a:r>
+            <a:r>
+              <a:rPr lang="tr-TR" sz="1600" dirty="0"/>
+              <a:t> </a:t>
+            </a:r>
+            <a:r>
+              <a:rPr lang="tr-TR" sz="1600" dirty="0" err="1"/>
+              <a:t>position</a:t>
+            </a:r>
+            <a:r>
+              <a:rPr lang="tr-TR" sz="1600" dirty="0"/>
+              <a:t>) olarak bilinen özel bir değer korunur. Bir dosyanın okuma konumu, dosyadan okunacak bir sonraki öğenin konumunu işaretler. Başlangıçta, okuma konumu dosyanın başlangıcına ayarlanır. </a:t>
+            </a:r>
+          </a:p>
+          <a:p>
+            <a:r>
+              <a:rPr lang="tr-TR" sz="1600" dirty="0"/>
+              <a:t>Bir dosyadaki son satır bir \n ile sonlandırılmazsa, </a:t>
+            </a:r>
+            <a:r>
+              <a:rPr lang="tr-TR" sz="1600" dirty="0" err="1"/>
+              <a:t>readline</a:t>
+            </a:r>
+            <a:r>
+              <a:rPr lang="tr-TR" sz="1600" dirty="0"/>
+              <a:t> yöntemi satırı \n olmadan döndürür.</a:t>
+            </a:r>
+          </a:p>
+          <a:p>
+            <a:r>
+              <a:rPr lang="tr-TR" sz="1600" dirty="0"/>
+              <a:t>Python'daki her dize, bir dizenin sonundan belirli karakterleri kaldıran veya "</a:t>
+            </a:r>
+            <a:r>
+              <a:rPr lang="tr-TR" sz="1600" dirty="0" err="1"/>
+              <a:t>şeritleyen</a:t>
+            </a:r>
+            <a:r>
+              <a:rPr lang="tr-TR" sz="1600" dirty="0"/>
+              <a:t>" (</a:t>
+            </a:r>
+            <a:r>
+              <a:rPr lang="tr-TR" sz="1600" dirty="0" err="1"/>
+              <a:t>strips</a:t>
+            </a:r>
+            <a:r>
+              <a:rPr lang="tr-TR" sz="1600" dirty="0"/>
+              <a:t>) </a:t>
+            </a:r>
+            <a:r>
+              <a:rPr lang="tr-TR" sz="1600" dirty="0" err="1"/>
+              <a:t>rstrip</a:t>
+            </a:r>
+            <a:r>
+              <a:rPr lang="tr-TR" sz="1600" dirty="0"/>
+              <a:t> adlı bir yönteme sahiptir. (Bir dizgenin sağ tarafındaki karakterleri çıkardığı için </a:t>
+            </a:r>
+            <a:r>
+              <a:rPr lang="tr-TR" sz="1600" dirty="0" err="1"/>
+              <a:t>rstrip</a:t>
+            </a:r>
+            <a:r>
+              <a:rPr lang="tr-TR" sz="1600" dirty="0"/>
+              <a:t> olarak adlandırılır.) Aşağıdaki kod, </a:t>
+            </a:r>
+            <a:r>
+              <a:rPr lang="tr-TR" sz="1600" dirty="0" err="1"/>
+              <a:t>rstrip</a:t>
+            </a:r>
+            <a:r>
+              <a:rPr lang="tr-TR" sz="1600" dirty="0"/>
+              <a:t> yönteminin nasıl kullanılabileceğine dair bir örnek gösterir.</a:t>
+            </a:r>
+          </a:p>
+          <a:p>
+            <a:pPr lvl="1"/>
+            <a:r>
+              <a:rPr lang="tr-TR" sz="1600" dirty="0"/>
+              <a:t>name = '</a:t>
+            </a:r>
+            <a:r>
+              <a:rPr lang="tr-TR" sz="1600" dirty="0" err="1"/>
+              <a:t>Joanne</a:t>
+            </a:r>
+            <a:r>
+              <a:rPr lang="tr-TR" sz="1600" dirty="0"/>
+              <a:t> Manchester\n'</a:t>
+            </a:r>
+            <a:br>
+              <a:rPr lang="tr-TR" sz="1600" dirty="0"/>
+            </a:br>
+            <a:r>
+              <a:rPr lang="tr-TR" sz="1600" dirty="0"/>
+              <a:t>name = </a:t>
+            </a:r>
+            <a:r>
+              <a:rPr lang="tr-TR" sz="1600" dirty="0" err="1"/>
+              <a:t>name.rstrip</a:t>
+            </a:r>
+            <a:r>
+              <a:rPr lang="tr-TR" sz="1600" dirty="0"/>
+              <a:t>('\n') </a:t>
+            </a:r>
+          </a:p>
+        </p:txBody>
+      </p:sp>
+    </p:spTree>
+    <p:extLst>
+      <p:ext uri="{BB962C8B-B14F-4D97-AF65-F5344CB8AC3E}">
+        <p14:creationId xmlns:p14="http://schemas.microsoft.com/office/powerpoint/2010/main" val="4075514176"/>
       </p:ext>
     </p:extLst>
   </p:cSld>
@@ -18318,6 +23537,1343 @@
     <p:extLst>
       <p:ext uri="{BB962C8B-B14F-4D97-AF65-F5344CB8AC3E}">
         <p14:creationId xmlns:p14="http://schemas.microsoft.com/office/powerpoint/2010/main" val="1740529527"/>
+      </p:ext>
+    </p:extLst>
+  </p:cSld>
+  <p:clrMapOvr>
+    <a:masterClrMapping/>
+  </p:clrMapOvr>
+</p:sld>
+</file>
+
+<file path=ppt/slides/slide80.xml><?xml version="1.0" encoding="utf-8"?>
+<p:sld xmlns:a="http://schemas.openxmlformats.org/drawingml/2006/main" xmlns:r="http://schemas.openxmlformats.org/officeDocument/2006/relationships" xmlns:p="http://schemas.openxmlformats.org/presentationml/2006/main">
+  <p:cSld>
+    <p:spTree>
+      <p:nvGrpSpPr>
+        <p:cNvPr id="1" name=""/>
+        <p:cNvGrpSpPr/>
+        <p:nvPr/>
+      </p:nvGrpSpPr>
+      <p:grpSpPr>
+        <a:xfrm>
+          <a:off x="0" y="0"/>
+          <a:ext cx="0" cy="0"/>
+          <a:chOff x="0" y="0"/>
+          <a:chExt cx="0" cy="0"/>
+        </a:xfrm>
+      </p:grpSpPr>
+      <p:sp>
+        <p:nvSpPr>
+          <p:cNvPr id="2" name="Başlık 1">
+            <a:extLst>
+              <a:ext uri="{FF2B5EF4-FFF2-40B4-BE49-F238E27FC236}">
+                <a16:creationId xmlns:a16="http://schemas.microsoft.com/office/drawing/2014/main" id="{0A428717-6C66-4C12-AB6D-EEB3FC45CA00}"/>
+              </a:ext>
+            </a:extLst>
+          </p:cNvPr>
+          <p:cNvSpPr>
+            <a:spLocks noGrp="1"/>
+          </p:cNvSpPr>
+          <p:nvPr>
+            <p:ph type="title"/>
+          </p:nvPr>
+        </p:nvSpPr>
+        <p:spPr>
+          <a:xfrm>
+            <a:off x="1069848" y="484632"/>
+            <a:ext cx="10058400" cy="1609344"/>
+          </a:xfrm>
+        </p:spPr>
+        <p:txBody>
+          <a:bodyPr>
+            <a:normAutofit/>
+          </a:bodyPr>
+          <a:lstStyle/>
+          <a:p>
+            <a:r>
+              <a:rPr lang="pt-BR" dirty="0">
+                <a:effectLst/>
+              </a:rPr>
+              <a:t>Dosyalar</a:t>
+            </a:r>
+            <a:endParaRPr lang="tr-TR" dirty="0"/>
+          </a:p>
+        </p:txBody>
+      </p:sp>
+      <p:sp>
+        <p:nvSpPr>
+          <p:cNvPr id="3" name="İçerik Yer Tutucusu 2">
+            <a:extLst>
+              <a:ext uri="{FF2B5EF4-FFF2-40B4-BE49-F238E27FC236}">
+                <a16:creationId xmlns:a16="http://schemas.microsoft.com/office/drawing/2014/main" id="{7C2C3FDC-D80C-477C-AB96-B998683CAF2B}"/>
+              </a:ext>
+            </a:extLst>
+          </p:cNvPr>
+          <p:cNvSpPr>
+            <a:spLocks noGrp="1"/>
+          </p:cNvSpPr>
+          <p:nvPr>
+            <p:ph idx="1"/>
+          </p:nvPr>
+        </p:nvSpPr>
+        <p:spPr>
+          <a:xfrm>
+            <a:off x="1069847" y="2121408"/>
+            <a:ext cx="10058399" cy="4050792"/>
+          </a:xfrm>
+        </p:spPr>
+        <p:txBody>
+          <a:bodyPr>
+            <a:noAutofit/>
+          </a:bodyPr>
+          <a:lstStyle/>
+          <a:p>
+            <a:r>
+              <a:rPr lang="tr-TR" sz="2200" b="1" dirty="0"/>
+              <a:t>Mevcut Bir Dosyaya Veri Ekleme: </a:t>
+            </a:r>
+            <a:r>
+              <a:rPr lang="tr-TR" sz="2200" dirty="0"/>
+              <a:t>Bir çıktı dosyasını açmak için 'w' </a:t>
+            </a:r>
+            <a:r>
+              <a:rPr lang="tr-TR" sz="2200" dirty="0" err="1"/>
+              <a:t>modunu</a:t>
+            </a:r>
+            <a:r>
+              <a:rPr lang="tr-TR" sz="2200" dirty="0"/>
+              <a:t> kullandığınızda ve belirtilen dosya adına sahip bir dosya diskte zaten mevcutsa, mevcut dosya silinecek ve aynı ada sahip yeni bir boş dosya oluşturulacaktır. Bazen mevcut bir dosyayı korumak ve mevcut içeriğine yeni veriler eklemek istersiniz. Bir dosyaya veri eklemek, dosyada zaten var olan verinin sonuna yeni veri yazmak anlamına gelir. </a:t>
+            </a:r>
+            <a:r>
+              <a:rPr lang="tr-TR" sz="2200" dirty="0" err="1"/>
+              <a:t>Python'da</a:t>
+            </a:r>
+            <a:r>
+              <a:rPr lang="tr-TR" sz="2200" dirty="0"/>
+              <a:t>, bir çıktı dosyasını ekleme </a:t>
+            </a:r>
+            <a:r>
+              <a:rPr lang="tr-TR" sz="2200" dirty="0" err="1"/>
+              <a:t>modunda</a:t>
+            </a:r>
+            <a:r>
+              <a:rPr lang="tr-TR" sz="2200" dirty="0"/>
+              <a:t> açmak için 'a' </a:t>
+            </a:r>
+            <a:r>
+              <a:rPr lang="tr-TR" sz="2200" dirty="0" err="1"/>
+              <a:t>modunu</a:t>
+            </a:r>
+            <a:r>
+              <a:rPr lang="tr-TR" sz="2200" dirty="0"/>
+              <a:t> kullanabilirsiniz, bu şu anlama gelir.</a:t>
+            </a:r>
+          </a:p>
+          <a:p>
+            <a:pPr lvl="1"/>
+            <a:r>
+              <a:rPr lang="tr-TR" sz="2000" dirty="0"/>
+              <a:t>Dosya zaten mevcutsa silinmeyecektir. Dosya yoksa, oluşturulacaktır.</a:t>
+            </a:r>
+          </a:p>
+          <a:p>
+            <a:pPr lvl="1"/>
+            <a:r>
+              <a:rPr lang="tr-TR" sz="2000" dirty="0"/>
+              <a:t>Dosyaya veri yazıldığında, dosyanın mevcut içeriğinin sonuna yazılacaktır. </a:t>
+            </a:r>
+          </a:p>
+        </p:txBody>
+      </p:sp>
+    </p:spTree>
+    <p:extLst>
+      <p:ext uri="{BB962C8B-B14F-4D97-AF65-F5344CB8AC3E}">
+        <p14:creationId xmlns:p14="http://schemas.microsoft.com/office/powerpoint/2010/main" val="936262997"/>
+      </p:ext>
+    </p:extLst>
+  </p:cSld>
+  <p:clrMapOvr>
+    <a:masterClrMapping/>
+  </p:clrMapOvr>
+</p:sld>
+</file>
+
+<file path=ppt/slides/slide81.xml><?xml version="1.0" encoding="utf-8"?>
+<p:sld xmlns:a="http://schemas.openxmlformats.org/drawingml/2006/main" xmlns:r="http://schemas.openxmlformats.org/officeDocument/2006/relationships" xmlns:p="http://schemas.openxmlformats.org/presentationml/2006/main">
+  <p:cSld>
+    <p:bg>
+      <p:bgPr>
+        <a:solidFill>
+          <a:schemeClr val="bg1"/>
+        </a:solidFill>
+        <a:effectLst/>
+      </p:bgPr>
+    </p:bg>
+    <p:spTree>
+      <p:nvGrpSpPr>
+        <p:cNvPr id="1" name=""/>
+        <p:cNvGrpSpPr/>
+        <p:nvPr/>
+      </p:nvGrpSpPr>
+      <p:grpSpPr>
+        <a:xfrm>
+          <a:off x="0" y="0"/>
+          <a:ext cx="0" cy="0"/>
+          <a:chOff x="0" y="0"/>
+          <a:chExt cx="0" cy="0"/>
+        </a:xfrm>
+      </p:grpSpPr>
+      <p:sp>
+        <p:nvSpPr>
+          <p:cNvPr id="2" name="Başlık 1">
+            <a:extLst>
+              <a:ext uri="{FF2B5EF4-FFF2-40B4-BE49-F238E27FC236}">
+                <a16:creationId xmlns:a16="http://schemas.microsoft.com/office/drawing/2014/main" id="{0A428717-6C66-4C12-AB6D-EEB3FC45CA00}"/>
+              </a:ext>
+            </a:extLst>
+          </p:cNvPr>
+          <p:cNvSpPr>
+            <a:spLocks noGrp="1"/>
+          </p:cNvSpPr>
+          <p:nvPr>
+            <p:ph type="title"/>
+          </p:nvPr>
+        </p:nvSpPr>
+        <p:spPr>
+          <a:xfrm>
+            <a:off x="1069848" y="484632"/>
+            <a:ext cx="10058400" cy="1609344"/>
+          </a:xfrm>
+        </p:spPr>
+        <p:txBody>
+          <a:bodyPr>
+            <a:normAutofit/>
+          </a:bodyPr>
+          <a:lstStyle/>
+          <a:p>
+            <a:r>
+              <a:rPr lang="pt-BR" dirty="0">
+                <a:effectLst/>
+              </a:rPr>
+              <a:t>Dosyalar</a:t>
+            </a:r>
+            <a:endParaRPr lang="tr-TR" dirty="0"/>
+          </a:p>
+        </p:txBody>
+      </p:sp>
+      <p:sp>
+        <p:nvSpPr>
+          <p:cNvPr id="3" name="İçerik Yer Tutucusu 2">
+            <a:extLst>
+              <a:ext uri="{FF2B5EF4-FFF2-40B4-BE49-F238E27FC236}">
+                <a16:creationId xmlns:a16="http://schemas.microsoft.com/office/drawing/2014/main" id="{7C2C3FDC-D80C-477C-AB96-B998683CAF2B}"/>
+              </a:ext>
+            </a:extLst>
+          </p:cNvPr>
+          <p:cNvSpPr>
+            <a:spLocks noGrp="1"/>
+          </p:cNvSpPr>
+          <p:nvPr>
+            <p:ph idx="1"/>
+          </p:nvPr>
+        </p:nvSpPr>
+        <p:spPr>
+          <a:xfrm>
+            <a:off x="1069847" y="2121408"/>
+            <a:ext cx="5928111" cy="4050792"/>
+          </a:xfrm>
+        </p:spPr>
+        <p:txBody>
+          <a:bodyPr>
+            <a:normAutofit/>
+          </a:bodyPr>
+          <a:lstStyle/>
+          <a:p>
+            <a:r>
+              <a:rPr lang="tr-TR" sz="1200" b="1" dirty="0"/>
+              <a:t>Kayıtları İşleme: </a:t>
+            </a:r>
+            <a:r>
+              <a:rPr lang="tr-TR" sz="1200" dirty="0"/>
+              <a:t>Bir dosyada saklanan veriler sıklıkla kayıtlarda düzenlenir. Kayıt, bir öğe hakkında eksiksiz bir veri kümesidir ve bir alan, bir kayıt içindeki ayrı bir veri parçasıdır.</a:t>
+            </a:r>
+          </a:p>
+          <a:p>
+            <a:r>
+              <a:rPr lang="tr-TR" sz="1200" dirty="0"/>
+              <a:t>Veriler bir dosyaya yazıldığında, genellikle kayıtlar ve alanlar halinde düzenlenir. Kayıt, bir öğeyi tanımlayan eksiksiz bir veri kümesidir ve bir alan, bir kayıt içindeki tek bir veri parçasıdır. Örneğin, çalışanlarla ilgili verileri bir dosyada depolamak istediğimizi varsayalım. Dosya her çalışan için bir kayıt içerecektir. Her kayıt, ad, kimlik numarası ve departman gibi alanlardan oluşan bir koleksiyon olacaktır. Bu, şekil gösterilmektedir.</a:t>
+            </a:r>
+          </a:p>
+          <a:p>
+            <a:r>
+              <a:rPr lang="tr-TR" sz="1200" dirty="0"/>
+              <a:t>Sıralı erişim dosyasına her kayıt yazdığınızda, kaydı oluşturan alanları birbiri ardına yazarsınız. Örneğin, aşağıdaki şekil, üç çalışan kaydını içeren bir dosyayı göstermektedir. Her kayıt, çalışanın adı, kimlik numarası ve departmanından oluşur.</a:t>
+            </a:r>
+          </a:p>
+        </p:txBody>
+      </p:sp>
+      <p:pic>
+        <p:nvPicPr>
+          <p:cNvPr id="7" name="Resim 6">
+            <a:extLst>
+              <a:ext uri="{FF2B5EF4-FFF2-40B4-BE49-F238E27FC236}">
+                <a16:creationId xmlns:a16="http://schemas.microsoft.com/office/drawing/2014/main" id="{814E2012-EE01-433E-A53B-0F92D6294B14}"/>
+              </a:ext>
+            </a:extLst>
+          </p:cNvPr>
+          <p:cNvPicPr>
+            <a:picLocks noChangeAspect="1"/>
+          </p:cNvPicPr>
+          <p:nvPr/>
+        </p:nvPicPr>
+        <p:blipFill>
+          <a:blip r:embed="rId2"/>
+          <a:stretch>
+            <a:fillRect/>
+          </a:stretch>
+        </p:blipFill>
+        <p:spPr>
+          <a:xfrm>
+            <a:off x="7613780" y="2093976"/>
+            <a:ext cx="3508372" cy="2252538"/>
+          </a:xfrm>
+          <a:prstGeom prst="rect">
+            <a:avLst/>
+          </a:prstGeom>
+        </p:spPr>
+      </p:pic>
+      <p:pic>
+        <p:nvPicPr>
+          <p:cNvPr id="9" name="Resim 8">
+            <a:extLst>
+              <a:ext uri="{FF2B5EF4-FFF2-40B4-BE49-F238E27FC236}">
+                <a16:creationId xmlns:a16="http://schemas.microsoft.com/office/drawing/2014/main" id="{8D775E9B-D9F1-42BB-9396-41715DB509EA}"/>
+              </a:ext>
+            </a:extLst>
+          </p:cNvPr>
+          <p:cNvPicPr>
+            <a:picLocks noChangeAspect="1"/>
+          </p:cNvPicPr>
+          <p:nvPr/>
+        </p:nvPicPr>
+        <p:blipFill>
+          <a:blip r:embed="rId3"/>
+          <a:stretch>
+            <a:fillRect/>
+          </a:stretch>
+        </p:blipFill>
+        <p:spPr>
+          <a:xfrm>
+            <a:off x="1900762" y="5149888"/>
+            <a:ext cx="8390476" cy="1152381"/>
+          </a:xfrm>
+          <a:prstGeom prst="rect">
+            <a:avLst/>
+          </a:prstGeom>
+        </p:spPr>
+      </p:pic>
+    </p:spTree>
+    <p:extLst>
+      <p:ext uri="{BB962C8B-B14F-4D97-AF65-F5344CB8AC3E}">
+        <p14:creationId xmlns:p14="http://schemas.microsoft.com/office/powerpoint/2010/main" val="3146944439"/>
+      </p:ext>
+    </p:extLst>
+  </p:cSld>
+  <p:clrMapOvr>
+    <a:masterClrMapping/>
+  </p:clrMapOvr>
+</p:sld>
+</file>
+
+<file path=ppt/slides/slide82.xml><?xml version="1.0" encoding="utf-8"?>
+<p:sld xmlns:a="http://schemas.openxmlformats.org/drawingml/2006/main" xmlns:r="http://schemas.openxmlformats.org/officeDocument/2006/relationships" xmlns:p="http://schemas.openxmlformats.org/presentationml/2006/main">
+  <p:cSld>
+    <p:bg>
+      <p:bgPr>
+        <a:solidFill>
+          <a:schemeClr val="bg1"/>
+        </a:solidFill>
+        <a:effectLst/>
+      </p:bgPr>
+    </p:bg>
+    <p:spTree>
+      <p:nvGrpSpPr>
+        <p:cNvPr id="1" name=""/>
+        <p:cNvGrpSpPr/>
+        <p:nvPr/>
+      </p:nvGrpSpPr>
+      <p:grpSpPr>
+        <a:xfrm>
+          <a:off x="0" y="0"/>
+          <a:ext cx="0" cy="0"/>
+          <a:chOff x="0" y="0"/>
+          <a:chExt cx="0" cy="0"/>
+        </a:xfrm>
+      </p:grpSpPr>
+      <p:sp>
+        <p:nvSpPr>
+          <p:cNvPr id="2" name="Başlık 1">
+            <a:extLst>
+              <a:ext uri="{FF2B5EF4-FFF2-40B4-BE49-F238E27FC236}">
+                <a16:creationId xmlns:a16="http://schemas.microsoft.com/office/drawing/2014/main" id="{0A428717-6C66-4C12-AB6D-EEB3FC45CA00}"/>
+              </a:ext>
+            </a:extLst>
+          </p:cNvPr>
+          <p:cNvSpPr>
+            <a:spLocks noGrp="1"/>
+          </p:cNvSpPr>
+          <p:nvPr>
+            <p:ph type="title"/>
+          </p:nvPr>
+        </p:nvSpPr>
+        <p:spPr>
+          <a:xfrm>
+            <a:off x="1069848" y="484632"/>
+            <a:ext cx="10058400" cy="1609344"/>
+          </a:xfrm>
+        </p:spPr>
+        <p:txBody>
+          <a:bodyPr>
+            <a:normAutofit/>
+          </a:bodyPr>
+          <a:lstStyle/>
+          <a:p>
+            <a:r>
+              <a:rPr lang="tr-TR" dirty="0">
+                <a:effectLst/>
+              </a:rPr>
+              <a:t>İSTİSNALAR (EXCEPTIONS)</a:t>
+            </a:r>
+            <a:endParaRPr lang="tr-TR" dirty="0"/>
+          </a:p>
+        </p:txBody>
+      </p:sp>
+      <p:sp>
+        <p:nvSpPr>
+          <p:cNvPr id="3" name="İçerik Yer Tutucusu 2">
+            <a:extLst>
+              <a:ext uri="{FF2B5EF4-FFF2-40B4-BE49-F238E27FC236}">
+                <a16:creationId xmlns:a16="http://schemas.microsoft.com/office/drawing/2014/main" id="{7C2C3FDC-D80C-477C-AB96-B998683CAF2B}"/>
+              </a:ext>
+            </a:extLst>
+          </p:cNvPr>
+          <p:cNvSpPr>
+            <a:spLocks noGrp="1"/>
+          </p:cNvSpPr>
+          <p:nvPr>
+            <p:ph idx="1"/>
+          </p:nvPr>
+        </p:nvSpPr>
+        <p:spPr>
+          <a:xfrm>
+            <a:off x="1069848" y="2121408"/>
+            <a:ext cx="5928112" cy="4050792"/>
+          </a:xfrm>
+        </p:spPr>
+        <p:txBody>
+          <a:bodyPr>
+            <a:noAutofit/>
+          </a:bodyPr>
+          <a:lstStyle/>
+          <a:p>
+            <a:r>
+              <a:rPr lang="tr-TR" sz="1400" dirty="0"/>
+              <a:t>İstisna, bir program çalışırken meydana gelen ve programın aniden durmasına neden olan bir hatadır. İstisnaları zarif bir şekilde işlemek için </a:t>
+            </a:r>
+            <a:r>
+              <a:rPr lang="tr-TR" sz="1400" dirty="0" err="1"/>
+              <a:t>try</a:t>
+            </a:r>
+            <a:r>
+              <a:rPr lang="tr-TR" sz="1400" dirty="0"/>
+              <a:t>/</a:t>
+            </a:r>
+            <a:r>
+              <a:rPr lang="tr-TR" sz="1400" dirty="0" err="1"/>
+              <a:t>except</a:t>
+            </a:r>
+            <a:r>
+              <a:rPr lang="tr-TR" sz="1400" dirty="0"/>
+              <a:t> ifadesini kullanabilirsiniz.</a:t>
+            </a:r>
+          </a:p>
+          <a:p>
+            <a:r>
+              <a:rPr lang="tr-TR" sz="1400" dirty="0"/>
+              <a:t>İstisna, bir program çalışırken oluşan bir hatadır. Çoğu durumda, bir istisna, bir programın aniden durmasına neden olur. Örneğin, bir program kullanıcıdan iki sayı alsın ve ilk sayıyı ikinci sayıya bölsün. Programın örnek çalışmasında, kullanıcı ikinci sayı olarak 0 girdiğinde bir istisna oluşur. (0'a bölme, matematiksel olarak imkansız olduğu için bir istisnaya neden olur.)</a:t>
+            </a:r>
+          </a:p>
+          <a:p>
+            <a:r>
+              <a:rPr lang="tr-TR" sz="1400" dirty="0"/>
+              <a:t>Örnek çalıştırmada gösterilen uzun hata mesajına geri izleme (</a:t>
+            </a:r>
+            <a:r>
+              <a:rPr lang="tr-TR" sz="1400" dirty="0" err="1"/>
+              <a:t>traceback</a:t>
+            </a:r>
+            <a:r>
+              <a:rPr lang="tr-TR" sz="1400" dirty="0"/>
+              <a:t>) adı verilir. Geri izleme, istisnaya neden olan satır numaralarıyla ilgili bilgi verir. (Bir istisna oluştuğunda, programcılar bir istisna oluştuğunu söyler.) Hata mesajının son satırı, ortaya çıkan istisnanın adını (</a:t>
+            </a:r>
+            <a:r>
+              <a:rPr lang="tr-TR" sz="1400" dirty="0" err="1"/>
+              <a:t>ZeroDivisionError</a:t>
+            </a:r>
+            <a:r>
+              <a:rPr lang="tr-TR" sz="1400" dirty="0"/>
+              <a:t>) ve istisnanın oluşmasına neden olan hatanın kısa bir açıklamasını (sıfıra göre tamsayı bölümü veya </a:t>
+            </a:r>
+            <a:r>
+              <a:rPr lang="tr-TR" sz="1400" dirty="0" err="1"/>
+              <a:t>mod</a:t>
+            </a:r>
+            <a:r>
+              <a:rPr lang="tr-TR" sz="1400" dirty="0"/>
+              <a:t>) gösterir.</a:t>
+            </a:r>
+          </a:p>
+        </p:txBody>
+      </p:sp>
+      <p:pic>
+        <p:nvPicPr>
+          <p:cNvPr id="7" name="Resim 6" descr="metin içeren bir resim&#10;&#10;Açıklama otomatik olarak oluşturuldu">
+            <a:extLst>
+              <a:ext uri="{FF2B5EF4-FFF2-40B4-BE49-F238E27FC236}">
+                <a16:creationId xmlns:a16="http://schemas.microsoft.com/office/drawing/2014/main" id="{707DF14E-D872-4878-9E22-9A4839C8BA45}"/>
+              </a:ext>
+            </a:extLst>
+          </p:cNvPr>
+          <p:cNvPicPr>
+            <a:picLocks noChangeAspect="1"/>
+          </p:cNvPicPr>
+          <p:nvPr/>
+        </p:nvPicPr>
+        <p:blipFill>
+          <a:blip r:embed="rId2"/>
+          <a:stretch>
+            <a:fillRect/>
+          </a:stretch>
+        </p:blipFill>
+        <p:spPr>
+          <a:xfrm>
+            <a:off x="7119257" y="2548267"/>
+            <a:ext cx="4002896" cy="880733"/>
+          </a:xfrm>
+          <a:prstGeom prst="rect">
+            <a:avLst/>
+          </a:prstGeom>
+        </p:spPr>
+      </p:pic>
+    </p:spTree>
+    <p:extLst>
+      <p:ext uri="{BB962C8B-B14F-4D97-AF65-F5344CB8AC3E}">
+        <p14:creationId xmlns:p14="http://schemas.microsoft.com/office/powerpoint/2010/main" val="975186099"/>
+      </p:ext>
+    </p:extLst>
+  </p:cSld>
+  <p:clrMapOvr>
+    <a:masterClrMapping/>
+  </p:clrMapOvr>
+</p:sld>
+</file>
+
+<file path=ppt/slides/slide83.xml><?xml version="1.0" encoding="utf-8"?>
+<p:sld xmlns:a="http://schemas.openxmlformats.org/drawingml/2006/main" xmlns:r="http://schemas.openxmlformats.org/officeDocument/2006/relationships" xmlns:p="http://schemas.openxmlformats.org/presentationml/2006/main">
+  <p:cSld>
+    <p:bg>
+      <p:bgPr>
+        <a:solidFill>
+          <a:schemeClr val="bg1"/>
+        </a:solidFill>
+        <a:effectLst/>
+      </p:bgPr>
+    </p:bg>
+    <p:spTree>
+      <p:nvGrpSpPr>
+        <p:cNvPr id="1" name=""/>
+        <p:cNvGrpSpPr/>
+        <p:nvPr/>
+      </p:nvGrpSpPr>
+      <p:grpSpPr>
+        <a:xfrm>
+          <a:off x="0" y="0"/>
+          <a:ext cx="0" cy="0"/>
+          <a:chOff x="0" y="0"/>
+          <a:chExt cx="0" cy="0"/>
+        </a:xfrm>
+      </p:grpSpPr>
+      <p:sp>
+        <p:nvSpPr>
+          <p:cNvPr id="2" name="Başlık 1">
+            <a:extLst>
+              <a:ext uri="{FF2B5EF4-FFF2-40B4-BE49-F238E27FC236}">
+                <a16:creationId xmlns:a16="http://schemas.microsoft.com/office/drawing/2014/main" id="{0A428717-6C66-4C12-AB6D-EEB3FC45CA00}"/>
+              </a:ext>
+            </a:extLst>
+          </p:cNvPr>
+          <p:cNvSpPr>
+            <a:spLocks noGrp="1"/>
+          </p:cNvSpPr>
+          <p:nvPr>
+            <p:ph type="title"/>
+          </p:nvPr>
+        </p:nvSpPr>
+        <p:spPr>
+          <a:xfrm>
+            <a:off x="1069848" y="484632"/>
+            <a:ext cx="10058400" cy="1609344"/>
+          </a:xfrm>
+        </p:spPr>
+        <p:txBody>
+          <a:bodyPr>
+            <a:normAutofit/>
+          </a:bodyPr>
+          <a:lstStyle/>
+          <a:p>
+            <a:r>
+              <a:rPr lang="tr-TR" dirty="0">
+                <a:effectLst/>
+              </a:rPr>
+              <a:t>İSTİSNALAR (EXCEPTIONS)</a:t>
+            </a:r>
+            <a:endParaRPr lang="tr-TR" dirty="0"/>
+          </a:p>
+        </p:txBody>
+      </p:sp>
+      <p:sp>
+        <p:nvSpPr>
+          <p:cNvPr id="3" name="İçerik Yer Tutucusu 2">
+            <a:extLst>
+              <a:ext uri="{FF2B5EF4-FFF2-40B4-BE49-F238E27FC236}">
+                <a16:creationId xmlns:a16="http://schemas.microsoft.com/office/drawing/2014/main" id="{7C2C3FDC-D80C-477C-AB96-B998683CAF2B}"/>
+              </a:ext>
+            </a:extLst>
+          </p:cNvPr>
+          <p:cNvSpPr>
+            <a:spLocks noGrp="1"/>
+          </p:cNvSpPr>
+          <p:nvPr>
+            <p:ph idx="1"/>
+          </p:nvPr>
+        </p:nvSpPr>
+        <p:spPr>
+          <a:xfrm>
+            <a:off x="1069846" y="2121408"/>
+            <a:ext cx="7594331" cy="4050792"/>
+          </a:xfrm>
+        </p:spPr>
+        <p:txBody>
+          <a:bodyPr>
+            <a:noAutofit/>
+          </a:bodyPr>
+          <a:lstStyle/>
+          <a:p>
+            <a:r>
+              <a:rPr lang="tr-TR" sz="1200" dirty="0"/>
+              <a:t>Python, çoğu modern programlama dili gibi, istisnalar ortaya çıktıklarında yanıt veren kodlar yazmanıza izin verir ve programın aniden çökmesini önler. Bu koda istisna işleyici denir ve </a:t>
+            </a:r>
+            <a:r>
+              <a:rPr lang="tr-TR" sz="1200" dirty="0" err="1"/>
+              <a:t>try</a:t>
+            </a:r>
+            <a:r>
+              <a:rPr lang="tr-TR" sz="1200" dirty="0"/>
+              <a:t>/</a:t>
+            </a:r>
+            <a:r>
+              <a:rPr lang="tr-TR" sz="1200" dirty="0" err="1"/>
+              <a:t>except</a:t>
+            </a:r>
+            <a:r>
+              <a:rPr lang="tr-TR" sz="1200" dirty="0"/>
+              <a:t> ifadesi ile yazılır. Bir </a:t>
+            </a:r>
+            <a:r>
+              <a:rPr lang="tr-TR" sz="1200" dirty="0" err="1"/>
+              <a:t>try</a:t>
+            </a:r>
+            <a:r>
+              <a:rPr lang="tr-TR" sz="1200" dirty="0"/>
+              <a:t>/</a:t>
+            </a:r>
+            <a:r>
+              <a:rPr lang="tr-TR" sz="1200" dirty="0" err="1"/>
+              <a:t>except</a:t>
+            </a:r>
+            <a:r>
+              <a:rPr lang="tr-TR" sz="1200" dirty="0"/>
+              <a:t> ifadesi yazmanın birkaç yolu vardır, ancak yandaki genel format en basit varyasyonu gösterir.</a:t>
+            </a:r>
+          </a:p>
+          <a:p>
+            <a:r>
+              <a:rPr lang="tr-TR" sz="1200" dirty="0"/>
+              <a:t>Önce, anahtar sözcük </a:t>
+            </a:r>
+            <a:r>
+              <a:rPr lang="tr-TR" sz="1200" dirty="0" err="1"/>
+              <a:t>try</a:t>
+            </a:r>
+            <a:r>
+              <a:rPr lang="tr-TR" sz="1200" dirty="0"/>
+              <a:t> ve ardından iki nokta üst üste görünür. Ardından, </a:t>
+            </a:r>
+            <a:r>
+              <a:rPr lang="tr-TR" sz="1200" dirty="0" err="1"/>
+              <a:t>try</a:t>
+            </a:r>
+            <a:r>
+              <a:rPr lang="tr-TR" sz="1200" dirty="0"/>
+              <a:t> </a:t>
+            </a:r>
+            <a:r>
+              <a:rPr lang="tr-TR" sz="1200" dirty="0" err="1"/>
+              <a:t>suite</a:t>
+            </a:r>
+            <a:r>
+              <a:rPr lang="tr-TR" sz="1200" dirty="0"/>
+              <a:t> olarak adlandıracağımız bir kod bloğu belirir. </a:t>
+            </a:r>
+            <a:r>
+              <a:rPr lang="tr-TR" sz="1200" dirty="0" err="1"/>
+              <a:t>Try</a:t>
+            </a:r>
+            <a:r>
+              <a:rPr lang="tr-TR" sz="1200" dirty="0"/>
+              <a:t> paketi, potansiyel olarak bir istisna oluşturabilecek bir veya daha fazla ifadedir. </a:t>
+            </a:r>
+            <a:r>
+              <a:rPr lang="tr-TR" sz="1200" dirty="0" err="1"/>
+              <a:t>Try</a:t>
+            </a:r>
+            <a:r>
+              <a:rPr lang="tr-TR" sz="1200" dirty="0"/>
+              <a:t> </a:t>
+            </a:r>
+            <a:r>
+              <a:rPr lang="tr-TR" sz="1200" dirty="0" err="1"/>
+              <a:t>suite'ten</a:t>
+            </a:r>
+            <a:r>
+              <a:rPr lang="tr-TR" sz="1200" dirty="0"/>
+              <a:t> sonra bir </a:t>
+            </a:r>
+            <a:r>
+              <a:rPr lang="tr-TR" sz="1200" dirty="0" err="1"/>
+              <a:t>except</a:t>
+            </a:r>
+            <a:r>
+              <a:rPr lang="tr-TR" sz="1200" dirty="0"/>
+              <a:t> yan tümcesi belirir. </a:t>
+            </a:r>
+            <a:r>
+              <a:rPr lang="tr-TR" sz="1200" dirty="0" err="1"/>
+              <a:t>Except</a:t>
+            </a:r>
+            <a:r>
+              <a:rPr lang="tr-TR" sz="1200" dirty="0"/>
+              <a:t> yan tümcesi, </a:t>
+            </a:r>
+            <a:r>
+              <a:rPr lang="tr-TR" sz="1200" dirty="0" err="1"/>
+              <a:t>except</a:t>
+            </a:r>
+            <a:r>
+              <a:rPr lang="tr-TR" sz="1200" dirty="0"/>
+              <a:t> anahtar sözcükle başlar, isteğe bağlı olarak bir istisnanın adı gelir ve iki nokta üst üste ile biter. Bir sonraki satırdan başlayarak, işleyici (</a:t>
+            </a:r>
+            <a:r>
+              <a:rPr lang="tr-TR" sz="1200" dirty="0" err="1"/>
+              <a:t>handler</a:t>
+            </a:r>
+            <a:r>
+              <a:rPr lang="tr-TR" sz="1200" dirty="0"/>
+              <a:t>) olarak adlandıracağımız bir ifade bloğu ile devam eder. </a:t>
+            </a:r>
+          </a:p>
+          <a:p>
+            <a:r>
+              <a:rPr lang="tr-TR" sz="1200" dirty="0" err="1"/>
+              <a:t>try</a:t>
+            </a:r>
+            <a:r>
+              <a:rPr lang="tr-TR" sz="1200" dirty="0"/>
+              <a:t>/</a:t>
+            </a:r>
+            <a:r>
+              <a:rPr lang="tr-TR" sz="1200" dirty="0" err="1"/>
+              <a:t>except</a:t>
+            </a:r>
+            <a:r>
+              <a:rPr lang="tr-TR" sz="1200" dirty="0"/>
+              <a:t> ifadesi yürütüldüğünde, </a:t>
+            </a:r>
+            <a:r>
+              <a:rPr lang="tr-TR" sz="1200" dirty="0" err="1"/>
+              <a:t>try</a:t>
+            </a:r>
+            <a:r>
+              <a:rPr lang="tr-TR" sz="1200" dirty="0"/>
+              <a:t> paketindeki ifadeler yürütülmeye başlar. Aşağıda bundan sonra ne olacağı açıklanmaktadır: </a:t>
+            </a:r>
+          </a:p>
+          <a:p>
+            <a:pPr lvl="1"/>
+            <a:r>
+              <a:rPr lang="tr-TR" sz="1100" dirty="0" err="1"/>
+              <a:t>try</a:t>
+            </a:r>
+            <a:r>
+              <a:rPr lang="tr-TR" sz="1100" dirty="0"/>
+              <a:t> paketindeki bir ifade, bir istisna yan tümcesinde </a:t>
+            </a:r>
+            <a:r>
+              <a:rPr lang="tr-TR" sz="1100" dirty="0" err="1"/>
+              <a:t>ExceptionName</a:t>
+            </a:r>
+            <a:r>
+              <a:rPr lang="tr-TR" sz="1100" dirty="0"/>
+              <a:t> tarafından belirtilen bir özel durum oluşturursa, istisna yan tümcesini hemen takip eden işleyici yürütülür. Ardından program, </a:t>
+            </a:r>
+            <a:r>
+              <a:rPr lang="tr-TR" sz="1100" dirty="0" err="1"/>
+              <a:t>try</a:t>
+            </a:r>
+            <a:r>
+              <a:rPr lang="tr-TR" sz="1100" dirty="0"/>
+              <a:t>/</a:t>
+            </a:r>
+            <a:r>
+              <a:rPr lang="tr-TR" sz="1100" dirty="0" err="1"/>
+              <a:t>except</a:t>
+            </a:r>
+            <a:r>
+              <a:rPr lang="tr-TR" sz="1100" dirty="0"/>
+              <a:t> ifadesinin hemen ardından gelen ifadeyle yürütmeye devam eder.</a:t>
+            </a:r>
+          </a:p>
+          <a:p>
+            <a:pPr lvl="1"/>
+            <a:r>
+              <a:rPr lang="tr-TR" sz="1100" dirty="0" err="1"/>
+              <a:t>Try</a:t>
+            </a:r>
+            <a:r>
+              <a:rPr lang="tr-TR" sz="1100" dirty="0"/>
+              <a:t> paketindeki bir ifade, bir istisna yan tümcesinde </a:t>
+            </a:r>
+            <a:r>
+              <a:rPr lang="tr-TR" sz="1100" dirty="0" err="1"/>
+              <a:t>ExceptionName</a:t>
+            </a:r>
+            <a:r>
+              <a:rPr lang="tr-TR" sz="1100" dirty="0"/>
+              <a:t> tarafından belirtilmeyen bir istisna oluşturursa, program bir geri izleme hata mesajıyla durur.</a:t>
+            </a:r>
+          </a:p>
+          <a:p>
+            <a:pPr lvl="1"/>
+            <a:r>
+              <a:rPr lang="tr-TR" sz="1100" dirty="0" err="1"/>
+              <a:t>Try</a:t>
+            </a:r>
+            <a:r>
+              <a:rPr lang="tr-TR" sz="1100" dirty="0"/>
+              <a:t> takımındaki deyimler bir istisna oluşturmadan yürütülürse, deyimdeki herhangi bir istisna cümlesi ve işleyici atlanır ve program, </a:t>
+            </a:r>
+            <a:r>
+              <a:rPr lang="tr-TR" sz="1100" dirty="0" err="1"/>
+              <a:t>try</a:t>
+            </a:r>
+            <a:r>
+              <a:rPr lang="tr-TR" sz="1100" dirty="0"/>
+              <a:t>/</a:t>
+            </a:r>
+            <a:r>
+              <a:rPr lang="tr-TR" sz="1100" dirty="0" err="1"/>
+              <a:t>except</a:t>
+            </a:r>
+            <a:r>
+              <a:rPr lang="tr-TR" sz="1100" dirty="0"/>
+              <a:t> deyiminin hemen ardından deyimle yürütmeye devam eder.</a:t>
+            </a:r>
+          </a:p>
+        </p:txBody>
+      </p:sp>
+      <p:pic>
+        <p:nvPicPr>
+          <p:cNvPr id="5" name="Resim 4" descr="metin içeren bir resim&#10;&#10;Açıklama otomatik olarak oluşturuldu">
+            <a:extLst>
+              <a:ext uri="{FF2B5EF4-FFF2-40B4-BE49-F238E27FC236}">
+                <a16:creationId xmlns:a16="http://schemas.microsoft.com/office/drawing/2014/main" id="{C098106E-4F3F-4635-B598-95A4BF2F762A}"/>
+              </a:ext>
+            </a:extLst>
+          </p:cNvPr>
+          <p:cNvPicPr>
+            <a:picLocks noChangeAspect="1"/>
+          </p:cNvPicPr>
+          <p:nvPr/>
+        </p:nvPicPr>
+        <p:blipFill>
+          <a:blip r:embed="rId2"/>
+          <a:stretch>
+            <a:fillRect/>
+          </a:stretch>
+        </p:blipFill>
+        <p:spPr>
+          <a:xfrm>
+            <a:off x="8664177" y="2740686"/>
+            <a:ext cx="2457975" cy="2401766"/>
+          </a:xfrm>
+          <a:prstGeom prst="rect">
+            <a:avLst/>
+          </a:prstGeom>
+        </p:spPr>
+      </p:pic>
+    </p:spTree>
+    <p:extLst>
+      <p:ext uri="{BB962C8B-B14F-4D97-AF65-F5344CB8AC3E}">
+        <p14:creationId xmlns:p14="http://schemas.microsoft.com/office/powerpoint/2010/main" val="4146532895"/>
+      </p:ext>
+    </p:extLst>
+  </p:cSld>
+  <p:clrMapOvr>
+    <a:masterClrMapping/>
+  </p:clrMapOvr>
+</p:sld>
+</file>
+
+<file path=ppt/slides/slide84.xml><?xml version="1.0" encoding="utf-8"?>
+<p:sld xmlns:a="http://schemas.openxmlformats.org/drawingml/2006/main" xmlns:r="http://schemas.openxmlformats.org/officeDocument/2006/relationships" xmlns:p="http://schemas.openxmlformats.org/presentationml/2006/main">
+  <p:cSld>
+    <p:bg>
+      <p:bgPr>
+        <a:solidFill>
+          <a:schemeClr val="bg1"/>
+        </a:solidFill>
+        <a:effectLst/>
+      </p:bgPr>
+    </p:bg>
+    <p:spTree>
+      <p:nvGrpSpPr>
+        <p:cNvPr id="1" name=""/>
+        <p:cNvGrpSpPr/>
+        <p:nvPr/>
+      </p:nvGrpSpPr>
+      <p:grpSpPr>
+        <a:xfrm>
+          <a:off x="0" y="0"/>
+          <a:ext cx="0" cy="0"/>
+          <a:chOff x="0" y="0"/>
+          <a:chExt cx="0" cy="0"/>
+        </a:xfrm>
+      </p:grpSpPr>
+      <p:sp>
+        <p:nvSpPr>
+          <p:cNvPr id="2" name="Başlık 1">
+            <a:extLst>
+              <a:ext uri="{FF2B5EF4-FFF2-40B4-BE49-F238E27FC236}">
+                <a16:creationId xmlns:a16="http://schemas.microsoft.com/office/drawing/2014/main" id="{0A428717-6C66-4C12-AB6D-EEB3FC45CA00}"/>
+              </a:ext>
+            </a:extLst>
+          </p:cNvPr>
+          <p:cNvSpPr>
+            <a:spLocks noGrp="1"/>
+          </p:cNvSpPr>
+          <p:nvPr>
+            <p:ph type="title"/>
+          </p:nvPr>
+        </p:nvSpPr>
+        <p:spPr>
+          <a:xfrm>
+            <a:off x="1069848" y="484632"/>
+            <a:ext cx="10058400" cy="1609344"/>
+          </a:xfrm>
+        </p:spPr>
+        <p:txBody>
+          <a:bodyPr>
+            <a:normAutofit/>
+          </a:bodyPr>
+          <a:lstStyle/>
+          <a:p>
+            <a:r>
+              <a:rPr lang="tr-TR" dirty="0">
+                <a:effectLst/>
+              </a:rPr>
+              <a:t>İSTİSNALAR (EXCEPTIONS)</a:t>
+            </a:r>
+            <a:endParaRPr lang="tr-TR" dirty="0"/>
+          </a:p>
+        </p:txBody>
+      </p:sp>
+      <p:sp>
+        <p:nvSpPr>
+          <p:cNvPr id="3" name="İçerik Yer Tutucusu 2">
+            <a:extLst>
+              <a:ext uri="{FF2B5EF4-FFF2-40B4-BE49-F238E27FC236}">
+                <a16:creationId xmlns:a16="http://schemas.microsoft.com/office/drawing/2014/main" id="{7C2C3FDC-D80C-477C-AB96-B998683CAF2B}"/>
+              </a:ext>
+            </a:extLst>
+          </p:cNvPr>
+          <p:cNvSpPr>
+            <a:spLocks noGrp="1"/>
+          </p:cNvSpPr>
+          <p:nvPr>
+            <p:ph idx="1"/>
+          </p:nvPr>
+        </p:nvSpPr>
+        <p:spPr>
+          <a:xfrm>
+            <a:off x="1069847" y="2121408"/>
+            <a:ext cx="6482419" cy="4050792"/>
+          </a:xfrm>
+        </p:spPr>
+        <p:txBody>
+          <a:bodyPr>
+            <a:normAutofit/>
+          </a:bodyPr>
+          <a:lstStyle/>
+          <a:p>
+            <a:r>
+              <a:rPr lang="tr-TR" b="1" dirty="0"/>
+              <a:t>Else Bloğu: </a:t>
+            </a:r>
+            <a:r>
+              <a:rPr lang="tr-TR" dirty="0" err="1"/>
+              <a:t>try</a:t>
+            </a:r>
+            <a:r>
+              <a:rPr lang="tr-TR" dirty="0"/>
+              <a:t>/</a:t>
+            </a:r>
+            <a:r>
+              <a:rPr lang="tr-TR" dirty="0" err="1"/>
+              <a:t>except</a:t>
+            </a:r>
+            <a:r>
+              <a:rPr lang="tr-TR" dirty="0"/>
+              <a:t> deyimi, tüm hariç yan tümcelerinden sonra görünen isteğe bağlı bir else yan tümcesine sahip olabilir. Başka bir yan tümcesi olan bir </a:t>
+            </a:r>
+            <a:r>
+              <a:rPr lang="tr-TR" dirty="0" err="1"/>
+              <a:t>try</a:t>
+            </a:r>
+            <a:r>
+              <a:rPr lang="tr-TR" dirty="0"/>
+              <a:t>/</a:t>
+            </a:r>
+            <a:r>
+              <a:rPr lang="tr-TR" dirty="0" err="1"/>
+              <a:t>except</a:t>
+            </a:r>
+            <a:r>
+              <a:rPr lang="tr-TR" dirty="0"/>
+              <a:t> ifadesinin genel biçimi şu şekildedir:</a:t>
+            </a:r>
+          </a:p>
+          <a:p>
+            <a:r>
+              <a:rPr lang="tr-TR" dirty="0"/>
+              <a:t>else yan tümcesinden sonra görünen ifade bloğu, else paketi olarak bilinir. else paketindeki deyimler, yalnızca hiçbir istisna oluşturulmadıysa, </a:t>
+            </a:r>
+            <a:r>
+              <a:rPr lang="tr-TR" dirty="0" err="1"/>
+              <a:t>try</a:t>
+            </a:r>
+            <a:r>
+              <a:rPr lang="tr-TR" dirty="0"/>
+              <a:t> paketindeki deyimlerden sonra yürütülür. Bir istisna ortaya çıkarsa, else paketi atlanır.</a:t>
+            </a:r>
+          </a:p>
+        </p:txBody>
+      </p:sp>
+      <p:pic>
+        <p:nvPicPr>
+          <p:cNvPr id="6" name="Resim 5" descr="metin içeren bir resim&#10;&#10;Açıklama otomatik olarak oluşturuldu">
+            <a:extLst>
+              <a:ext uri="{FF2B5EF4-FFF2-40B4-BE49-F238E27FC236}">
+                <a16:creationId xmlns:a16="http://schemas.microsoft.com/office/drawing/2014/main" id="{6CB9EC31-E2C8-476B-8E03-A75D99526804}"/>
+              </a:ext>
+            </a:extLst>
+          </p:cNvPr>
+          <p:cNvPicPr>
+            <a:picLocks noChangeAspect="1"/>
+          </p:cNvPicPr>
+          <p:nvPr/>
+        </p:nvPicPr>
+        <p:blipFill>
+          <a:blip r:embed="rId2"/>
+          <a:stretch>
+            <a:fillRect/>
+          </a:stretch>
+        </p:blipFill>
+        <p:spPr>
+          <a:xfrm>
+            <a:off x="8215262" y="2093976"/>
+            <a:ext cx="2806223" cy="3639872"/>
+          </a:xfrm>
+          <a:prstGeom prst="rect">
+            <a:avLst/>
+          </a:prstGeom>
+        </p:spPr>
+      </p:pic>
+    </p:spTree>
+    <p:extLst>
+      <p:ext uri="{BB962C8B-B14F-4D97-AF65-F5344CB8AC3E}">
+        <p14:creationId xmlns:p14="http://schemas.microsoft.com/office/powerpoint/2010/main" val="1072345515"/>
+      </p:ext>
+    </p:extLst>
+  </p:cSld>
+  <p:clrMapOvr>
+    <a:masterClrMapping/>
+  </p:clrMapOvr>
+</p:sld>
+</file>
+
+<file path=ppt/slides/slide85.xml><?xml version="1.0" encoding="utf-8"?>
+<p:sld xmlns:a="http://schemas.openxmlformats.org/drawingml/2006/main" xmlns:r="http://schemas.openxmlformats.org/officeDocument/2006/relationships" xmlns:p="http://schemas.openxmlformats.org/presentationml/2006/main">
+  <p:cSld>
+    <p:bg>
+      <p:bgPr>
+        <a:solidFill>
+          <a:schemeClr val="bg1"/>
+        </a:solidFill>
+        <a:effectLst/>
+      </p:bgPr>
+    </p:bg>
+    <p:spTree>
+      <p:nvGrpSpPr>
+        <p:cNvPr id="1" name=""/>
+        <p:cNvGrpSpPr/>
+        <p:nvPr/>
+      </p:nvGrpSpPr>
+      <p:grpSpPr>
+        <a:xfrm>
+          <a:off x="0" y="0"/>
+          <a:ext cx="0" cy="0"/>
+          <a:chOff x="0" y="0"/>
+          <a:chExt cx="0" cy="0"/>
+        </a:xfrm>
+      </p:grpSpPr>
+      <p:sp>
+        <p:nvSpPr>
+          <p:cNvPr id="2" name="Başlık 1">
+            <a:extLst>
+              <a:ext uri="{FF2B5EF4-FFF2-40B4-BE49-F238E27FC236}">
+                <a16:creationId xmlns:a16="http://schemas.microsoft.com/office/drawing/2014/main" id="{0A428717-6C66-4C12-AB6D-EEB3FC45CA00}"/>
+              </a:ext>
+            </a:extLst>
+          </p:cNvPr>
+          <p:cNvSpPr>
+            <a:spLocks noGrp="1"/>
+          </p:cNvSpPr>
+          <p:nvPr>
+            <p:ph type="title"/>
+          </p:nvPr>
+        </p:nvSpPr>
+        <p:spPr>
+          <a:xfrm>
+            <a:off x="1069848" y="484632"/>
+            <a:ext cx="10058400" cy="1609344"/>
+          </a:xfrm>
+        </p:spPr>
+        <p:txBody>
+          <a:bodyPr>
+            <a:normAutofit/>
+          </a:bodyPr>
+          <a:lstStyle/>
+          <a:p>
+            <a:r>
+              <a:rPr lang="tr-TR" dirty="0">
+                <a:effectLst/>
+              </a:rPr>
+              <a:t>İSTİSNALAR (EXCEPTIONS)</a:t>
+            </a:r>
+            <a:endParaRPr lang="tr-TR" dirty="0"/>
+          </a:p>
+        </p:txBody>
+      </p:sp>
+      <p:sp>
+        <p:nvSpPr>
+          <p:cNvPr id="3" name="İçerik Yer Tutucusu 2">
+            <a:extLst>
+              <a:ext uri="{FF2B5EF4-FFF2-40B4-BE49-F238E27FC236}">
+                <a16:creationId xmlns:a16="http://schemas.microsoft.com/office/drawing/2014/main" id="{7C2C3FDC-D80C-477C-AB96-B998683CAF2B}"/>
+              </a:ext>
+            </a:extLst>
+          </p:cNvPr>
+          <p:cNvSpPr>
+            <a:spLocks noGrp="1"/>
+          </p:cNvSpPr>
+          <p:nvPr>
+            <p:ph idx="1"/>
+          </p:nvPr>
+        </p:nvSpPr>
+        <p:spPr>
+          <a:xfrm>
+            <a:off x="1069847" y="2121408"/>
+            <a:ext cx="6482419" cy="4050792"/>
+          </a:xfrm>
+        </p:spPr>
+        <p:txBody>
+          <a:bodyPr>
+            <a:noAutofit/>
+          </a:bodyPr>
+          <a:lstStyle/>
+          <a:p>
+            <a:r>
+              <a:rPr lang="tr-TR" sz="1600" b="1" dirty="0" err="1"/>
+              <a:t>Finally</a:t>
+            </a:r>
+            <a:r>
+              <a:rPr lang="tr-TR" sz="1600" b="1" dirty="0"/>
+              <a:t> Bloğu: </a:t>
+            </a:r>
+            <a:r>
+              <a:rPr lang="tr-TR" sz="1600" dirty="0" err="1"/>
+              <a:t>try</a:t>
+            </a:r>
+            <a:r>
+              <a:rPr lang="tr-TR" sz="1600" dirty="0"/>
+              <a:t>/</a:t>
+            </a:r>
+            <a:r>
+              <a:rPr lang="tr-TR" sz="1600" dirty="0" err="1"/>
+              <a:t>except</a:t>
+            </a:r>
+            <a:r>
+              <a:rPr lang="tr-TR" sz="1600" dirty="0"/>
+              <a:t> deyimi, tüm hariç yan tümcelerinden sonra görünmesi gereken isteğe bağlı bir </a:t>
+            </a:r>
+            <a:r>
+              <a:rPr lang="tr-TR" sz="1600" dirty="0" err="1"/>
+              <a:t>finally</a:t>
+            </a:r>
+            <a:r>
+              <a:rPr lang="tr-TR" sz="1600" dirty="0"/>
+              <a:t> yan tümcesine sahip olabilir. Bir </a:t>
+            </a:r>
+            <a:r>
+              <a:rPr lang="tr-TR" sz="1600" dirty="0" err="1"/>
+              <a:t>finally</a:t>
+            </a:r>
+            <a:r>
+              <a:rPr lang="tr-TR" sz="1600" dirty="0"/>
+              <a:t> yan tümcesi olan bir </a:t>
+            </a:r>
+            <a:r>
+              <a:rPr lang="tr-TR" sz="1600" dirty="0" err="1"/>
+              <a:t>try</a:t>
+            </a:r>
+            <a:r>
+              <a:rPr lang="tr-TR" sz="1600" dirty="0"/>
+              <a:t>/</a:t>
+            </a:r>
+            <a:r>
+              <a:rPr lang="tr-TR" sz="1600" dirty="0" err="1"/>
+              <a:t>except</a:t>
+            </a:r>
+            <a:r>
+              <a:rPr lang="tr-TR" sz="1600" dirty="0"/>
+              <a:t> ifadesinin genel biçimi şöyledir: </a:t>
+            </a:r>
+          </a:p>
+          <a:p>
+            <a:r>
+              <a:rPr lang="tr-TR" sz="1600" dirty="0" err="1"/>
+              <a:t>Finally</a:t>
+            </a:r>
+            <a:r>
+              <a:rPr lang="tr-TR" sz="1600" dirty="0"/>
+              <a:t> yan tümcesinden sonra görünen ifade bloğu, </a:t>
+            </a:r>
+            <a:r>
+              <a:rPr lang="tr-TR" sz="1600" dirty="0" err="1"/>
+              <a:t>finally</a:t>
+            </a:r>
+            <a:r>
+              <a:rPr lang="tr-TR" sz="1600" dirty="0"/>
+              <a:t> paketi olarak bilinir. </a:t>
+            </a:r>
+            <a:r>
+              <a:rPr lang="tr-TR" sz="1600" dirty="0" err="1"/>
+              <a:t>finally</a:t>
+            </a:r>
+            <a:r>
+              <a:rPr lang="tr-TR" sz="1600" dirty="0"/>
+              <a:t> paketindeki ifadeler, her zaman, </a:t>
+            </a:r>
+            <a:r>
+              <a:rPr lang="tr-TR" sz="1600" dirty="0" err="1"/>
+              <a:t>try</a:t>
+            </a:r>
+            <a:r>
+              <a:rPr lang="tr-TR" sz="1600" dirty="0"/>
+              <a:t> paketi yürütüldükten sonra ve herhangi bir istisna işleyicisi yürütüldükten sonra yürütülür. </a:t>
+            </a:r>
+            <a:r>
+              <a:rPr lang="tr-TR" sz="1600" dirty="0" err="1"/>
+              <a:t>finally</a:t>
+            </a:r>
+            <a:r>
+              <a:rPr lang="tr-TR" sz="1600" dirty="0"/>
+              <a:t> paketindeki ifadeler, bir istisna oluşup oluşmadığına bakılmaksızın yürütülür. Son paketin amacı, dosyaları veya diğer kaynakları kapatmak gibi temizleme işlemlerini gerçekleştirmektir. </a:t>
+            </a:r>
+            <a:r>
+              <a:rPr lang="tr-TR" sz="1600" dirty="0" err="1"/>
+              <a:t>finally</a:t>
+            </a:r>
+            <a:r>
+              <a:rPr lang="tr-TR" sz="1600" dirty="0"/>
+              <a:t> paketine yazılan herhangi bir kod, </a:t>
+            </a:r>
+            <a:r>
+              <a:rPr lang="tr-TR" sz="1600" dirty="0" err="1"/>
+              <a:t>try</a:t>
+            </a:r>
+            <a:r>
+              <a:rPr lang="tr-TR" sz="1600" dirty="0"/>
+              <a:t> paketi bir istisna oluştursa bile her zaman yürütülür.</a:t>
+            </a:r>
+          </a:p>
+        </p:txBody>
+      </p:sp>
+      <p:pic>
+        <p:nvPicPr>
+          <p:cNvPr id="5" name="Resim 4" descr="metin içeren bir resim&#10;&#10;Açıklama otomatik olarak oluşturuldu">
+            <a:extLst>
+              <a:ext uri="{FF2B5EF4-FFF2-40B4-BE49-F238E27FC236}">
+                <a16:creationId xmlns:a16="http://schemas.microsoft.com/office/drawing/2014/main" id="{90A0B861-05DE-47EE-9F55-EFD903957B75}"/>
+              </a:ext>
+            </a:extLst>
+          </p:cNvPr>
+          <p:cNvPicPr>
+            <a:picLocks noChangeAspect="1"/>
+          </p:cNvPicPr>
+          <p:nvPr/>
+        </p:nvPicPr>
+        <p:blipFill>
+          <a:blip r:embed="rId2"/>
+          <a:stretch>
+            <a:fillRect/>
+          </a:stretch>
+        </p:blipFill>
+        <p:spPr>
+          <a:xfrm>
+            <a:off x="8146232" y="2121408"/>
+            <a:ext cx="2975921" cy="3639872"/>
+          </a:xfrm>
+          <a:prstGeom prst="rect">
+            <a:avLst/>
+          </a:prstGeom>
+        </p:spPr>
+      </p:pic>
+    </p:spTree>
+    <p:extLst>
+      <p:ext uri="{BB962C8B-B14F-4D97-AF65-F5344CB8AC3E}">
+        <p14:creationId xmlns:p14="http://schemas.microsoft.com/office/powerpoint/2010/main" val="1610779200"/>
       </p:ext>
     </p:extLst>
   </p:cSld>
